--- a/Thermo 2022 (Neshyba)/Lectures/Week 2 - Thermodynamic surfaces/Week 2.4 Synthesis.pptx
+++ b/Thermo 2022 (Neshyba)/Lectures/Week 2 - Thermodynamic surfaces/Week 2.4 Synthesis.pptx
@@ -4,11 +4,16 @@
   <p:sldMasterIdLst>
     <p:sldMasterId id="2147483648" r:id="rId1"/>
   </p:sldMasterIdLst>
+  <p:notesMasterIdLst>
+    <p:notesMasterId r:id="rId8"/>
+  </p:notesMasterIdLst>
   <p:sldIdLst>
     <p:sldId id="293" r:id="rId2"/>
     <p:sldId id="290" r:id="rId3"/>
     <p:sldId id="294" r:id="rId4"/>
     <p:sldId id="295" r:id="rId5"/>
+    <p:sldId id="359" r:id="rId6"/>
+    <p:sldId id="360" r:id="rId7"/>
   </p:sldIdLst>
   <p:sldSz cx="12192000" cy="6858000"/>
   <p:notesSz cx="6858000" cy="9144000"/>
@@ -115,6 +120,439 @@
 </p:presentation>
 </file>
 
+<file path=ppt/notesMasters/notesMaster1.xml><?xml version="1.0" encoding="utf-8"?>
+<p:notesMaster xmlns:a="http://schemas.openxmlformats.org/drawingml/2006/main" xmlns:r="http://schemas.openxmlformats.org/officeDocument/2006/relationships" xmlns:p="http://schemas.openxmlformats.org/presentationml/2006/main">
+  <p:cSld>
+    <p:bg>
+      <p:bgRef idx="1001">
+        <a:schemeClr val="bg1"/>
+      </p:bgRef>
+    </p:bg>
+    <p:spTree>
+      <p:nvGrpSpPr>
+        <p:cNvPr id="1" name=""/>
+        <p:cNvGrpSpPr/>
+        <p:nvPr/>
+      </p:nvGrpSpPr>
+      <p:grpSpPr>
+        <a:xfrm>
+          <a:off x="0" y="0"/>
+          <a:ext cx="0" cy="0"/>
+          <a:chOff x="0" y="0"/>
+          <a:chExt cx="0" cy="0"/>
+        </a:xfrm>
+      </p:grpSpPr>
+      <p:sp>
+        <p:nvSpPr>
+          <p:cNvPr id="2" name="Header Placeholder 1"/>
+          <p:cNvSpPr>
+            <a:spLocks noGrp="1"/>
+          </p:cNvSpPr>
+          <p:nvPr>
+            <p:ph type="hdr" sz="quarter"/>
+          </p:nvPr>
+        </p:nvSpPr>
+        <p:spPr>
+          <a:xfrm>
+            <a:off x="0" y="0"/>
+            <a:ext cx="2971800" cy="458788"/>
+          </a:xfrm>
+          <a:prstGeom prst="rect">
+            <a:avLst/>
+          </a:prstGeom>
+        </p:spPr>
+        <p:txBody>
+          <a:bodyPr vert="horz" lIns="91440" tIns="45720" rIns="91440" bIns="45720" rtlCol="0"/>
+          <a:lstStyle>
+            <a:lvl1pPr algn="l">
+              <a:defRPr sz="1200"/>
+            </a:lvl1pPr>
+          </a:lstStyle>
+          <a:p>
+            <a:endParaRPr lang="en-US"/>
+          </a:p>
+        </p:txBody>
+      </p:sp>
+      <p:sp>
+        <p:nvSpPr>
+          <p:cNvPr id="3" name="Date Placeholder 2"/>
+          <p:cNvSpPr>
+            <a:spLocks noGrp="1"/>
+          </p:cNvSpPr>
+          <p:nvPr>
+            <p:ph type="dt" idx="1"/>
+          </p:nvPr>
+        </p:nvSpPr>
+        <p:spPr>
+          <a:xfrm>
+            <a:off x="3884613" y="0"/>
+            <a:ext cx="2971800" cy="458788"/>
+          </a:xfrm>
+          <a:prstGeom prst="rect">
+            <a:avLst/>
+          </a:prstGeom>
+        </p:spPr>
+        <p:txBody>
+          <a:bodyPr vert="horz" lIns="91440" tIns="45720" rIns="91440" bIns="45720" rtlCol="0"/>
+          <a:lstStyle>
+            <a:lvl1pPr algn="r">
+              <a:defRPr sz="1200"/>
+            </a:lvl1pPr>
+          </a:lstStyle>
+          <a:p>
+            <a:fld id="{8C70B69E-D9B9-0444-BCC8-1C1CD9965834}" type="datetimeFigureOut">
+              <a:rPr lang="en-US" smtClean="0"/>
+              <a:t>9/9/22</a:t>
+            </a:fld>
+            <a:endParaRPr lang="en-US"/>
+          </a:p>
+        </p:txBody>
+      </p:sp>
+      <p:sp>
+        <p:nvSpPr>
+          <p:cNvPr id="4" name="Slide Image Placeholder 3"/>
+          <p:cNvSpPr>
+            <a:spLocks noGrp="1" noRot="1" noChangeAspect="1"/>
+          </p:cNvSpPr>
+          <p:nvPr>
+            <p:ph type="sldImg" idx="2"/>
+          </p:nvPr>
+        </p:nvSpPr>
+        <p:spPr>
+          <a:xfrm>
+            <a:off x="685800" y="1143000"/>
+            <a:ext cx="5486400" cy="3086100"/>
+          </a:xfrm>
+          <a:prstGeom prst="rect">
+            <a:avLst/>
+          </a:prstGeom>
+          <a:noFill/>
+          <a:ln w="12700">
+            <a:solidFill>
+              <a:prstClr val="black"/>
+            </a:solidFill>
+          </a:ln>
+        </p:spPr>
+        <p:txBody>
+          <a:bodyPr vert="horz" lIns="91440" tIns="45720" rIns="91440" bIns="45720" rtlCol="0" anchor="ctr"/>
+          <a:lstStyle/>
+          <a:p>
+            <a:endParaRPr lang="en-US"/>
+          </a:p>
+        </p:txBody>
+      </p:sp>
+      <p:sp>
+        <p:nvSpPr>
+          <p:cNvPr id="5" name="Notes Placeholder 4"/>
+          <p:cNvSpPr>
+            <a:spLocks noGrp="1"/>
+          </p:cNvSpPr>
+          <p:nvPr>
+            <p:ph type="body" sz="quarter" idx="3"/>
+          </p:nvPr>
+        </p:nvSpPr>
+        <p:spPr>
+          <a:xfrm>
+            <a:off x="685800" y="4400550"/>
+            <a:ext cx="5486400" cy="3600450"/>
+          </a:xfrm>
+          <a:prstGeom prst="rect">
+            <a:avLst/>
+          </a:prstGeom>
+        </p:spPr>
+        <p:txBody>
+          <a:bodyPr vert="horz" lIns="91440" tIns="45720" rIns="91440" bIns="45720" rtlCol="0"/>
+          <a:lstStyle/>
+          <a:p>
+            <a:pPr lvl="0"/>
+            <a:r>
+              <a:rPr lang="en-US"/>
+              <a:t>Click to edit Master text styles</a:t>
+            </a:r>
+          </a:p>
+          <a:p>
+            <a:pPr lvl="1"/>
+            <a:r>
+              <a:rPr lang="en-US"/>
+              <a:t>Second level</a:t>
+            </a:r>
+          </a:p>
+          <a:p>
+            <a:pPr lvl="2"/>
+            <a:r>
+              <a:rPr lang="en-US"/>
+              <a:t>Third level</a:t>
+            </a:r>
+          </a:p>
+          <a:p>
+            <a:pPr lvl="3"/>
+            <a:r>
+              <a:rPr lang="en-US"/>
+              <a:t>Fourth level</a:t>
+            </a:r>
+          </a:p>
+          <a:p>
+            <a:pPr lvl="4"/>
+            <a:r>
+              <a:rPr lang="en-US"/>
+              <a:t>Fifth level</a:t>
+            </a:r>
+          </a:p>
+        </p:txBody>
+      </p:sp>
+      <p:sp>
+        <p:nvSpPr>
+          <p:cNvPr id="6" name="Footer Placeholder 5"/>
+          <p:cNvSpPr>
+            <a:spLocks noGrp="1"/>
+          </p:cNvSpPr>
+          <p:nvPr>
+            <p:ph type="ftr" sz="quarter" idx="4"/>
+          </p:nvPr>
+        </p:nvSpPr>
+        <p:spPr>
+          <a:xfrm>
+            <a:off x="0" y="8685213"/>
+            <a:ext cx="2971800" cy="458787"/>
+          </a:xfrm>
+          <a:prstGeom prst="rect">
+            <a:avLst/>
+          </a:prstGeom>
+        </p:spPr>
+        <p:txBody>
+          <a:bodyPr vert="horz" lIns="91440" tIns="45720" rIns="91440" bIns="45720" rtlCol="0" anchor="b"/>
+          <a:lstStyle>
+            <a:lvl1pPr algn="l">
+              <a:defRPr sz="1200"/>
+            </a:lvl1pPr>
+          </a:lstStyle>
+          <a:p>
+            <a:endParaRPr lang="en-US"/>
+          </a:p>
+        </p:txBody>
+      </p:sp>
+      <p:sp>
+        <p:nvSpPr>
+          <p:cNvPr id="7" name="Slide Number Placeholder 6"/>
+          <p:cNvSpPr>
+            <a:spLocks noGrp="1"/>
+          </p:cNvSpPr>
+          <p:nvPr>
+            <p:ph type="sldNum" sz="quarter" idx="5"/>
+          </p:nvPr>
+        </p:nvSpPr>
+        <p:spPr>
+          <a:xfrm>
+            <a:off x="3884613" y="8685213"/>
+            <a:ext cx="2971800" cy="458787"/>
+          </a:xfrm>
+          <a:prstGeom prst="rect">
+            <a:avLst/>
+          </a:prstGeom>
+        </p:spPr>
+        <p:txBody>
+          <a:bodyPr vert="horz" lIns="91440" tIns="45720" rIns="91440" bIns="45720" rtlCol="0" anchor="b"/>
+          <a:lstStyle>
+            <a:lvl1pPr algn="r">
+              <a:defRPr sz="1200"/>
+            </a:lvl1pPr>
+          </a:lstStyle>
+          <a:p>
+            <a:fld id="{180F870A-492B-184A-B701-AD81EED752CD}" type="slidenum">
+              <a:rPr lang="en-US" smtClean="0"/>
+              <a:t>‹#›</a:t>
+            </a:fld>
+            <a:endParaRPr lang="en-US"/>
+          </a:p>
+        </p:txBody>
+      </p:sp>
+    </p:spTree>
+    <p:extLst>
+      <p:ext uri="{BB962C8B-B14F-4D97-AF65-F5344CB8AC3E}">
+        <p14:creationId xmlns:p14="http://schemas.microsoft.com/office/powerpoint/2010/main" val="3889857385"/>
+      </p:ext>
+    </p:extLst>
+  </p:cSld>
+  <p:clrMap bg1="lt1" tx1="dk1" bg2="lt2" tx2="dk2" accent1="accent1" accent2="accent2" accent3="accent3" accent4="accent4" accent5="accent5" accent6="accent6" hlink="hlink" folHlink="folHlink"/>
+  <p:notesStyle>
+    <a:lvl1pPr marL="0" algn="l" defTabSz="914400" rtl="0" eaLnBrk="1" latinLnBrk="0" hangingPunct="1">
+      <a:defRPr sz="1200" kern="1200">
+        <a:solidFill>
+          <a:schemeClr val="tx1"/>
+        </a:solidFill>
+        <a:latin typeface="+mn-lt"/>
+        <a:ea typeface="+mn-ea"/>
+        <a:cs typeface="+mn-cs"/>
+      </a:defRPr>
+    </a:lvl1pPr>
+    <a:lvl2pPr marL="457200" algn="l" defTabSz="914400" rtl="0" eaLnBrk="1" latinLnBrk="0" hangingPunct="1">
+      <a:defRPr sz="1200" kern="1200">
+        <a:solidFill>
+          <a:schemeClr val="tx1"/>
+        </a:solidFill>
+        <a:latin typeface="+mn-lt"/>
+        <a:ea typeface="+mn-ea"/>
+        <a:cs typeface="+mn-cs"/>
+      </a:defRPr>
+    </a:lvl2pPr>
+    <a:lvl3pPr marL="914400" algn="l" defTabSz="914400" rtl="0" eaLnBrk="1" latinLnBrk="0" hangingPunct="1">
+      <a:defRPr sz="1200" kern="1200">
+        <a:solidFill>
+          <a:schemeClr val="tx1"/>
+        </a:solidFill>
+        <a:latin typeface="+mn-lt"/>
+        <a:ea typeface="+mn-ea"/>
+        <a:cs typeface="+mn-cs"/>
+      </a:defRPr>
+    </a:lvl3pPr>
+    <a:lvl4pPr marL="1371600" algn="l" defTabSz="914400" rtl="0" eaLnBrk="1" latinLnBrk="0" hangingPunct="1">
+      <a:defRPr sz="1200" kern="1200">
+        <a:solidFill>
+          <a:schemeClr val="tx1"/>
+        </a:solidFill>
+        <a:latin typeface="+mn-lt"/>
+        <a:ea typeface="+mn-ea"/>
+        <a:cs typeface="+mn-cs"/>
+      </a:defRPr>
+    </a:lvl4pPr>
+    <a:lvl5pPr marL="1828800" algn="l" defTabSz="914400" rtl="0" eaLnBrk="1" latinLnBrk="0" hangingPunct="1">
+      <a:defRPr sz="1200" kern="1200">
+        <a:solidFill>
+          <a:schemeClr val="tx1"/>
+        </a:solidFill>
+        <a:latin typeface="+mn-lt"/>
+        <a:ea typeface="+mn-ea"/>
+        <a:cs typeface="+mn-cs"/>
+      </a:defRPr>
+    </a:lvl5pPr>
+    <a:lvl6pPr marL="2286000" algn="l" defTabSz="914400" rtl="0" eaLnBrk="1" latinLnBrk="0" hangingPunct="1">
+      <a:defRPr sz="1200" kern="1200">
+        <a:solidFill>
+          <a:schemeClr val="tx1"/>
+        </a:solidFill>
+        <a:latin typeface="+mn-lt"/>
+        <a:ea typeface="+mn-ea"/>
+        <a:cs typeface="+mn-cs"/>
+      </a:defRPr>
+    </a:lvl6pPr>
+    <a:lvl7pPr marL="2743200" algn="l" defTabSz="914400" rtl="0" eaLnBrk="1" latinLnBrk="0" hangingPunct="1">
+      <a:defRPr sz="1200" kern="1200">
+        <a:solidFill>
+          <a:schemeClr val="tx1"/>
+        </a:solidFill>
+        <a:latin typeface="+mn-lt"/>
+        <a:ea typeface="+mn-ea"/>
+        <a:cs typeface="+mn-cs"/>
+      </a:defRPr>
+    </a:lvl7pPr>
+    <a:lvl8pPr marL="3200400" algn="l" defTabSz="914400" rtl="0" eaLnBrk="1" latinLnBrk="0" hangingPunct="1">
+      <a:defRPr sz="1200" kern="1200">
+        <a:solidFill>
+          <a:schemeClr val="tx1"/>
+        </a:solidFill>
+        <a:latin typeface="+mn-lt"/>
+        <a:ea typeface="+mn-ea"/>
+        <a:cs typeface="+mn-cs"/>
+      </a:defRPr>
+    </a:lvl8pPr>
+    <a:lvl9pPr marL="3657600" algn="l" defTabSz="914400" rtl="0" eaLnBrk="1" latinLnBrk="0" hangingPunct="1">
+      <a:defRPr sz="1200" kern="1200">
+        <a:solidFill>
+          <a:schemeClr val="tx1"/>
+        </a:solidFill>
+        <a:latin typeface="+mn-lt"/>
+        <a:ea typeface="+mn-ea"/>
+        <a:cs typeface="+mn-cs"/>
+      </a:defRPr>
+    </a:lvl9pPr>
+  </p:notesStyle>
+</p:notesMaster>
+</file>
+
+<file path=ppt/notesSlides/notesSlide1.xml><?xml version="1.0" encoding="utf-8"?>
+<p:notes xmlns:a="http://schemas.openxmlformats.org/drawingml/2006/main" xmlns:r="http://schemas.openxmlformats.org/officeDocument/2006/relationships" xmlns:p="http://schemas.openxmlformats.org/presentationml/2006/main">
+  <p:cSld>
+    <p:spTree>
+      <p:nvGrpSpPr>
+        <p:cNvPr id="1" name=""/>
+        <p:cNvGrpSpPr/>
+        <p:nvPr/>
+      </p:nvGrpSpPr>
+      <p:grpSpPr>
+        <a:xfrm>
+          <a:off x="0" y="0"/>
+          <a:ext cx="0" cy="0"/>
+          <a:chOff x="0" y="0"/>
+          <a:chExt cx="0" cy="0"/>
+        </a:xfrm>
+      </p:grpSpPr>
+      <p:sp>
+        <p:nvSpPr>
+          <p:cNvPr id="2" name="Slide Image Placeholder 1"/>
+          <p:cNvSpPr>
+            <a:spLocks noGrp="1" noRot="1" noChangeAspect="1"/>
+          </p:cNvSpPr>
+          <p:nvPr>
+            <p:ph type="sldImg"/>
+          </p:nvPr>
+        </p:nvSpPr>
+        <p:spPr/>
+      </p:sp>
+      <p:sp>
+        <p:nvSpPr>
+          <p:cNvPr id="3" name="Notes Placeholder 2"/>
+          <p:cNvSpPr>
+            <a:spLocks noGrp="1"/>
+          </p:cNvSpPr>
+          <p:nvPr>
+            <p:ph type="body" idx="1"/>
+          </p:nvPr>
+        </p:nvSpPr>
+        <p:spPr/>
+        <p:txBody>
+          <a:bodyPr/>
+          <a:lstStyle/>
+          <a:p>
+            <a:endParaRPr lang="en-US" dirty="0"/>
+          </a:p>
+        </p:txBody>
+      </p:sp>
+      <p:sp>
+        <p:nvSpPr>
+          <p:cNvPr id="4" name="Slide Number Placeholder 3"/>
+          <p:cNvSpPr>
+            <a:spLocks noGrp="1"/>
+          </p:cNvSpPr>
+          <p:nvPr>
+            <p:ph type="sldNum" sz="quarter" idx="5"/>
+          </p:nvPr>
+        </p:nvSpPr>
+        <p:spPr/>
+        <p:txBody>
+          <a:bodyPr/>
+          <a:lstStyle/>
+          <a:p>
+            <a:fld id="{180F870A-492B-184A-B701-AD81EED752CD}" type="slidenum">
+              <a:rPr lang="en-US" smtClean="0"/>
+              <a:t>5</a:t>
+            </a:fld>
+            <a:endParaRPr lang="en-US"/>
+          </a:p>
+        </p:txBody>
+      </p:sp>
+    </p:spTree>
+    <p:extLst>
+      <p:ext uri="{BB962C8B-B14F-4D97-AF65-F5344CB8AC3E}">
+        <p14:creationId xmlns:p14="http://schemas.microsoft.com/office/powerpoint/2010/main" val="3234406991"/>
+      </p:ext>
+    </p:extLst>
+  </p:cSld>
+  <p:clrMapOvr>
+    <a:masterClrMapping/>
+  </p:clrMapOvr>
+</p:notes>
+</file>
+
 <file path=ppt/slideLayouts/slideLayout1.xml><?xml version="1.0" encoding="utf-8"?>
 <p:sldLayout xmlns:a="http://schemas.openxmlformats.org/drawingml/2006/main" xmlns:r="http://schemas.openxmlformats.org/officeDocument/2006/relationships" xmlns:p="http://schemas.openxmlformats.org/presentationml/2006/main" type="title" preserve="1">
   <p:cSld name="Title Slide">
@@ -262,7 +700,7 @@
           <a:p>
             <a:fld id="{360BB814-64FE-A046-86EF-08998BAE6296}" type="datetimeFigureOut">
               <a:rPr lang="en-US" smtClean="0"/>
-              <a:t>9/10/21</a:t>
+              <a:t>9/9/22</a:t>
             </a:fld>
             <a:endParaRPr lang="en-US"/>
           </a:p>
@@ -460,7 +898,7 @@
           <a:p>
             <a:fld id="{360BB814-64FE-A046-86EF-08998BAE6296}" type="datetimeFigureOut">
               <a:rPr lang="en-US" smtClean="0"/>
-              <a:t>9/10/21</a:t>
+              <a:t>9/9/22</a:t>
             </a:fld>
             <a:endParaRPr lang="en-US"/>
           </a:p>
@@ -668,7 +1106,7 @@
           <a:p>
             <a:fld id="{360BB814-64FE-A046-86EF-08998BAE6296}" type="datetimeFigureOut">
               <a:rPr lang="en-US" smtClean="0"/>
-              <a:t>9/10/21</a:t>
+              <a:t>9/9/22</a:t>
             </a:fld>
             <a:endParaRPr lang="en-US"/>
           </a:p>
@@ -866,7 +1304,7 @@
           <a:p>
             <a:fld id="{360BB814-64FE-A046-86EF-08998BAE6296}" type="datetimeFigureOut">
               <a:rPr lang="en-US" smtClean="0"/>
-              <a:t>9/10/21</a:t>
+              <a:t>9/9/22</a:t>
             </a:fld>
             <a:endParaRPr lang="en-US"/>
           </a:p>
@@ -1141,7 +1579,7 @@
           <a:p>
             <a:fld id="{360BB814-64FE-A046-86EF-08998BAE6296}" type="datetimeFigureOut">
               <a:rPr lang="en-US" smtClean="0"/>
-              <a:t>9/10/21</a:t>
+              <a:t>9/9/22</a:t>
             </a:fld>
             <a:endParaRPr lang="en-US"/>
           </a:p>
@@ -1406,7 +1844,7 @@
           <a:p>
             <a:fld id="{360BB814-64FE-A046-86EF-08998BAE6296}" type="datetimeFigureOut">
               <a:rPr lang="en-US" smtClean="0"/>
-              <a:t>9/10/21</a:t>
+              <a:t>9/9/22</a:t>
             </a:fld>
             <a:endParaRPr lang="en-US"/>
           </a:p>
@@ -1818,7 +2256,7 @@
           <a:p>
             <a:fld id="{360BB814-64FE-A046-86EF-08998BAE6296}" type="datetimeFigureOut">
               <a:rPr lang="en-US" smtClean="0"/>
-              <a:t>9/10/21</a:t>
+              <a:t>9/9/22</a:t>
             </a:fld>
             <a:endParaRPr lang="en-US"/>
           </a:p>
@@ -1959,7 +2397,7 @@
           <a:p>
             <a:fld id="{360BB814-64FE-A046-86EF-08998BAE6296}" type="datetimeFigureOut">
               <a:rPr lang="en-US" smtClean="0"/>
-              <a:t>9/10/21</a:t>
+              <a:t>9/9/22</a:t>
             </a:fld>
             <a:endParaRPr lang="en-US"/>
           </a:p>
@@ -2072,7 +2510,7 @@
           <a:p>
             <a:fld id="{360BB814-64FE-A046-86EF-08998BAE6296}" type="datetimeFigureOut">
               <a:rPr lang="en-US" smtClean="0"/>
-              <a:t>9/10/21</a:t>
+              <a:t>9/9/22</a:t>
             </a:fld>
             <a:endParaRPr lang="en-US"/>
           </a:p>
@@ -2383,7 +2821,7 @@
           <a:p>
             <a:fld id="{360BB814-64FE-A046-86EF-08998BAE6296}" type="datetimeFigureOut">
               <a:rPr lang="en-US" smtClean="0"/>
-              <a:t>9/10/21</a:t>
+              <a:t>9/9/22</a:t>
             </a:fld>
             <a:endParaRPr lang="en-US"/>
           </a:p>
@@ -2671,7 +3109,7 @@
           <a:p>
             <a:fld id="{360BB814-64FE-A046-86EF-08998BAE6296}" type="datetimeFigureOut">
               <a:rPr lang="en-US" smtClean="0"/>
-              <a:t>9/10/21</a:t>
+              <a:t>9/9/22</a:t>
             </a:fld>
             <a:endParaRPr lang="en-US"/>
           </a:p>
@@ -2912,7 +3350,7 @@
           <a:p>
             <a:fld id="{360BB814-64FE-A046-86EF-08998BAE6296}" type="datetimeFigureOut">
               <a:rPr lang="en-US" smtClean="0"/>
-              <a:t>9/10/21</a:t>
+              <a:t>9/9/22</a:t>
             </a:fld>
             <a:endParaRPr lang="en-US"/>
           </a:p>
@@ -3343,7 +3781,7 @@
         </p:nvSpPr>
         <p:spPr>
           <a:xfrm>
-            <a:off x="134912" y="213950"/>
+            <a:off x="2563" y="-5886"/>
             <a:ext cx="11922176" cy="461665"/>
           </a:xfrm>
           <a:prstGeom prst="rect">
@@ -3409,8 +3847,8 @@
           </a:extLst>
         </p:spPr>
       </p:pic>
-      <mc:AlternateContent xmlns:mc="http://schemas.openxmlformats.org/markup-compatibility/2006">
-        <mc:Choice xmlns:a14="http://schemas.microsoft.com/office/drawing/2010/main" Requires="a14">
+      <mc:AlternateContent xmlns:mc="http://schemas.openxmlformats.org/markup-compatibility/2006" xmlns:a14="http://schemas.microsoft.com/office/drawing/2010/main">
+        <mc:Choice Requires="a14">
           <p:sp>
             <p:nvSpPr>
               <p:cNvPr id="6" name="Rectangle 5">
@@ -3488,7 +3926,7 @@
             </p:txBody>
           </p:sp>
         </mc:Choice>
-        <mc:Fallback>
+        <mc:Fallback xmlns="">
           <p:sp>
             <p:nvSpPr>
               <p:cNvPr id="6" name="Rectangle 5">
@@ -3598,8 +4036,8 @@
             </a:extLst>
           </p:spPr>
         </p:pic>
-        <mc:AlternateContent xmlns:mc="http://schemas.openxmlformats.org/markup-compatibility/2006">
-          <mc:Choice xmlns:a14="http://schemas.microsoft.com/office/drawing/2010/main" Requires="a14">
+        <mc:AlternateContent xmlns:mc="http://schemas.openxmlformats.org/markup-compatibility/2006" xmlns:a14="http://schemas.microsoft.com/office/drawing/2010/main">
+          <mc:Choice Requires="a14">
             <p:sp>
               <p:nvSpPr>
                 <p:cNvPr id="8" name="Rectangle 7">
@@ -3711,7 +4149,7 @@
               </p:txBody>
             </p:sp>
           </mc:Choice>
-          <mc:Fallback>
+          <mc:Fallback xmlns="">
             <p:sp>
               <p:nvSpPr>
                 <p:cNvPr id="8" name="Rectangle 7">
@@ -3822,8 +4260,8 @@
             </a:extLst>
           </p:spPr>
         </p:pic>
-        <mc:AlternateContent xmlns:mc="http://schemas.openxmlformats.org/markup-compatibility/2006">
-          <mc:Choice xmlns:a14="http://schemas.microsoft.com/office/drawing/2010/main" Requires="a14">
+        <mc:AlternateContent xmlns:mc="http://schemas.openxmlformats.org/markup-compatibility/2006" xmlns:a14="http://schemas.microsoft.com/office/drawing/2010/main">
+          <mc:Choice Requires="a14">
             <p:sp>
               <p:nvSpPr>
                 <p:cNvPr id="12" name="Rectangle 11">
@@ -3936,7 +4374,7 @@
               </p:txBody>
             </p:sp>
           </mc:Choice>
-          <mc:Fallback>
+          <mc:Fallback xmlns="">
             <p:sp>
               <p:nvSpPr>
                 <p:cNvPr id="12" name="Rectangle 11">
@@ -4256,7 +4694,7 @@
         </p:nvSpPr>
         <p:spPr>
           <a:xfrm>
-            <a:off x="134912" y="213950"/>
+            <a:off x="-21500" y="9411"/>
             <a:ext cx="11922176" cy="461665"/>
           </a:xfrm>
           <a:prstGeom prst="rect">
@@ -4272,7 +4710,7 @@
           <a:p>
             <a:r>
               <a:rPr lang="en-US" sz="2400" b="1" dirty="0"/>
-              <a:t>Thermodynamic surfaces of a gas - the details</a:t>
+              <a:t>Thermodynamic surfaces of a gas - the goals</a:t>
             </a:r>
           </a:p>
         </p:txBody>
@@ -4307,88 +4745,160 @@
           <a:chExt cx="0" cy="0"/>
         </a:xfrm>
       </p:grpSpPr>
-      <p:sp>
-        <p:nvSpPr>
-          <p:cNvPr id="14" name="TextBox 13">
-            <a:extLst>
-              <a:ext uri="{FF2B5EF4-FFF2-40B4-BE49-F238E27FC236}">
-                <a16:creationId xmlns:a16="http://schemas.microsoft.com/office/drawing/2014/main" id="{CE238128-7832-7C4E-9BD7-7E3C832DD903}"/>
-              </a:ext>
-            </a:extLst>
-          </p:cNvPr>
-          <p:cNvSpPr txBox="1"/>
-          <p:nvPr/>
-        </p:nvSpPr>
-        <p:spPr>
-          <a:xfrm>
-            <a:off x="304221" y="137747"/>
-            <a:ext cx="8087874" cy="461665"/>
-          </a:xfrm>
-          <a:prstGeom prst="rect">
-            <a:avLst/>
-          </a:prstGeom>
-          <a:noFill/>
-        </p:spPr>
-        <p:txBody>
-          <a:bodyPr wrap="square" rtlCol="0">
-            <a:spAutoFit/>
-          </a:bodyPr>
-          <a:lstStyle/>
-          <a:p>
-            <a:r>
-              <a:rPr lang="en-US" sz="2400" b="1" dirty="0"/>
-              <a:t>Analytical challenge #1</a:t>
-            </a:r>
-          </a:p>
-        </p:txBody>
-      </p:sp>
       <mc:AlternateContent xmlns:mc="http://schemas.openxmlformats.org/markup-compatibility/2006">
         <mc:Choice xmlns:a14="http://schemas.microsoft.com/office/drawing/2010/main" Requires="a14">
           <p:sp>
             <p:nvSpPr>
-              <p:cNvPr id="9" name="Rectangle 8">
+              <p:cNvPr id="14" name="TextBox 13">
                 <a:extLst>
                   <a:ext uri="{FF2B5EF4-FFF2-40B4-BE49-F238E27FC236}">
-                    <a16:creationId xmlns:a16="http://schemas.microsoft.com/office/drawing/2014/main" id="{04CDFE4C-FC54-2B4F-BF5A-CFB14FCFDF00}"/>
+                    <a16:creationId xmlns:a16="http://schemas.microsoft.com/office/drawing/2014/main" id="{CE238128-7832-7C4E-9BD7-7E3C832DD903}"/>
                   </a:ext>
                 </a:extLst>
               </p:cNvPr>
-              <p:cNvSpPr/>
+              <p:cNvSpPr txBox="1"/>
               <p:nvPr/>
             </p:nvSpPr>
             <p:spPr>
               <a:xfrm>
-                <a:off x="304221" y="928596"/>
-                <a:ext cx="11375715" cy="1667508"/>
+                <a:off x="15460" y="0"/>
+                <a:ext cx="11908414" cy="693908"/>
               </a:xfrm>
               <a:prstGeom prst="rect">
                 <a:avLst/>
               </a:prstGeom>
+              <a:noFill/>
             </p:spPr>
             <p:txBody>
-              <a:bodyPr wrap="square">
+              <a:bodyPr wrap="square" rtlCol="0">
                 <a:spAutoFit/>
               </a:bodyPr>
               <a:lstStyle/>
               <a:p>
                 <a:r>
-                  <a:rPr lang="en-US" sz="2400" dirty="0"/>
-                  <a:t>For an </a:t>
-                </a:r>
-                <a:r>
                   <a:rPr lang="en-US" sz="2400" b="1" dirty="0"/>
-                  <a:t>ideal gas</a:t>
-                </a:r>
-                <a:r>
-                  <a:rPr lang="en-US" sz="2400" dirty="0"/>
-                  <a:t>, derive algebraic expressions for </a:t>
+                  <a:t>Analytical challenge #1: How </a:t>
                 </a:r>
                 <a14:m>
                   <m:oMath xmlns:m="http://schemas.openxmlformats.org/officeDocument/2006/math">
                     <m:sSub>
                       <m:sSubPr>
                         <m:ctrlPr>
-                          <a:rPr lang="en-US" sz="2400" i="1">
+                          <a:rPr lang="en-US" sz="2400" b="1" i="1" dirty="0">
+                            <a:solidFill>
+                              <a:srgbClr val="7030A0"/>
+                            </a:solidFill>
+                            <a:latin typeface="Cambria Math" panose="02040503050406030204" pitchFamily="18" charset="0"/>
+                          </a:rPr>
+                        </m:ctrlPr>
+                      </m:sSubPr>
+                      <m:e>
+                        <m:d>
+                          <m:dPr>
+                            <m:ctrlPr>
+                              <a:rPr lang="en-US" sz="2400" b="1" i="1" dirty="0">
+                                <a:solidFill>
+                                  <a:srgbClr val="7030A0"/>
+                                </a:solidFill>
+                                <a:latin typeface="Cambria Math" panose="02040503050406030204" pitchFamily="18" charset="0"/>
+                              </a:rPr>
+                            </m:ctrlPr>
+                          </m:dPr>
+                          <m:e>
+                            <m:f>
+                              <m:fPr>
+                                <m:ctrlPr>
+                                  <a:rPr lang="en-US" sz="2400" b="1" i="1" dirty="0">
+                                    <a:solidFill>
+                                      <a:srgbClr val="7030A0"/>
+                                    </a:solidFill>
+                                    <a:latin typeface="Cambria Math" panose="02040503050406030204" pitchFamily="18" charset="0"/>
+                                  </a:rPr>
+                                </m:ctrlPr>
+                              </m:fPr>
+                              <m:num>
+                                <m:r>
+                                  <a:rPr lang="en-US" sz="2400" b="1" i="1" dirty="0">
+                                    <a:solidFill>
+                                      <a:srgbClr val="7030A0"/>
+                                    </a:solidFill>
+                                    <a:latin typeface="Cambria Math" panose="02040503050406030204" pitchFamily="18" charset="0"/>
+                                    <a:ea typeface="Cambria Math" panose="02040503050406030204" pitchFamily="18" charset="0"/>
+                                  </a:rPr>
+                                  <m:t>𝝏</m:t>
+                                </m:r>
+                                <m:r>
+                                  <a:rPr lang="en-US" sz="2400" b="1" i="1" dirty="0">
+                                    <a:solidFill>
+                                      <a:srgbClr val="7030A0"/>
+                                    </a:solidFill>
+                                    <a:latin typeface="Cambria Math" panose="02040503050406030204" pitchFamily="18" charset="0"/>
+                                    <a:ea typeface="Cambria Math" panose="02040503050406030204" pitchFamily="18" charset="0"/>
+                                  </a:rPr>
+                                  <m:t>𝑷</m:t>
+                                </m:r>
+                              </m:num>
+                              <m:den>
+                                <m:r>
+                                  <a:rPr lang="en-US" sz="2400" b="1" i="1" dirty="0">
+                                    <a:solidFill>
+                                      <a:srgbClr val="7030A0"/>
+                                    </a:solidFill>
+                                    <a:latin typeface="Cambria Math" panose="02040503050406030204" pitchFamily="18" charset="0"/>
+                                    <a:ea typeface="Cambria Math" panose="02040503050406030204" pitchFamily="18" charset="0"/>
+                                  </a:rPr>
+                                  <m:t>𝝏</m:t>
+                                </m:r>
+                                <m:r>
+                                  <a:rPr lang="en-US" sz="2400" b="1" i="1" dirty="0">
+                                    <a:solidFill>
+                                      <a:srgbClr val="7030A0"/>
+                                    </a:solidFill>
+                                    <a:latin typeface="Cambria Math" panose="02040503050406030204" pitchFamily="18" charset="0"/>
+                                    <a:ea typeface="Cambria Math" panose="02040503050406030204" pitchFamily="18" charset="0"/>
+                                  </a:rPr>
+                                  <m:t>𝑽</m:t>
+                                </m:r>
+                              </m:den>
+                            </m:f>
+                          </m:e>
+                        </m:d>
+                      </m:e>
+                      <m:sub>
+                        <m:r>
+                          <a:rPr lang="en-US" sz="2400" b="1" i="1" dirty="0">
+                            <a:solidFill>
+                              <a:srgbClr val="7030A0"/>
+                            </a:solidFill>
+                            <a:latin typeface="Cambria Math" panose="02040503050406030204" pitchFamily="18" charset="0"/>
+                          </a:rPr>
+                          <m:t>𝑻</m:t>
+                        </m:r>
+                      </m:sub>
+                    </m:sSub>
+                  </m:oMath>
+                </a14:m>
+                <a:r>
+                  <a:rPr lang="en-US" sz="2400" b="1" dirty="0">
+                    <a:solidFill>
+                      <a:srgbClr val="7030A0"/>
+                    </a:solidFill>
+                  </a:rPr>
+                  <a:t> </a:t>
+                </a:r>
+                <a:r>
+                  <a:rPr lang="en-US" sz="2400" b="1" dirty="0"/>
+                  <a:t>and </a:t>
+                </a:r>
+                <a14:m>
+                  <m:oMath xmlns:m="http://schemas.openxmlformats.org/officeDocument/2006/math">
+                    <m:sSub>
+                      <m:sSubPr>
+                        <m:ctrlPr>
+                          <a:rPr lang="en-US" sz="2400" b="1" i="1">
+                            <a:solidFill>
+                              <a:srgbClr val="00B050"/>
+                            </a:solidFill>
                             <a:latin typeface="Cambria Math" panose="02040503050406030204" pitchFamily="18" charset="0"/>
                             <a:ea typeface="Cambria Math" panose="02040503050406030204" pitchFamily="18" charset="0"/>
                           </a:rPr>
@@ -4398,7 +4908,10 @@
                         <m:d>
                           <m:dPr>
                             <m:ctrlPr>
-                              <a:rPr lang="en-US" sz="2400" i="1">
+                              <a:rPr lang="en-US" sz="2400" b="1" i="1">
+                                <a:solidFill>
+                                  <a:srgbClr val="00B050"/>
+                                </a:solidFill>
                                 <a:latin typeface="Cambria Math" panose="02040503050406030204" pitchFamily="18" charset="0"/>
                                 <a:ea typeface="Cambria Math" panose="02040503050406030204" pitchFamily="18" charset="0"/>
                               </a:rPr>
@@ -4408,7 +4921,10 @@
                             <m:f>
                               <m:fPr>
                                 <m:ctrlPr>
-                                  <a:rPr lang="en-US" sz="2400" i="1">
+                                  <a:rPr lang="en-US" sz="2400" b="1" i="1">
+                                    <a:solidFill>
+                                      <a:srgbClr val="00B050"/>
+                                    </a:solidFill>
                                     <a:latin typeface="Cambria Math" panose="02040503050406030204" pitchFamily="18" charset="0"/>
                                     <a:ea typeface="Cambria Math" panose="02040503050406030204" pitchFamily="18" charset="0"/>
                                   </a:rPr>
@@ -4416,34 +4932,46 @@
                               </m:fPr>
                               <m:num>
                                 <m:r>
-                                  <a:rPr lang="en-US" sz="2400" i="1">
+                                  <a:rPr lang="en-US" sz="2400" b="1" i="1">
+                                    <a:solidFill>
+                                      <a:srgbClr val="00B050"/>
+                                    </a:solidFill>
                                     <a:latin typeface="Cambria Math" panose="02040503050406030204" pitchFamily="18" charset="0"/>
                                     <a:ea typeface="Cambria Math" panose="02040503050406030204" pitchFamily="18" charset="0"/>
                                   </a:rPr>
-                                  <m:t>𝜕</m:t>
+                                  <m:t>𝝏</m:t>
                                 </m:r>
                                 <m:r>
-                                  <a:rPr lang="en-US" sz="2400" i="1">
+                                  <a:rPr lang="en-US" sz="2400" b="1" i="1">
+                                    <a:solidFill>
+                                      <a:srgbClr val="00B050"/>
+                                    </a:solidFill>
                                     <a:latin typeface="Cambria Math" panose="02040503050406030204" pitchFamily="18" charset="0"/>
                                     <a:ea typeface="Cambria Math" panose="02040503050406030204" pitchFamily="18" charset="0"/>
                                   </a:rPr>
-                                  <m:t>𝑃</m:t>
+                                  <m:t>𝑷</m:t>
                                 </m:r>
                               </m:num>
                               <m:den>
                                 <m:r>
-                                  <a:rPr lang="en-US" sz="2400" i="1">
+                                  <a:rPr lang="en-US" sz="2400" b="1" i="1">
+                                    <a:solidFill>
+                                      <a:srgbClr val="00B050"/>
+                                    </a:solidFill>
                                     <a:latin typeface="Cambria Math" panose="02040503050406030204" pitchFamily="18" charset="0"/>
                                     <a:ea typeface="Cambria Math" panose="02040503050406030204" pitchFamily="18" charset="0"/>
                                   </a:rPr>
-                                  <m:t>𝜕</m:t>
+                                  <m:t>𝝏</m:t>
                                 </m:r>
                                 <m:r>
-                                  <a:rPr lang="en-US" sz="2400" b="0" i="1" smtClean="0">
+                                  <a:rPr lang="en-US" sz="2400" b="1" i="1">
+                                    <a:solidFill>
+                                      <a:srgbClr val="00B050"/>
+                                    </a:solidFill>
                                     <a:latin typeface="Cambria Math" panose="02040503050406030204" pitchFamily="18" charset="0"/>
                                     <a:ea typeface="Cambria Math" panose="02040503050406030204" pitchFamily="18" charset="0"/>
                                   </a:rPr>
-                                  <m:t>𝑉</m:t>
+                                  <m:t>𝑻</m:t>
                                 </m:r>
                               </m:den>
                             </m:f>
@@ -4452,185 +4980,22 @@
                       </m:e>
                       <m:sub>
                         <m:r>
-                          <a:rPr lang="en-US" sz="2400" b="0" i="1" smtClean="0">
+                          <a:rPr lang="en-US" sz="2400" b="1" i="1">
+                            <a:solidFill>
+                              <a:srgbClr val="00B050"/>
+                            </a:solidFill>
                             <a:latin typeface="Cambria Math" panose="02040503050406030204" pitchFamily="18" charset="0"/>
                             <a:ea typeface="Cambria Math" panose="02040503050406030204" pitchFamily="18" charset="0"/>
                           </a:rPr>
-                          <m:t>𝑇</m:t>
+                          <m:t>𝑽</m:t>
                         </m:r>
                       </m:sub>
                     </m:sSub>
                   </m:oMath>
                 </a14:m>
                 <a:r>
-                  <a:rPr lang="en-US" sz="2400" dirty="0"/>
-                  <a:t> and </a:t>
-                </a:r>
-                <a14:m>
-                  <m:oMath xmlns:m="http://schemas.openxmlformats.org/officeDocument/2006/math">
-                    <m:sSub>
-                      <m:sSubPr>
-                        <m:ctrlPr>
-                          <a:rPr lang="en-US" sz="2400" i="1">
-                            <a:latin typeface="Cambria Math" panose="02040503050406030204" pitchFamily="18" charset="0"/>
-                            <a:ea typeface="Cambria Math" panose="02040503050406030204" pitchFamily="18" charset="0"/>
-                          </a:rPr>
-                        </m:ctrlPr>
-                      </m:sSubPr>
-                      <m:e>
-                        <m:d>
-                          <m:dPr>
-                            <m:ctrlPr>
-                              <a:rPr lang="en-US" sz="2400" i="1">
-                                <a:latin typeface="Cambria Math" panose="02040503050406030204" pitchFamily="18" charset="0"/>
-                                <a:ea typeface="Cambria Math" panose="02040503050406030204" pitchFamily="18" charset="0"/>
-                              </a:rPr>
-                            </m:ctrlPr>
-                          </m:dPr>
-                          <m:e>
-                            <m:f>
-                              <m:fPr>
-                                <m:ctrlPr>
-                                  <a:rPr lang="en-US" sz="2400" i="1">
-                                    <a:latin typeface="Cambria Math" panose="02040503050406030204" pitchFamily="18" charset="0"/>
-                                    <a:ea typeface="Cambria Math" panose="02040503050406030204" pitchFamily="18" charset="0"/>
-                                  </a:rPr>
-                                </m:ctrlPr>
-                              </m:fPr>
-                              <m:num>
-                                <m:r>
-                                  <a:rPr lang="en-US" sz="2400" i="1">
-                                    <a:latin typeface="Cambria Math" panose="02040503050406030204" pitchFamily="18" charset="0"/>
-                                    <a:ea typeface="Cambria Math" panose="02040503050406030204" pitchFamily="18" charset="0"/>
-                                  </a:rPr>
-                                  <m:t>𝜕</m:t>
-                                </m:r>
-                                <m:r>
-                                  <a:rPr lang="en-US" sz="2400" i="1">
-                                    <a:latin typeface="Cambria Math" panose="02040503050406030204" pitchFamily="18" charset="0"/>
-                                    <a:ea typeface="Cambria Math" panose="02040503050406030204" pitchFamily="18" charset="0"/>
-                                  </a:rPr>
-                                  <m:t>𝑃</m:t>
-                                </m:r>
-                              </m:num>
-                              <m:den>
-                                <m:r>
-                                  <a:rPr lang="en-US" sz="2400" i="1">
-                                    <a:latin typeface="Cambria Math" panose="02040503050406030204" pitchFamily="18" charset="0"/>
-                                    <a:ea typeface="Cambria Math" panose="02040503050406030204" pitchFamily="18" charset="0"/>
-                                  </a:rPr>
-                                  <m:t>𝜕</m:t>
-                                </m:r>
-                                <m:r>
-                                  <a:rPr lang="en-US" sz="2400" b="0" i="1" smtClean="0">
-                                    <a:latin typeface="Cambria Math" panose="02040503050406030204" pitchFamily="18" charset="0"/>
-                                    <a:ea typeface="Cambria Math" panose="02040503050406030204" pitchFamily="18" charset="0"/>
-                                  </a:rPr>
-                                  <m:t>𝑇</m:t>
-                                </m:r>
-                              </m:den>
-                            </m:f>
-                          </m:e>
-                        </m:d>
-                      </m:e>
-                      <m:sub>
-                        <m:r>
-                          <a:rPr lang="en-US" sz="2400" b="0" i="1" smtClean="0">
-                            <a:latin typeface="Cambria Math" panose="02040503050406030204" pitchFamily="18" charset="0"/>
-                            <a:ea typeface="Cambria Math" panose="02040503050406030204" pitchFamily="18" charset="0"/>
-                          </a:rPr>
-                          <m:t>𝑉</m:t>
-                        </m:r>
-                      </m:sub>
-                    </m:sSub>
-                  </m:oMath>
-                </a14:m>
-                <a:r>
-                  <a:rPr lang="en-US" sz="2400" dirty="0"/>
-                  <a:t>, and use your results to explain the fact that, while both depend strongly on the volume, one of them ( </a:t>
-                </a:r>
-                <a14:m>
-                  <m:oMath xmlns:m="http://schemas.openxmlformats.org/officeDocument/2006/math">
-                    <m:sSub>
-                      <m:sSubPr>
-                        <m:ctrlPr>
-                          <a:rPr lang="en-US" sz="2400" i="1">
-                            <a:latin typeface="Cambria Math" panose="02040503050406030204" pitchFamily="18" charset="0"/>
-                            <a:ea typeface="Cambria Math" panose="02040503050406030204" pitchFamily="18" charset="0"/>
-                          </a:rPr>
-                        </m:ctrlPr>
-                      </m:sSubPr>
-                      <m:e>
-                        <m:d>
-                          <m:dPr>
-                            <m:ctrlPr>
-                              <a:rPr lang="en-US" sz="2400" i="1">
-                                <a:latin typeface="Cambria Math" panose="02040503050406030204" pitchFamily="18" charset="0"/>
-                                <a:ea typeface="Cambria Math" panose="02040503050406030204" pitchFamily="18" charset="0"/>
-                              </a:rPr>
-                            </m:ctrlPr>
-                          </m:dPr>
-                          <m:e>
-                            <m:f>
-                              <m:fPr>
-                                <m:ctrlPr>
-                                  <a:rPr lang="en-US" sz="2400" i="1">
-                                    <a:latin typeface="Cambria Math" panose="02040503050406030204" pitchFamily="18" charset="0"/>
-                                    <a:ea typeface="Cambria Math" panose="02040503050406030204" pitchFamily="18" charset="0"/>
-                                  </a:rPr>
-                                </m:ctrlPr>
-                              </m:fPr>
-                              <m:num>
-                                <m:r>
-                                  <a:rPr lang="en-US" sz="2400" i="1">
-                                    <a:latin typeface="Cambria Math" panose="02040503050406030204" pitchFamily="18" charset="0"/>
-                                    <a:ea typeface="Cambria Math" panose="02040503050406030204" pitchFamily="18" charset="0"/>
-                                  </a:rPr>
-                                  <m:t>𝜕</m:t>
-                                </m:r>
-                                <m:r>
-                                  <a:rPr lang="en-US" sz="2400" i="1">
-                                    <a:latin typeface="Cambria Math" panose="02040503050406030204" pitchFamily="18" charset="0"/>
-                                    <a:ea typeface="Cambria Math" panose="02040503050406030204" pitchFamily="18" charset="0"/>
-                                  </a:rPr>
-                                  <m:t>𝑃</m:t>
-                                </m:r>
-                              </m:num>
-                              <m:den>
-                                <m:r>
-                                  <a:rPr lang="en-US" sz="2400" i="1">
-                                    <a:latin typeface="Cambria Math" panose="02040503050406030204" pitchFamily="18" charset="0"/>
-                                    <a:ea typeface="Cambria Math" panose="02040503050406030204" pitchFamily="18" charset="0"/>
-                                  </a:rPr>
-                                  <m:t>𝜕</m:t>
-                                </m:r>
-                                <m:r>
-                                  <a:rPr lang="en-US" sz="2400" b="0" i="1" smtClean="0">
-                                    <a:latin typeface="Cambria Math" panose="02040503050406030204" pitchFamily="18" charset="0"/>
-                                    <a:ea typeface="Cambria Math" panose="02040503050406030204" pitchFamily="18" charset="0"/>
-                                  </a:rPr>
-                                  <m:t>𝑇</m:t>
-                                </m:r>
-                              </m:den>
-                            </m:f>
-                          </m:e>
-                        </m:d>
-                      </m:e>
-                      <m:sub>
-                        <m:r>
-                          <a:rPr lang="en-US" sz="2400" b="0" i="1" smtClean="0">
-                            <a:latin typeface="Cambria Math" panose="02040503050406030204" pitchFamily="18" charset="0"/>
-                            <a:ea typeface="Cambria Math" panose="02040503050406030204" pitchFamily="18" charset="0"/>
-                          </a:rPr>
-                          <m:t>𝑉</m:t>
-                        </m:r>
-                      </m:sub>
-                    </m:sSub>
-                  </m:oMath>
-                </a14:m>
-                <a:r>
-                  <a:rPr lang="en-US" sz="2400" dirty="0"/>
-                  <a:t>) is strictly a function of volume – it has no temperature dependence at all.</a:t>
+                  <a:rPr lang="en-US" sz="2400" b="1" dirty="0"/>
+                  <a:t> depend on temperature and volume </a:t>
                 </a:r>
               </a:p>
             </p:txBody>
@@ -4639,22 +5004,22 @@
         <mc:Fallback>
           <p:sp>
             <p:nvSpPr>
-              <p:cNvPr id="9" name="Rectangle 8">
+              <p:cNvPr id="14" name="TextBox 13">
                 <a:extLst>
                   <a:ext uri="{FF2B5EF4-FFF2-40B4-BE49-F238E27FC236}">
-                    <a16:creationId xmlns:a16="http://schemas.microsoft.com/office/drawing/2014/main" id="{04CDFE4C-FC54-2B4F-BF5A-CFB14FCFDF00}"/>
+                    <a16:creationId xmlns:a16="http://schemas.microsoft.com/office/drawing/2014/main" id="{CE238128-7832-7C4E-9BD7-7E3C832DD903}"/>
                   </a:ext>
                 </a:extLst>
               </p:cNvPr>
-              <p:cNvSpPr>
+              <p:cNvSpPr txBox="1">
                 <a:spLocks noRot="1" noChangeAspect="1" noMove="1" noResize="1" noEditPoints="1" noAdjustHandles="1" noChangeArrowheads="1" noChangeShapeType="1" noTextEdit="1"/>
               </p:cNvSpPr>
               <p:nvPr/>
             </p:nvSpPr>
             <p:spPr>
               <a:xfrm>
-                <a:off x="304221" y="928596"/>
-                <a:ext cx="11375715" cy="1667508"/>
+                <a:off x="15460" y="0"/>
+                <a:ext cx="11908414" cy="693908"/>
               </a:xfrm>
               <a:prstGeom prst="rect">
                 <a:avLst/>
@@ -4662,7 +5027,7 @@
               <a:blipFill>
                 <a:blip r:embed="rId2"/>
                 <a:stretch>
-                  <a:fillRect l="-893" r="-781" b="-6767"/>
+                  <a:fillRect l="-853" b="-3636"/>
                 </a:stretch>
               </a:blipFill>
             </p:spPr>
@@ -4681,12 +5046,46 @@
           </p:sp>
         </mc:Fallback>
       </mc:AlternateContent>
+      <p:sp>
+        <p:nvSpPr>
+          <p:cNvPr id="9" name="Rectangle 8">
+            <a:extLst>
+              <a:ext uri="{FF2B5EF4-FFF2-40B4-BE49-F238E27FC236}">
+                <a16:creationId xmlns:a16="http://schemas.microsoft.com/office/drawing/2014/main" id="{04CDFE4C-FC54-2B4F-BF5A-CFB14FCFDF00}"/>
+              </a:ext>
+            </a:extLst>
+          </p:cNvPr>
+          <p:cNvSpPr/>
+          <p:nvPr/>
+        </p:nvSpPr>
+        <p:spPr>
+          <a:xfrm>
+            <a:off x="15461" y="737360"/>
+            <a:ext cx="11908413" cy="461665"/>
+          </a:xfrm>
+          <a:prstGeom prst="rect">
+            <a:avLst/>
+          </a:prstGeom>
+        </p:spPr>
+        <p:txBody>
+          <a:bodyPr wrap="square">
+            <a:spAutoFit/>
+          </a:bodyPr>
+          <a:lstStyle/>
+          <a:p>
+            <a:r>
+              <a:rPr lang="en-US" sz="2400" dirty="0"/>
+              <a:t>Here are slopes of the pressure of an ideal gas, depicted as thermodynamic surfaces:</a:t>
+            </a:r>
+          </a:p>
+        </p:txBody>
+      </p:sp>
       <p:grpSp>
         <p:nvGrpSpPr>
-          <p:cNvPr id="6" name="Group 5">
+          <p:cNvPr id="4" name="Group 3">
             <a:extLst>
               <a:ext uri="{FF2B5EF4-FFF2-40B4-BE49-F238E27FC236}">
-                <a16:creationId xmlns:a16="http://schemas.microsoft.com/office/drawing/2014/main" id="{8A571695-FF64-0847-9214-DB75E98E46CB}"/>
+                <a16:creationId xmlns:a16="http://schemas.microsoft.com/office/drawing/2014/main" id="{EC1EB48C-AA1E-4DAF-27D2-1BF41DD46CCD}"/>
               </a:ext>
             </a:extLst>
           </p:cNvPr>
@@ -4695,441 +5094,877 @@
         </p:nvGrpSpPr>
         <p:grpSpPr>
           <a:xfrm>
-            <a:off x="960937" y="2651070"/>
-            <a:ext cx="3769269" cy="3688832"/>
-            <a:chOff x="7411378" y="-386713"/>
-            <a:chExt cx="3769269" cy="3688832"/>
+            <a:off x="844417" y="1730286"/>
+            <a:ext cx="9592559" cy="2776738"/>
+            <a:chOff x="844417" y="2752970"/>
+            <a:chExt cx="9592559" cy="2776738"/>
           </a:xfrm>
         </p:grpSpPr>
-        <p:pic>
-          <p:nvPicPr>
-            <p:cNvPr id="7" name="Picture 2">
+        <p:grpSp>
+          <p:nvGrpSpPr>
+            <p:cNvPr id="6" name="Group 5">
               <a:extLst>
                 <a:ext uri="{FF2B5EF4-FFF2-40B4-BE49-F238E27FC236}">
-                  <a16:creationId xmlns:a16="http://schemas.microsoft.com/office/drawing/2014/main" id="{5C590606-1872-144C-9E86-F3863AAD6DFB}"/>
+                  <a16:creationId xmlns:a16="http://schemas.microsoft.com/office/drawing/2014/main" id="{8A571695-FF64-0847-9214-DB75E98E46CB}"/>
                 </a:ext>
               </a:extLst>
             </p:cNvPr>
-            <p:cNvPicPr>
-              <a:picLocks noChangeAspect="1" noChangeArrowheads="1"/>
-            </p:cNvPicPr>
+            <p:cNvGrpSpPr>
+              <a:grpSpLocks noChangeAspect="1"/>
+            </p:cNvGrpSpPr>
             <p:nvPr/>
-          </p:nvPicPr>
-          <p:blipFill rotWithShape="1">
-            <a:blip r:embed="rId3">
+          </p:nvGrpSpPr>
+          <p:grpSpPr>
+            <a:xfrm>
+              <a:off x="844417" y="2776379"/>
+              <a:ext cx="4212418" cy="2637180"/>
+              <a:chOff x="6247855" y="213950"/>
+              <a:chExt cx="4932792" cy="3088169"/>
+            </a:xfrm>
+          </p:grpSpPr>
+          <p:pic>
+            <p:nvPicPr>
+              <p:cNvPr id="7" name="Picture 2">
+                <a:extLst>
+                  <a:ext uri="{FF2B5EF4-FFF2-40B4-BE49-F238E27FC236}">
+                    <a16:creationId xmlns:a16="http://schemas.microsoft.com/office/drawing/2014/main" id="{5C590606-1872-144C-9E86-F3863AAD6DFB}"/>
+                  </a:ext>
+                </a:extLst>
+              </p:cNvPr>
+              <p:cNvPicPr>
+                <a:picLocks noChangeAspect="1" noChangeArrowheads="1"/>
+              </p:cNvPicPr>
+              <p:nvPr/>
+            </p:nvPicPr>
+            <p:blipFill rotWithShape="1">
+              <a:blip r:embed="rId3">
+                <a:extLst>
+                  <a:ext uri="{28A0092B-C50C-407E-A947-70E740481C1C}">
+                    <a14:useLocalDpi xmlns:a14="http://schemas.microsoft.com/office/drawing/2010/main" val="0"/>
+                  </a:ext>
+                </a:extLst>
+              </a:blip>
+              <a:srcRect l="19828" t="13703" r="6284" b="5637"/>
+              <a:stretch/>
+            </p:blipFill>
+            <p:spPr bwMode="auto">
+              <a:xfrm>
+                <a:off x="7411378" y="213950"/>
+                <a:ext cx="3769269" cy="3088169"/>
+              </a:xfrm>
+              <a:prstGeom prst="rect">
+                <a:avLst/>
+              </a:prstGeom>
+              <a:noFill/>
               <a:extLst>
-                <a:ext uri="{28A0092B-C50C-407E-A947-70E740481C1C}">
-                  <a14:useLocalDpi xmlns:a14="http://schemas.microsoft.com/office/drawing/2010/main" val="0"/>
+                <a:ext uri="{909E8E84-426E-40DD-AFC4-6F175D3DCCD1}">
+                  <a14:hiddenFill xmlns:a14="http://schemas.microsoft.com/office/drawing/2010/main">
+                    <a:solidFill>
+                      <a:srgbClr val="FFFFFF"/>
+                    </a:solidFill>
+                  </a14:hiddenFill>
                 </a:ext>
               </a:extLst>
-            </a:blip>
-            <a:srcRect l="19828" t="13703" r="6284" b="5637"/>
-            <a:stretch/>
-          </p:blipFill>
-          <p:spPr bwMode="auto">
-            <a:xfrm>
-              <a:off x="7411378" y="213950"/>
-              <a:ext cx="3769269" cy="3088169"/>
-            </a:xfrm>
-            <a:prstGeom prst="rect">
-              <a:avLst/>
-            </a:prstGeom>
-            <a:noFill/>
-            <a:extLst>
-              <a:ext uri="{909E8E84-426E-40DD-AFC4-6F175D3DCCD1}">
-                <a14:hiddenFill xmlns:a14="http://schemas.microsoft.com/office/drawing/2010/main">
-                  <a:solidFill>
-                    <a:srgbClr val="FFFFFF"/>
-                  </a:solidFill>
-                </a14:hiddenFill>
-              </a:ext>
-            </a:extLst>
-          </p:spPr>
-        </p:pic>
-        <mc:AlternateContent xmlns:mc="http://schemas.openxmlformats.org/markup-compatibility/2006">
-          <mc:Choice xmlns:a14="http://schemas.microsoft.com/office/drawing/2010/main" Requires="a14">
-            <p:sp>
-              <p:nvSpPr>
-                <p:cNvPr id="8" name="Rectangle 7">
-                  <a:extLst>
-                    <a:ext uri="{FF2B5EF4-FFF2-40B4-BE49-F238E27FC236}">
-                      <a16:creationId xmlns:a16="http://schemas.microsoft.com/office/drawing/2014/main" id="{4462591F-2362-2749-828C-D83363E6E18E}"/>
-                    </a:ext>
-                  </a:extLst>
-                </p:cNvPr>
-                <p:cNvSpPr/>
-                <p:nvPr/>
-              </p:nvSpPr>
-              <p:spPr>
-                <a:xfrm>
-                  <a:off x="8797157" y="-386713"/>
-                  <a:ext cx="997709" cy="693138"/>
-                </a:xfrm>
-                <a:prstGeom prst="rect">
-                  <a:avLst/>
-                </a:prstGeom>
-              </p:spPr>
-              <p:txBody>
-                <a:bodyPr wrap="none">
-                  <a:spAutoFit/>
-                </a:bodyPr>
-                <a:lstStyle/>
-                <a:p>
-                  <a14:m>
-                    <m:oMath xmlns:m="http://schemas.openxmlformats.org/officeDocument/2006/math">
-                      <m:sSub>
-                        <m:sSubPr>
-                          <m:ctrlPr>
-                            <a:rPr lang="en-US" sz="2400" b="1" i="1" dirty="0">
-                              <a:latin typeface="Cambria Math" panose="02040503050406030204" pitchFamily="18" charset="0"/>
-                            </a:rPr>
-                          </m:ctrlPr>
-                        </m:sSubPr>
-                        <m:e>
-                          <m:d>
-                            <m:dPr>
-                              <m:ctrlPr>
-                                <a:rPr lang="en-US" sz="2400" b="1" i="1" dirty="0">
-                                  <a:latin typeface="Cambria Math" panose="02040503050406030204" pitchFamily="18" charset="0"/>
-                                </a:rPr>
-                              </m:ctrlPr>
-                            </m:dPr>
-                            <m:e>
-                              <m:f>
-                                <m:fPr>
-                                  <m:ctrlPr>
-                                    <a:rPr lang="en-US" sz="2400" b="1" i="1" dirty="0">
-                                      <a:latin typeface="Cambria Math" panose="02040503050406030204" pitchFamily="18" charset="0"/>
-                                    </a:rPr>
-                                  </m:ctrlPr>
-                                </m:fPr>
-                                <m:num>
-                                  <m:r>
-                                    <a:rPr lang="en-US" sz="2400" b="1" i="1" dirty="0">
-                                      <a:latin typeface="Cambria Math" panose="02040503050406030204" pitchFamily="18" charset="0"/>
-                                      <a:ea typeface="Cambria Math" panose="02040503050406030204" pitchFamily="18" charset="0"/>
-                                    </a:rPr>
-                                    <m:t>𝝏</m:t>
-                                  </m:r>
-                                  <m:r>
-                                    <a:rPr lang="en-US" sz="2400" b="1" i="1" dirty="0">
-                                      <a:latin typeface="Cambria Math" panose="02040503050406030204" pitchFamily="18" charset="0"/>
-                                      <a:ea typeface="Cambria Math" panose="02040503050406030204" pitchFamily="18" charset="0"/>
-                                    </a:rPr>
-                                    <m:t>𝑷</m:t>
-                                  </m:r>
-                                </m:num>
-                                <m:den>
-                                  <m:r>
-                                    <a:rPr lang="en-US" sz="2400" b="1" i="1" dirty="0">
-                                      <a:latin typeface="Cambria Math" panose="02040503050406030204" pitchFamily="18" charset="0"/>
-                                      <a:ea typeface="Cambria Math" panose="02040503050406030204" pitchFamily="18" charset="0"/>
-                                    </a:rPr>
-                                    <m:t>𝝏</m:t>
-                                  </m:r>
-                                  <m:r>
-                                    <a:rPr lang="en-US" sz="2400" b="1" i="1" dirty="0">
-                                      <a:latin typeface="Cambria Math" panose="02040503050406030204" pitchFamily="18" charset="0"/>
-                                      <a:ea typeface="Cambria Math" panose="02040503050406030204" pitchFamily="18" charset="0"/>
-                                    </a:rPr>
-                                    <m:t>𝑽</m:t>
-                                  </m:r>
-                                </m:den>
-                              </m:f>
-                            </m:e>
-                          </m:d>
-                        </m:e>
-                        <m:sub>
-                          <m:r>
-                            <a:rPr lang="en-US" sz="2400" b="1" i="1" dirty="0">
-                              <a:latin typeface="Cambria Math" panose="02040503050406030204" pitchFamily="18" charset="0"/>
-                            </a:rPr>
-                            <m:t>𝑻</m:t>
-                          </m:r>
-                        </m:sub>
-                      </m:sSub>
-                    </m:oMath>
-                  </a14:m>
-                  <a:r>
-                    <a:rPr lang="en-US" sz="2400" b="1" dirty="0"/>
-                    <a:t> </a:t>
-                  </a:r>
-                  <a:endParaRPr lang="en-US" sz="2400" dirty="0"/>
-                </a:p>
-              </p:txBody>
-            </p:sp>
-          </mc:Choice>
-          <mc:Fallback>
-            <p:sp>
-              <p:nvSpPr>
-                <p:cNvPr id="8" name="Rectangle 7">
-                  <a:extLst>
-                    <a:ext uri="{FF2B5EF4-FFF2-40B4-BE49-F238E27FC236}">
-                      <a16:creationId xmlns:a16="http://schemas.microsoft.com/office/drawing/2014/main" id="{4462591F-2362-2749-828C-D83363E6E18E}"/>
-                    </a:ext>
-                  </a:extLst>
-                </p:cNvPr>
-                <p:cNvSpPr>
-                  <a:spLocks noRot="1" noChangeAspect="1" noMove="1" noResize="1" noEditPoints="1" noAdjustHandles="1" noChangeArrowheads="1" noChangeShapeType="1" noTextEdit="1"/>
-                </p:cNvSpPr>
-                <p:nvPr/>
-              </p:nvSpPr>
-              <p:spPr>
-                <a:xfrm>
-                  <a:off x="8797157" y="-386713"/>
-                  <a:ext cx="997709" cy="693138"/>
-                </a:xfrm>
-                <a:prstGeom prst="rect">
-                  <a:avLst/>
-                </a:prstGeom>
-                <a:blipFill>
-                  <a:blip r:embed="rId4"/>
-                  <a:stretch>
-                    <a:fillRect b="-1786"/>
-                  </a:stretch>
-                </a:blipFill>
-              </p:spPr>
-              <p:txBody>
-                <a:bodyPr/>
-                <a:lstStyle/>
-                <a:p>
-                  <a:r>
-                    <a:rPr lang="en-US">
-                      <a:noFill/>
-                    </a:rPr>
-                    <a:t> </a:t>
-                  </a:r>
-                </a:p>
-              </p:txBody>
-            </p:sp>
-          </mc:Fallback>
-        </mc:AlternateContent>
-      </p:grpSp>
-      <p:grpSp>
-        <p:nvGrpSpPr>
-          <p:cNvPr id="10" name="Group 9">
-            <a:extLst>
-              <a:ext uri="{FF2B5EF4-FFF2-40B4-BE49-F238E27FC236}">
-                <a16:creationId xmlns:a16="http://schemas.microsoft.com/office/drawing/2014/main" id="{CE688BC7-0A8B-8948-81B0-57E7667DCF6A}"/>
-              </a:ext>
-            </a:extLst>
-          </p:cNvPr>
-          <p:cNvGrpSpPr/>
-          <p:nvPr/>
-        </p:nvGrpSpPr>
-        <p:grpSpPr>
-          <a:xfrm>
-            <a:off x="6570130" y="2597543"/>
-            <a:ext cx="3887651" cy="3742359"/>
-            <a:chOff x="7411378" y="2861974"/>
-            <a:chExt cx="3887651" cy="3742359"/>
-          </a:xfrm>
-        </p:grpSpPr>
-        <p:pic>
-          <p:nvPicPr>
-            <p:cNvPr id="11" name="Picture 4">
+            </p:spPr>
+          </p:pic>
+          <mc:AlternateContent xmlns:mc="http://schemas.openxmlformats.org/markup-compatibility/2006" xmlns:a14="http://schemas.microsoft.com/office/drawing/2010/main">
+            <mc:Choice Requires="a14">
+              <p:sp>
+                <p:nvSpPr>
+                  <p:cNvPr id="8" name="Rectangle 7">
+                    <a:extLst>
+                      <a:ext uri="{FF2B5EF4-FFF2-40B4-BE49-F238E27FC236}">
+                        <a16:creationId xmlns:a16="http://schemas.microsoft.com/office/drawing/2014/main" id="{4462591F-2362-2749-828C-D83363E6E18E}"/>
+                      </a:ext>
+                    </a:extLst>
+                  </p:cNvPr>
+                  <p:cNvSpPr/>
+                  <p:nvPr/>
+                </p:nvSpPr>
+                <p:spPr>
+                  <a:xfrm>
+                    <a:off x="6247855" y="1007044"/>
+                    <a:ext cx="1168329" cy="811673"/>
+                  </a:xfrm>
+                  <a:prstGeom prst="rect">
+                    <a:avLst/>
+                  </a:prstGeom>
+                </p:spPr>
+                <p:txBody>
+                  <a:bodyPr wrap="none">
+                    <a:spAutoFit/>
+                  </a:bodyPr>
+                  <a:lstStyle/>
+                  <a:p>
+                    <a14:m>
+                      <m:oMath xmlns:m="http://schemas.openxmlformats.org/officeDocument/2006/math">
+                        <m:sSub>
+                          <m:sSubPr>
+                            <m:ctrlPr>
+                              <a:rPr lang="en-US" sz="2400" b="1" i="1" dirty="0" smtClean="0">
+                                <a:solidFill>
+                                  <a:srgbClr val="7030A0"/>
+                                </a:solidFill>
+                                <a:latin typeface="Cambria Math" panose="02040503050406030204" pitchFamily="18" charset="0"/>
+                              </a:rPr>
+                            </m:ctrlPr>
+                          </m:sSubPr>
+                          <m:e>
+                            <m:d>
+                              <m:dPr>
+                                <m:ctrlPr>
+                                  <a:rPr lang="en-US" sz="2400" b="1" i="1" dirty="0">
+                                    <a:solidFill>
+                                      <a:srgbClr val="7030A0"/>
+                                    </a:solidFill>
+                                    <a:latin typeface="Cambria Math" panose="02040503050406030204" pitchFamily="18" charset="0"/>
+                                  </a:rPr>
+                                </m:ctrlPr>
+                              </m:dPr>
+                              <m:e>
+                                <m:f>
+                                  <m:fPr>
+                                    <m:ctrlPr>
+                                      <a:rPr lang="en-US" sz="2400" b="1" i="1" dirty="0">
+                                        <a:solidFill>
+                                          <a:srgbClr val="7030A0"/>
+                                        </a:solidFill>
+                                        <a:latin typeface="Cambria Math" panose="02040503050406030204" pitchFamily="18" charset="0"/>
+                                      </a:rPr>
+                                    </m:ctrlPr>
+                                  </m:fPr>
+                                  <m:num>
+                                    <m:r>
+                                      <a:rPr lang="en-US" sz="2400" b="1" i="1" dirty="0">
+                                        <a:solidFill>
+                                          <a:srgbClr val="7030A0"/>
+                                        </a:solidFill>
+                                        <a:latin typeface="Cambria Math" panose="02040503050406030204" pitchFamily="18" charset="0"/>
+                                        <a:ea typeface="Cambria Math" panose="02040503050406030204" pitchFamily="18" charset="0"/>
+                                      </a:rPr>
+                                      <m:t>𝝏</m:t>
+                                    </m:r>
+                                    <m:r>
+                                      <a:rPr lang="en-US" sz="2400" b="1" i="1" dirty="0">
+                                        <a:solidFill>
+                                          <a:srgbClr val="7030A0"/>
+                                        </a:solidFill>
+                                        <a:latin typeface="Cambria Math" panose="02040503050406030204" pitchFamily="18" charset="0"/>
+                                        <a:ea typeface="Cambria Math" panose="02040503050406030204" pitchFamily="18" charset="0"/>
+                                      </a:rPr>
+                                      <m:t>𝑷</m:t>
+                                    </m:r>
+                                  </m:num>
+                                  <m:den>
+                                    <m:r>
+                                      <a:rPr lang="en-US" sz="2400" b="1" i="1" dirty="0">
+                                        <a:solidFill>
+                                          <a:srgbClr val="7030A0"/>
+                                        </a:solidFill>
+                                        <a:latin typeface="Cambria Math" panose="02040503050406030204" pitchFamily="18" charset="0"/>
+                                        <a:ea typeface="Cambria Math" panose="02040503050406030204" pitchFamily="18" charset="0"/>
+                                      </a:rPr>
+                                      <m:t>𝝏</m:t>
+                                    </m:r>
+                                    <m:r>
+                                      <a:rPr lang="en-US" sz="2400" b="1" i="1" dirty="0">
+                                        <a:solidFill>
+                                          <a:srgbClr val="7030A0"/>
+                                        </a:solidFill>
+                                        <a:latin typeface="Cambria Math" panose="02040503050406030204" pitchFamily="18" charset="0"/>
+                                        <a:ea typeface="Cambria Math" panose="02040503050406030204" pitchFamily="18" charset="0"/>
+                                      </a:rPr>
+                                      <m:t>𝑽</m:t>
+                                    </m:r>
+                                  </m:den>
+                                </m:f>
+                              </m:e>
+                            </m:d>
+                          </m:e>
+                          <m:sub>
+                            <m:r>
+                              <a:rPr lang="en-US" sz="2400" b="1" i="1" dirty="0">
+                                <a:solidFill>
+                                  <a:srgbClr val="7030A0"/>
+                                </a:solidFill>
+                                <a:latin typeface="Cambria Math" panose="02040503050406030204" pitchFamily="18" charset="0"/>
+                              </a:rPr>
+                              <m:t>𝑻</m:t>
+                            </m:r>
+                          </m:sub>
+                        </m:sSub>
+                      </m:oMath>
+                    </a14:m>
+                    <a:r>
+                      <a:rPr lang="en-US" sz="2400" b="1" dirty="0">
+                        <a:solidFill>
+                          <a:srgbClr val="7030A0"/>
+                        </a:solidFill>
+                      </a:rPr>
+                      <a:t> </a:t>
+                    </a:r>
+                    <a:endParaRPr lang="en-US" sz="2400" dirty="0"/>
+                  </a:p>
+                </p:txBody>
+              </p:sp>
+            </mc:Choice>
+            <mc:Fallback xmlns="">
+              <p:sp>
+                <p:nvSpPr>
+                  <p:cNvPr id="8" name="Rectangle 7">
+                    <a:extLst>
+                      <a:ext uri="{FF2B5EF4-FFF2-40B4-BE49-F238E27FC236}">
+                        <a16:creationId xmlns:a16="http://schemas.microsoft.com/office/drawing/2014/main" id="{4462591F-2362-2749-828C-D83363E6E18E}"/>
+                      </a:ext>
+                    </a:extLst>
+                  </p:cNvPr>
+                  <p:cNvSpPr>
+                    <a:spLocks noRot="1" noChangeAspect="1" noMove="1" noResize="1" noEditPoints="1" noAdjustHandles="1" noChangeArrowheads="1" noChangeShapeType="1" noTextEdit="1"/>
+                  </p:cNvSpPr>
+                  <p:nvPr/>
+                </p:nvSpPr>
+                <p:spPr>
+                  <a:xfrm>
+                    <a:off x="6247855" y="1007044"/>
+                    <a:ext cx="1168329" cy="811673"/>
+                  </a:xfrm>
+                  <a:prstGeom prst="rect">
+                    <a:avLst/>
+                  </a:prstGeom>
+                  <a:blipFill>
+                    <a:blip r:embed="rId4"/>
+                    <a:stretch>
+                      <a:fillRect b="-3636"/>
+                    </a:stretch>
+                  </a:blipFill>
+                </p:spPr>
+                <p:txBody>
+                  <a:bodyPr/>
+                  <a:lstStyle/>
+                  <a:p>
+                    <a:r>
+                      <a:rPr lang="en-US">
+                        <a:noFill/>
+                      </a:rPr>
+                      <a:t> </a:t>
+                    </a:r>
+                  </a:p>
+                </p:txBody>
+              </p:sp>
+            </mc:Fallback>
+          </mc:AlternateContent>
+        </p:grpSp>
+        <p:grpSp>
+          <p:nvGrpSpPr>
+            <p:cNvPr id="10" name="Group 9">
               <a:extLst>
                 <a:ext uri="{FF2B5EF4-FFF2-40B4-BE49-F238E27FC236}">
-                  <a16:creationId xmlns:a16="http://schemas.microsoft.com/office/drawing/2014/main" id="{B8559398-2E75-6F4A-96C2-B3B4495FBAE4}"/>
+                  <a16:creationId xmlns:a16="http://schemas.microsoft.com/office/drawing/2014/main" id="{CE688BC7-0A8B-8948-81B0-57E7667DCF6A}"/>
                 </a:ext>
               </a:extLst>
             </p:cNvPr>
-            <p:cNvPicPr>
-              <a:picLocks noChangeAspect="1" noChangeArrowheads="1"/>
-            </p:cNvPicPr>
+            <p:cNvGrpSpPr>
+              <a:grpSpLocks noChangeAspect="1"/>
+            </p:cNvGrpSpPr>
             <p:nvPr/>
-          </p:nvPicPr>
-          <p:blipFill rotWithShape="1">
-            <a:blip r:embed="rId5">
+          </p:nvGrpSpPr>
+          <p:grpSpPr>
+            <a:xfrm>
+              <a:off x="6236490" y="2752970"/>
+              <a:ext cx="4200486" cy="2776738"/>
+              <a:chOff x="6687511" y="3555882"/>
+              <a:chExt cx="4611518" cy="3048451"/>
+            </a:xfrm>
+          </p:grpSpPr>
+          <p:pic>
+            <p:nvPicPr>
+              <p:cNvPr id="11" name="Picture 4">
+                <a:extLst>
+                  <a:ext uri="{FF2B5EF4-FFF2-40B4-BE49-F238E27FC236}">
+                    <a16:creationId xmlns:a16="http://schemas.microsoft.com/office/drawing/2014/main" id="{B8559398-2E75-6F4A-96C2-B3B4495FBAE4}"/>
+                  </a:ext>
+                </a:extLst>
+              </p:cNvPr>
+              <p:cNvPicPr>
+                <a:picLocks noChangeAspect="1" noChangeArrowheads="1"/>
+              </p:cNvPicPr>
+              <p:nvPr/>
+            </p:nvPicPr>
+            <p:blipFill rotWithShape="1">
+              <a:blip r:embed="rId5">
+                <a:extLst>
+                  <a:ext uri="{28A0092B-C50C-407E-A947-70E740481C1C}">
+                    <a14:useLocalDpi xmlns:a14="http://schemas.microsoft.com/office/drawing/2010/main" val="0"/>
+                  </a:ext>
+                </a:extLst>
+              </a:blip>
+              <a:srcRect l="18113" t="14871" r="6173" b="5970"/>
+              <a:stretch/>
+            </p:blipFill>
+            <p:spPr bwMode="auto">
+              <a:xfrm>
+                <a:off x="7411378" y="3555882"/>
+                <a:ext cx="3887651" cy="3048451"/>
+              </a:xfrm>
+              <a:prstGeom prst="rect">
+                <a:avLst/>
+              </a:prstGeom>
+              <a:noFill/>
               <a:extLst>
-                <a:ext uri="{28A0092B-C50C-407E-A947-70E740481C1C}">
-                  <a14:useLocalDpi xmlns:a14="http://schemas.microsoft.com/office/drawing/2010/main" val="0"/>
+                <a:ext uri="{909E8E84-426E-40DD-AFC4-6F175D3DCCD1}">
+                  <a14:hiddenFill xmlns:a14="http://schemas.microsoft.com/office/drawing/2010/main">
+                    <a:solidFill>
+                      <a:srgbClr val="FFFFFF"/>
+                    </a:solidFill>
+                  </a14:hiddenFill>
                 </a:ext>
               </a:extLst>
-            </a:blip>
-            <a:srcRect l="18113" t="14871" r="6173" b="5970"/>
-            <a:stretch/>
-          </p:blipFill>
-          <p:spPr bwMode="auto">
-            <a:xfrm>
-              <a:off x="7411378" y="3555882"/>
-              <a:ext cx="3887651" cy="3048451"/>
-            </a:xfrm>
-            <a:prstGeom prst="rect">
-              <a:avLst/>
-            </a:prstGeom>
-            <a:noFill/>
-            <a:extLst>
-              <a:ext uri="{909E8E84-426E-40DD-AFC4-6F175D3DCCD1}">
-                <a14:hiddenFill xmlns:a14="http://schemas.microsoft.com/office/drawing/2010/main">
-                  <a:solidFill>
-                    <a:srgbClr val="FFFFFF"/>
-                  </a:solidFill>
-                </a14:hiddenFill>
-              </a:ext>
-            </a:extLst>
-          </p:spPr>
-        </p:pic>
-        <mc:AlternateContent xmlns:mc="http://schemas.openxmlformats.org/markup-compatibility/2006">
-          <mc:Choice xmlns:a14="http://schemas.microsoft.com/office/drawing/2010/main" Requires="a14">
-            <p:sp>
-              <p:nvSpPr>
-                <p:cNvPr id="12" name="Rectangle 11">
-                  <a:extLst>
-                    <a:ext uri="{FF2B5EF4-FFF2-40B4-BE49-F238E27FC236}">
-                      <a16:creationId xmlns:a16="http://schemas.microsoft.com/office/drawing/2014/main" id="{86189A47-8A6C-4A47-B60B-FF81EFAF78AE}"/>
-                    </a:ext>
-                  </a:extLst>
-                </p:cNvPr>
-                <p:cNvSpPr/>
-                <p:nvPr/>
-              </p:nvSpPr>
-              <p:spPr>
-                <a:xfrm>
-                  <a:off x="8841163" y="2861974"/>
-                  <a:ext cx="1004121" cy="693908"/>
-                </a:xfrm>
-                <a:prstGeom prst="rect">
-                  <a:avLst/>
-                </a:prstGeom>
-              </p:spPr>
-              <p:txBody>
-                <a:bodyPr wrap="none">
-                  <a:spAutoFit/>
-                </a:bodyPr>
-                <a:lstStyle/>
-                <a:p>
-                  <a14:m>
-                    <m:oMath xmlns:m="http://schemas.openxmlformats.org/officeDocument/2006/math">
-                      <m:sSub>
-                        <m:sSubPr>
-                          <m:ctrlPr>
-                            <a:rPr lang="en-US" sz="2400" b="1" i="1" dirty="0" smtClean="0">
-                              <a:latin typeface="Cambria Math" panose="02040503050406030204" pitchFamily="18" charset="0"/>
-                            </a:rPr>
-                          </m:ctrlPr>
-                        </m:sSubPr>
-                        <m:e>
-                          <m:d>
-                            <m:dPr>
-                              <m:ctrlPr>
-                                <a:rPr lang="en-US" sz="2400" b="1" i="1" dirty="0">
-                                  <a:latin typeface="Cambria Math" panose="02040503050406030204" pitchFamily="18" charset="0"/>
-                                </a:rPr>
-                              </m:ctrlPr>
-                            </m:dPr>
-                            <m:e>
-                              <m:f>
-                                <m:fPr>
-                                  <m:ctrlPr>
-                                    <a:rPr lang="en-US" sz="2400" b="1" i="1" dirty="0">
-                                      <a:latin typeface="Cambria Math" panose="02040503050406030204" pitchFamily="18" charset="0"/>
-                                    </a:rPr>
-                                  </m:ctrlPr>
-                                </m:fPr>
-                                <m:num>
-                                  <m:r>
-                                    <a:rPr lang="en-US" sz="2400" b="1" i="1" dirty="0">
-                                      <a:latin typeface="Cambria Math" panose="02040503050406030204" pitchFamily="18" charset="0"/>
-                                      <a:ea typeface="Cambria Math" panose="02040503050406030204" pitchFamily="18" charset="0"/>
-                                    </a:rPr>
-                                    <m:t>𝝏</m:t>
-                                  </m:r>
-                                  <m:r>
-                                    <a:rPr lang="en-US" sz="2400" b="1" i="1" dirty="0">
-                                      <a:latin typeface="Cambria Math" panose="02040503050406030204" pitchFamily="18" charset="0"/>
-                                      <a:ea typeface="Cambria Math" panose="02040503050406030204" pitchFamily="18" charset="0"/>
-                                    </a:rPr>
-                                    <m:t>𝑷</m:t>
-                                  </m:r>
-                                </m:num>
-                                <m:den>
-                                  <m:r>
-                                    <a:rPr lang="en-US" sz="2400" b="1" i="1" dirty="0">
-                                      <a:latin typeface="Cambria Math" panose="02040503050406030204" pitchFamily="18" charset="0"/>
-                                      <a:ea typeface="Cambria Math" panose="02040503050406030204" pitchFamily="18" charset="0"/>
-                                    </a:rPr>
-                                    <m:t>𝝏</m:t>
-                                  </m:r>
-                                  <m:r>
-                                    <a:rPr lang="en-US" sz="2400" b="1" i="1" dirty="0" smtClean="0">
-                                      <a:latin typeface="Cambria Math" panose="02040503050406030204" pitchFamily="18" charset="0"/>
-                                      <a:ea typeface="Cambria Math" panose="02040503050406030204" pitchFamily="18" charset="0"/>
-                                    </a:rPr>
-                                    <m:t>𝑻</m:t>
-                                  </m:r>
-                                </m:den>
-                              </m:f>
-                            </m:e>
-                          </m:d>
-                        </m:e>
-                        <m:sub>
-                          <m:r>
-                            <a:rPr lang="en-US" sz="2400" b="1" i="1" dirty="0" smtClean="0">
-                              <a:latin typeface="Cambria Math" panose="02040503050406030204" pitchFamily="18" charset="0"/>
-                              <a:ea typeface="Cambria Math" panose="02040503050406030204" pitchFamily="18" charset="0"/>
-                            </a:rPr>
-                            <m:t>𝑽</m:t>
-                          </m:r>
-                        </m:sub>
-                      </m:sSub>
-                    </m:oMath>
-                  </a14:m>
-                  <a:r>
-                    <a:rPr lang="en-US" sz="2400" b="1" dirty="0"/>
-                    <a:t> </a:t>
-                  </a:r>
-                  <a:endParaRPr lang="en-US" sz="2400" dirty="0"/>
-                </a:p>
-              </p:txBody>
-            </p:sp>
-          </mc:Choice>
-          <mc:Fallback>
-            <p:sp>
-              <p:nvSpPr>
-                <p:cNvPr id="12" name="Rectangle 11">
-                  <a:extLst>
-                    <a:ext uri="{FF2B5EF4-FFF2-40B4-BE49-F238E27FC236}">
-                      <a16:creationId xmlns:a16="http://schemas.microsoft.com/office/drawing/2014/main" id="{86189A47-8A6C-4A47-B60B-FF81EFAF78AE}"/>
-                    </a:ext>
-                  </a:extLst>
-                </p:cNvPr>
-                <p:cNvSpPr>
-                  <a:spLocks noRot="1" noChangeAspect="1" noMove="1" noResize="1" noEditPoints="1" noAdjustHandles="1" noChangeArrowheads="1" noChangeShapeType="1" noTextEdit="1"/>
-                </p:cNvSpPr>
-                <p:nvPr/>
-              </p:nvSpPr>
-              <p:spPr>
-                <a:xfrm>
-                  <a:off x="8841163" y="2861974"/>
-                  <a:ext cx="1004121" cy="693908"/>
-                </a:xfrm>
-                <a:prstGeom prst="rect">
-                  <a:avLst/>
-                </a:prstGeom>
-                <a:blipFill>
-                  <a:blip r:embed="rId6"/>
-                  <a:stretch>
-                    <a:fillRect b="-1786"/>
-                  </a:stretch>
-                </a:blipFill>
-              </p:spPr>
-              <p:txBody>
-                <a:bodyPr/>
-                <a:lstStyle/>
-                <a:p>
-                  <a:r>
-                    <a:rPr lang="en-US">
-                      <a:noFill/>
-                    </a:rPr>
-                    <a:t> </a:t>
-                  </a:r>
-                </a:p>
-              </p:txBody>
-            </p:sp>
-          </mc:Fallback>
-        </mc:AlternateContent>
+            </p:spPr>
+          </p:pic>
+          <mc:AlternateContent xmlns:mc="http://schemas.openxmlformats.org/markup-compatibility/2006" xmlns:a14="http://schemas.microsoft.com/office/drawing/2010/main">
+            <mc:Choice Requires="a14">
+              <p:sp>
+                <p:nvSpPr>
+                  <p:cNvPr id="12" name="Rectangle 11">
+                    <a:extLst>
+                      <a:ext uri="{FF2B5EF4-FFF2-40B4-BE49-F238E27FC236}">
+                        <a16:creationId xmlns:a16="http://schemas.microsoft.com/office/drawing/2014/main" id="{86189A47-8A6C-4A47-B60B-FF81EFAF78AE}"/>
+                      </a:ext>
+                    </a:extLst>
+                  </p:cNvPr>
+                  <p:cNvSpPr/>
+                  <p:nvPr/>
+                </p:nvSpPr>
+                <p:spPr>
+                  <a:xfrm>
+                    <a:off x="6687511" y="4437379"/>
+                    <a:ext cx="1102378" cy="761809"/>
+                  </a:xfrm>
+                  <a:prstGeom prst="rect">
+                    <a:avLst/>
+                  </a:prstGeom>
+                </p:spPr>
+                <p:txBody>
+                  <a:bodyPr wrap="none">
+                    <a:spAutoFit/>
+                  </a:bodyPr>
+                  <a:lstStyle/>
+                  <a:p>
+                    <a14:m>
+                      <m:oMath xmlns:m="http://schemas.openxmlformats.org/officeDocument/2006/math">
+                        <m:sSub>
+                          <m:sSubPr>
+                            <m:ctrlPr>
+                              <a:rPr lang="en-US" sz="2400" b="1" i="1" dirty="0" smtClean="0">
+                                <a:solidFill>
+                                  <a:srgbClr val="00B050"/>
+                                </a:solidFill>
+                                <a:latin typeface="Cambria Math" panose="02040503050406030204" pitchFamily="18" charset="0"/>
+                              </a:rPr>
+                            </m:ctrlPr>
+                          </m:sSubPr>
+                          <m:e>
+                            <m:d>
+                              <m:dPr>
+                                <m:ctrlPr>
+                                  <a:rPr lang="en-US" sz="2400" b="1" i="1" dirty="0">
+                                    <a:solidFill>
+                                      <a:srgbClr val="00B050"/>
+                                    </a:solidFill>
+                                    <a:latin typeface="Cambria Math" panose="02040503050406030204" pitchFamily="18" charset="0"/>
+                                  </a:rPr>
+                                </m:ctrlPr>
+                              </m:dPr>
+                              <m:e>
+                                <m:f>
+                                  <m:fPr>
+                                    <m:ctrlPr>
+                                      <a:rPr lang="en-US" sz="2400" b="1" i="1" dirty="0">
+                                        <a:solidFill>
+                                          <a:srgbClr val="00B050"/>
+                                        </a:solidFill>
+                                        <a:latin typeface="Cambria Math" panose="02040503050406030204" pitchFamily="18" charset="0"/>
+                                      </a:rPr>
+                                    </m:ctrlPr>
+                                  </m:fPr>
+                                  <m:num>
+                                    <m:r>
+                                      <a:rPr lang="en-US" sz="2400" b="1" i="1" dirty="0">
+                                        <a:solidFill>
+                                          <a:srgbClr val="00B050"/>
+                                        </a:solidFill>
+                                        <a:latin typeface="Cambria Math" panose="02040503050406030204" pitchFamily="18" charset="0"/>
+                                        <a:ea typeface="Cambria Math" panose="02040503050406030204" pitchFamily="18" charset="0"/>
+                                      </a:rPr>
+                                      <m:t>𝝏</m:t>
+                                    </m:r>
+                                    <m:r>
+                                      <a:rPr lang="en-US" sz="2400" b="1" i="1" dirty="0">
+                                        <a:solidFill>
+                                          <a:srgbClr val="00B050"/>
+                                        </a:solidFill>
+                                        <a:latin typeface="Cambria Math" panose="02040503050406030204" pitchFamily="18" charset="0"/>
+                                        <a:ea typeface="Cambria Math" panose="02040503050406030204" pitchFamily="18" charset="0"/>
+                                      </a:rPr>
+                                      <m:t>𝑷</m:t>
+                                    </m:r>
+                                  </m:num>
+                                  <m:den>
+                                    <m:r>
+                                      <a:rPr lang="en-US" sz="2400" b="1" i="1" dirty="0">
+                                        <a:solidFill>
+                                          <a:srgbClr val="00B050"/>
+                                        </a:solidFill>
+                                        <a:latin typeface="Cambria Math" panose="02040503050406030204" pitchFamily="18" charset="0"/>
+                                        <a:ea typeface="Cambria Math" panose="02040503050406030204" pitchFamily="18" charset="0"/>
+                                      </a:rPr>
+                                      <m:t>𝝏</m:t>
+                                    </m:r>
+                                    <m:r>
+                                      <a:rPr lang="en-US" sz="2400" b="1" i="1" dirty="0" smtClean="0">
+                                        <a:solidFill>
+                                          <a:srgbClr val="00B050"/>
+                                        </a:solidFill>
+                                        <a:latin typeface="Cambria Math" panose="02040503050406030204" pitchFamily="18" charset="0"/>
+                                        <a:ea typeface="Cambria Math" panose="02040503050406030204" pitchFamily="18" charset="0"/>
+                                      </a:rPr>
+                                      <m:t>𝑻</m:t>
+                                    </m:r>
+                                  </m:den>
+                                </m:f>
+                              </m:e>
+                            </m:d>
+                          </m:e>
+                          <m:sub>
+                            <m:r>
+                              <a:rPr lang="en-US" sz="2400" b="1" i="1" dirty="0" smtClean="0">
+                                <a:solidFill>
+                                  <a:srgbClr val="00B050"/>
+                                </a:solidFill>
+                                <a:latin typeface="Cambria Math" panose="02040503050406030204" pitchFamily="18" charset="0"/>
+                                <a:ea typeface="Cambria Math" panose="02040503050406030204" pitchFamily="18" charset="0"/>
+                              </a:rPr>
+                              <m:t>𝑽</m:t>
+                            </m:r>
+                          </m:sub>
+                        </m:sSub>
+                      </m:oMath>
+                    </a14:m>
+                    <a:r>
+                      <a:rPr lang="en-US" sz="2400" b="1" dirty="0">
+                        <a:solidFill>
+                          <a:srgbClr val="00B050"/>
+                        </a:solidFill>
+                      </a:rPr>
+                      <a:t> </a:t>
+                    </a:r>
+                    <a:endParaRPr lang="en-US" sz="2400" dirty="0"/>
+                  </a:p>
+                </p:txBody>
+              </p:sp>
+            </mc:Choice>
+            <mc:Fallback xmlns="">
+              <p:sp>
+                <p:nvSpPr>
+                  <p:cNvPr id="12" name="Rectangle 11">
+                    <a:extLst>
+                      <a:ext uri="{FF2B5EF4-FFF2-40B4-BE49-F238E27FC236}">
+                        <a16:creationId xmlns:a16="http://schemas.microsoft.com/office/drawing/2014/main" id="{86189A47-8A6C-4A47-B60B-FF81EFAF78AE}"/>
+                      </a:ext>
+                    </a:extLst>
+                  </p:cNvPr>
+                  <p:cNvSpPr>
+                    <a:spLocks noRot="1" noChangeAspect="1" noMove="1" noResize="1" noEditPoints="1" noAdjustHandles="1" noChangeArrowheads="1" noChangeShapeType="1" noTextEdit="1"/>
+                  </p:cNvSpPr>
+                  <p:nvPr/>
+                </p:nvSpPr>
+                <p:spPr>
+                  <a:xfrm>
+                    <a:off x="6687511" y="4437379"/>
+                    <a:ext cx="1102378" cy="761809"/>
+                  </a:xfrm>
+                  <a:prstGeom prst="rect">
+                    <a:avLst/>
+                  </a:prstGeom>
+                  <a:blipFill>
+                    <a:blip r:embed="rId6"/>
+                    <a:stretch>
+                      <a:fillRect b="-3636"/>
+                    </a:stretch>
+                  </a:blipFill>
+                </p:spPr>
+                <p:txBody>
+                  <a:bodyPr/>
+                  <a:lstStyle/>
+                  <a:p>
+                    <a:r>
+                      <a:rPr lang="en-US">
+                        <a:noFill/>
+                      </a:rPr>
+                      <a:t> </a:t>
+                    </a:r>
+                  </a:p>
+                </p:txBody>
+              </p:sp>
+            </mc:Fallback>
+          </mc:AlternateContent>
+        </p:grpSp>
       </p:grpSp>
+      <mc:AlternateContent xmlns:mc="http://schemas.openxmlformats.org/markup-compatibility/2006">
+        <mc:Choice xmlns:a14="http://schemas.microsoft.com/office/drawing/2010/main" Requires="a14">
+          <p:sp>
+            <p:nvSpPr>
+              <p:cNvPr id="3" name="Rectangle 2">
+                <a:extLst>
+                  <a:ext uri="{FF2B5EF4-FFF2-40B4-BE49-F238E27FC236}">
+                    <a16:creationId xmlns:a16="http://schemas.microsoft.com/office/drawing/2014/main" id="{3C0E76FA-AE93-C6AB-F2F6-269CE1E07B3E}"/>
+                  </a:ext>
+                </a:extLst>
+              </p:cNvPr>
+              <p:cNvSpPr/>
+              <p:nvPr/>
+            </p:nvSpPr>
+            <p:spPr>
+              <a:xfrm>
+                <a:off x="0" y="4356047"/>
+                <a:ext cx="12087640" cy="2402709"/>
+              </a:xfrm>
+              <a:prstGeom prst="rect">
+                <a:avLst/>
+              </a:prstGeom>
+            </p:spPr>
+            <p:txBody>
+              <a:bodyPr wrap="square">
+                <a:spAutoFit/>
+              </a:bodyPr>
+              <a:lstStyle/>
+              <a:p>
+                <a:r>
+                  <a:rPr lang="en-US" sz="2400" dirty="0"/>
+                  <a:t>These figures suggest the following claims: </a:t>
+                </a:r>
+              </a:p>
+              <a:p>
+                <a:pPr marL="457200" indent="-457200">
+                  <a:buFont typeface="+mj-lt"/>
+                  <a:buAutoNum type="arabicPeriod"/>
+                </a:pPr>
+                <a:r>
+                  <a:rPr lang="en-US" sz="2400" b="1" dirty="0">
+                    <a:solidFill>
+                      <a:srgbClr val="7030A0"/>
+                    </a:solidFill>
+                  </a:rPr>
+                  <a:t> </a:t>
+                </a:r>
+                <a14:m>
+                  <m:oMath xmlns:m="http://schemas.openxmlformats.org/officeDocument/2006/math">
+                    <m:sSub>
+                      <m:sSubPr>
+                        <m:ctrlPr>
+                          <a:rPr lang="en-US" sz="2400" b="1" i="1" dirty="0" smtClean="0">
+                            <a:solidFill>
+                              <a:srgbClr val="7030A0"/>
+                            </a:solidFill>
+                            <a:latin typeface="Cambria Math" panose="02040503050406030204" pitchFamily="18" charset="0"/>
+                          </a:rPr>
+                        </m:ctrlPr>
+                      </m:sSubPr>
+                      <m:e>
+                        <m:d>
+                          <m:dPr>
+                            <m:ctrlPr>
+                              <a:rPr lang="en-US" sz="2400" b="1" i="1" dirty="0">
+                                <a:solidFill>
+                                  <a:srgbClr val="7030A0"/>
+                                </a:solidFill>
+                                <a:latin typeface="Cambria Math" panose="02040503050406030204" pitchFamily="18" charset="0"/>
+                              </a:rPr>
+                            </m:ctrlPr>
+                          </m:dPr>
+                          <m:e>
+                            <m:f>
+                              <m:fPr>
+                                <m:ctrlPr>
+                                  <a:rPr lang="en-US" sz="2400" b="1" i="1" dirty="0">
+                                    <a:solidFill>
+                                      <a:srgbClr val="7030A0"/>
+                                    </a:solidFill>
+                                    <a:latin typeface="Cambria Math" panose="02040503050406030204" pitchFamily="18" charset="0"/>
+                                  </a:rPr>
+                                </m:ctrlPr>
+                              </m:fPr>
+                              <m:num>
+                                <m:r>
+                                  <a:rPr lang="en-US" sz="2400" b="1" i="1" dirty="0">
+                                    <a:solidFill>
+                                      <a:srgbClr val="7030A0"/>
+                                    </a:solidFill>
+                                    <a:latin typeface="Cambria Math" panose="02040503050406030204" pitchFamily="18" charset="0"/>
+                                    <a:ea typeface="Cambria Math" panose="02040503050406030204" pitchFamily="18" charset="0"/>
+                                  </a:rPr>
+                                  <m:t>𝝏</m:t>
+                                </m:r>
+                                <m:r>
+                                  <a:rPr lang="en-US" sz="2400" b="1" i="1" dirty="0">
+                                    <a:solidFill>
+                                      <a:srgbClr val="7030A0"/>
+                                    </a:solidFill>
+                                    <a:latin typeface="Cambria Math" panose="02040503050406030204" pitchFamily="18" charset="0"/>
+                                    <a:ea typeface="Cambria Math" panose="02040503050406030204" pitchFamily="18" charset="0"/>
+                                  </a:rPr>
+                                  <m:t>𝑷</m:t>
+                                </m:r>
+                              </m:num>
+                              <m:den>
+                                <m:r>
+                                  <a:rPr lang="en-US" sz="2400" b="1" i="1" dirty="0">
+                                    <a:solidFill>
+                                      <a:srgbClr val="7030A0"/>
+                                    </a:solidFill>
+                                    <a:latin typeface="Cambria Math" panose="02040503050406030204" pitchFamily="18" charset="0"/>
+                                    <a:ea typeface="Cambria Math" panose="02040503050406030204" pitchFamily="18" charset="0"/>
+                                  </a:rPr>
+                                  <m:t>𝝏</m:t>
+                                </m:r>
+                                <m:r>
+                                  <a:rPr lang="en-US" sz="2400" b="1" i="1" dirty="0">
+                                    <a:solidFill>
+                                      <a:srgbClr val="7030A0"/>
+                                    </a:solidFill>
+                                    <a:latin typeface="Cambria Math" panose="02040503050406030204" pitchFamily="18" charset="0"/>
+                                    <a:ea typeface="Cambria Math" panose="02040503050406030204" pitchFamily="18" charset="0"/>
+                                  </a:rPr>
+                                  <m:t>𝑽</m:t>
+                                </m:r>
+                              </m:den>
+                            </m:f>
+                          </m:e>
+                        </m:d>
+                      </m:e>
+                      <m:sub>
+                        <m:r>
+                          <a:rPr lang="en-US" sz="2400" b="1" i="1" dirty="0">
+                            <a:solidFill>
+                              <a:srgbClr val="7030A0"/>
+                            </a:solidFill>
+                            <a:latin typeface="Cambria Math" panose="02040503050406030204" pitchFamily="18" charset="0"/>
+                          </a:rPr>
+                          <m:t>𝑻</m:t>
+                        </m:r>
+                      </m:sub>
+                    </m:sSub>
+                  </m:oMath>
+                </a14:m>
+                <a:r>
+                  <a:rPr lang="en-US" sz="2400" b="1" i="1" dirty="0">
+                    <a:solidFill>
+                      <a:srgbClr val="7030A0"/>
+                    </a:solidFill>
+                  </a:rPr>
+                  <a:t> </a:t>
+                </a:r>
+                <a:r>
+                  <a:rPr lang="en-US" sz="2400" dirty="0"/>
+                  <a:t>depends on </a:t>
+                </a:r>
+                <a:r>
+                  <a:rPr lang="en-US" sz="2400" b="1" dirty="0"/>
+                  <a:t>both volume and temperature</a:t>
+                </a:r>
+              </a:p>
+              <a:p>
+                <a:pPr marL="457200" indent="-457200">
+                  <a:buFont typeface="+mj-lt"/>
+                  <a:buAutoNum type="arabicPeriod"/>
+                </a:pPr>
+                <a:r>
+                  <a:rPr lang="en-US" sz="2400" b="1" dirty="0">
+                    <a:solidFill>
+                      <a:srgbClr val="00B050"/>
+                    </a:solidFill>
+                    <a:ea typeface="Cambria Math" panose="02040503050406030204" pitchFamily="18" charset="0"/>
+                  </a:rPr>
+                  <a:t> </a:t>
+                </a:r>
+                <a14:m>
+                  <m:oMath xmlns:m="http://schemas.openxmlformats.org/officeDocument/2006/math">
+                    <m:sSub>
+                      <m:sSubPr>
+                        <m:ctrlPr>
+                          <a:rPr lang="en-US" sz="2400" b="1" i="1" smtClean="0">
+                            <a:solidFill>
+                              <a:srgbClr val="00B050"/>
+                            </a:solidFill>
+                            <a:latin typeface="Cambria Math" panose="02040503050406030204" pitchFamily="18" charset="0"/>
+                            <a:ea typeface="Cambria Math" panose="02040503050406030204" pitchFamily="18" charset="0"/>
+                          </a:rPr>
+                        </m:ctrlPr>
+                      </m:sSubPr>
+                      <m:e>
+                        <m:d>
+                          <m:dPr>
+                            <m:ctrlPr>
+                              <a:rPr lang="en-US" sz="2400" b="1" i="1">
+                                <a:solidFill>
+                                  <a:srgbClr val="00B050"/>
+                                </a:solidFill>
+                                <a:latin typeface="Cambria Math" panose="02040503050406030204" pitchFamily="18" charset="0"/>
+                                <a:ea typeface="Cambria Math" panose="02040503050406030204" pitchFamily="18" charset="0"/>
+                              </a:rPr>
+                            </m:ctrlPr>
+                          </m:dPr>
+                          <m:e>
+                            <m:f>
+                              <m:fPr>
+                                <m:ctrlPr>
+                                  <a:rPr lang="en-US" sz="2400" b="1" i="1">
+                                    <a:solidFill>
+                                      <a:srgbClr val="00B050"/>
+                                    </a:solidFill>
+                                    <a:latin typeface="Cambria Math" panose="02040503050406030204" pitchFamily="18" charset="0"/>
+                                    <a:ea typeface="Cambria Math" panose="02040503050406030204" pitchFamily="18" charset="0"/>
+                                  </a:rPr>
+                                </m:ctrlPr>
+                              </m:fPr>
+                              <m:num>
+                                <m:r>
+                                  <a:rPr lang="en-US" sz="2400" b="1" i="1">
+                                    <a:solidFill>
+                                      <a:srgbClr val="00B050"/>
+                                    </a:solidFill>
+                                    <a:latin typeface="Cambria Math" panose="02040503050406030204" pitchFamily="18" charset="0"/>
+                                    <a:ea typeface="Cambria Math" panose="02040503050406030204" pitchFamily="18" charset="0"/>
+                                  </a:rPr>
+                                  <m:t>𝝏</m:t>
+                                </m:r>
+                                <m:r>
+                                  <a:rPr lang="en-US" sz="2400" b="1" i="1">
+                                    <a:solidFill>
+                                      <a:srgbClr val="00B050"/>
+                                    </a:solidFill>
+                                    <a:latin typeface="Cambria Math" panose="02040503050406030204" pitchFamily="18" charset="0"/>
+                                    <a:ea typeface="Cambria Math" panose="02040503050406030204" pitchFamily="18" charset="0"/>
+                                  </a:rPr>
+                                  <m:t>𝑷</m:t>
+                                </m:r>
+                              </m:num>
+                              <m:den>
+                                <m:r>
+                                  <a:rPr lang="en-US" sz="2400" b="1" i="1">
+                                    <a:solidFill>
+                                      <a:srgbClr val="00B050"/>
+                                    </a:solidFill>
+                                    <a:latin typeface="Cambria Math" panose="02040503050406030204" pitchFamily="18" charset="0"/>
+                                    <a:ea typeface="Cambria Math" panose="02040503050406030204" pitchFamily="18" charset="0"/>
+                                  </a:rPr>
+                                  <m:t>𝝏</m:t>
+                                </m:r>
+                                <m:r>
+                                  <a:rPr lang="en-US" sz="2400" b="1" i="1" smtClean="0">
+                                    <a:solidFill>
+                                      <a:srgbClr val="00B050"/>
+                                    </a:solidFill>
+                                    <a:latin typeface="Cambria Math" panose="02040503050406030204" pitchFamily="18" charset="0"/>
+                                    <a:ea typeface="Cambria Math" panose="02040503050406030204" pitchFamily="18" charset="0"/>
+                                  </a:rPr>
+                                  <m:t>𝑻</m:t>
+                                </m:r>
+                              </m:den>
+                            </m:f>
+                          </m:e>
+                        </m:d>
+                      </m:e>
+                      <m:sub>
+                        <m:r>
+                          <a:rPr lang="en-US" sz="2400" b="1" i="1" smtClean="0">
+                            <a:solidFill>
+                              <a:srgbClr val="00B050"/>
+                            </a:solidFill>
+                            <a:latin typeface="Cambria Math" panose="02040503050406030204" pitchFamily="18" charset="0"/>
+                            <a:ea typeface="Cambria Math" panose="02040503050406030204" pitchFamily="18" charset="0"/>
+                          </a:rPr>
+                          <m:t>𝑽</m:t>
+                        </m:r>
+                      </m:sub>
+                    </m:sSub>
+                  </m:oMath>
+                </a14:m>
+                <a:r>
+                  <a:rPr lang="en-US" sz="2400" b="1" i="1" dirty="0">
+                    <a:solidFill>
+                      <a:srgbClr val="00B050"/>
+                    </a:solidFill>
+                  </a:rPr>
+                  <a:t> </a:t>
+                </a:r>
+                <a:r>
+                  <a:rPr lang="en-US" sz="2400" dirty="0"/>
+                  <a:t>is</a:t>
+                </a:r>
+                <a:r>
+                  <a:rPr lang="en-US" sz="2400" b="1" dirty="0"/>
+                  <a:t> strictly a function of volume (ideal gas)</a:t>
+                </a:r>
+                <a:endParaRPr lang="en-US" sz="2400" dirty="0"/>
+              </a:p>
+              <a:p>
+                <a:endParaRPr lang="en-US" sz="2400" b="1" dirty="0"/>
+              </a:p>
+              <a:p>
+                <a:r>
+                  <a:rPr lang="en-US" sz="2400" dirty="0"/>
+                  <a:t>Use your calculus skills to support claim #2.</a:t>
+                </a:r>
+              </a:p>
+            </p:txBody>
+          </p:sp>
+        </mc:Choice>
+        <mc:Fallback>
+          <p:sp>
+            <p:nvSpPr>
+              <p:cNvPr id="3" name="Rectangle 2">
+                <a:extLst>
+                  <a:ext uri="{FF2B5EF4-FFF2-40B4-BE49-F238E27FC236}">
+                    <a16:creationId xmlns:a16="http://schemas.microsoft.com/office/drawing/2014/main" id="{3C0E76FA-AE93-C6AB-F2F6-269CE1E07B3E}"/>
+                  </a:ext>
+                </a:extLst>
+              </p:cNvPr>
+              <p:cNvSpPr>
+                <a:spLocks noRot="1" noChangeAspect="1" noMove="1" noResize="1" noEditPoints="1" noAdjustHandles="1" noChangeArrowheads="1" noChangeShapeType="1" noTextEdit="1"/>
+              </p:cNvSpPr>
+              <p:nvPr/>
+            </p:nvSpPr>
+            <p:spPr>
+              <a:xfrm>
+                <a:off x="0" y="4356047"/>
+                <a:ext cx="12087640" cy="2402709"/>
+              </a:xfrm>
+              <a:prstGeom prst="rect">
+                <a:avLst/>
+              </a:prstGeom>
+              <a:blipFill>
+                <a:blip r:embed="rId7"/>
+                <a:stretch>
+                  <a:fillRect l="-840" t="-2632" b="-4737"/>
+                </a:stretch>
+              </a:blipFill>
+            </p:spPr>
+            <p:txBody>
+              <a:bodyPr/>
+              <a:lstStyle/>
+              <a:p>
+                <a:r>
+                  <a:rPr lang="en-US">
+                    <a:noFill/>
+                  </a:rPr>
+                  <a:t> </a:t>
+                </a:r>
+              </a:p>
+            </p:txBody>
+          </p:sp>
+        </mc:Fallback>
+      </mc:AlternateContent>
     </p:spTree>
     <p:extLst>
       <p:ext uri="{BB962C8B-B14F-4D97-AF65-F5344CB8AC3E}">
@@ -5160,41 +5995,125 @@
           <a:chExt cx="0" cy="0"/>
         </a:xfrm>
       </p:grpSpPr>
-      <p:sp>
-        <p:nvSpPr>
-          <p:cNvPr id="14" name="TextBox 13">
-            <a:extLst>
-              <a:ext uri="{FF2B5EF4-FFF2-40B4-BE49-F238E27FC236}">
-                <a16:creationId xmlns:a16="http://schemas.microsoft.com/office/drawing/2014/main" id="{CE238128-7832-7C4E-9BD7-7E3C832DD903}"/>
-              </a:ext>
-            </a:extLst>
-          </p:cNvPr>
-          <p:cNvSpPr txBox="1"/>
-          <p:nvPr/>
-        </p:nvSpPr>
-        <p:spPr>
-          <a:xfrm>
-            <a:off x="304221" y="137747"/>
-            <a:ext cx="8087874" cy="461665"/>
-          </a:xfrm>
-          <a:prstGeom prst="rect">
-            <a:avLst/>
-          </a:prstGeom>
-          <a:noFill/>
-        </p:spPr>
-        <p:txBody>
-          <a:bodyPr wrap="square" rtlCol="0">
-            <a:spAutoFit/>
-          </a:bodyPr>
-          <a:lstStyle/>
-          <a:p>
-            <a:r>
-              <a:rPr lang="en-US" sz="2400" b="1" dirty="0"/>
-              <a:t>Analytical challenge #2</a:t>
-            </a:r>
-          </a:p>
-        </p:txBody>
-      </p:sp>
+      <mc:AlternateContent xmlns:mc="http://schemas.openxmlformats.org/markup-compatibility/2006">
+        <mc:Choice xmlns:a14="http://schemas.microsoft.com/office/drawing/2010/main" Requires="a14">
+          <p:sp>
+            <p:nvSpPr>
+              <p:cNvPr id="14" name="TextBox 13">
+                <a:extLst>
+                  <a:ext uri="{FF2B5EF4-FFF2-40B4-BE49-F238E27FC236}">
+                    <a16:creationId xmlns:a16="http://schemas.microsoft.com/office/drawing/2014/main" id="{CE238128-7832-7C4E-9BD7-7E3C832DD903}"/>
+                  </a:ext>
+                </a:extLst>
+              </p:cNvPr>
+              <p:cNvSpPr txBox="1"/>
+              <p:nvPr/>
+            </p:nvSpPr>
+            <p:spPr>
+              <a:xfrm>
+                <a:off x="15461" y="0"/>
+                <a:ext cx="8087874" cy="461665"/>
+              </a:xfrm>
+              <a:prstGeom prst="rect">
+                <a:avLst/>
+              </a:prstGeom>
+              <a:noFill/>
+            </p:spPr>
+            <p:txBody>
+              <a:bodyPr wrap="square" rtlCol="0">
+                <a:spAutoFit/>
+              </a:bodyPr>
+              <a:lstStyle/>
+              <a:p>
+                <a:r>
+                  <a:rPr lang="en-US" sz="2400" b="1" dirty="0"/>
+                  <a:t>Analytical challenge #2: Derivation of </a:t>
+                </a:r>
+                <a14:m>
+                  <m:oMath xmlns:m="http://schemas.openxmlformats.org/officeDocument/2006/math">
+                    <m:sSub>
+                      <m:sSubPr>
+                        <m:ctrlPr>
+                          <a:rPr lang="en-US" sz="2400" b="1" i="1">
+                            <a:latin typeface="Cambria Math" panose="02040503050406030204" pitchFamily="18" charset="0"/>
+                            <a:ea typeface="Cambria Math" panose="02040503050406030204" pitchFamily="18" charset="0"/>
+                          </a:rPr>
+                        </m:ctrlPr>
+                      </m:sSubPr>
+                      <m:e>
+                        <m:r>
+                          <a:rPr lang="en-US" sz="2400" b="1" i="1">
+                            <a:latin typeface="Cambria Math" panose="02040503050406030204" pitchFamily="18" charset="0"/>
+                            <a:ea typeface="Cambria Math" panose="02040503050406030204" pitchFamily="18" charset="0"/>
+                          </a:rPr>
+                          <m:t>𝝅</m:t>
+                        </m:r>
+                      </m:e>
+                      <m:sub>
+                        <m:r>
+                          <a:rPr lang="en-US" sz="2400" b="1" i="1">
+                            <a:latin typeface="Cambria Math" panose="02040503050406030204" pitchFamily="18" charset="0"/>
+                            <a:ea typeface="Cambria Math" panose="02040503050406030204" pitchFamily="18" charset="0"/>
+                          </a:rPr>
+                          <m:t>𝑻</m:t>
+                        </m:r>
+                      </m:sub>
+                    </m:sSub>
+                  </m:oMath>
+                </a14:m>
+                <a:r>
+                  <a:rPr lang="en-US" sz="2400" b="1" dirty="0"/>
+                  <a:t> </a:t>
+                </a:r>
+              </a:p>
+            </p:txBody>
+          </p:sp>
+        </mc:Choice>
+        <mc:Fallback>
+          <p:sp>
+            <p:nvSpPr>
+              <p:cNvPr id="14" name="TextBox 13">
+                <a:extLst>
+                  <a:ext uri="{FF2B5EF4-FFF2-40B4-BE49-F238E27FC236}">
+                    <a16:creationId xmlns:a16="http://schemas.microsoft.com/office/drawing/2014/main" id="{CE238128-7832-7C4E-9BD7-7E3C832DD903}"/>
+                  </a:ext>
+                </a:extLst>
+              </p:cNvPr>
+              <p:cNvSpPr txBox="1">
+                <a:spLocks noRot="1" noChangeAspect="1" noMove="1" noResize="1" noEditPoints="1" noAdjustHandles="1" noChangeArrowheads="1" noChangeShapeType="1" noTextEdit="1"/>
+              </p:cNvSpPr>
+              <p:nvPr/>
+            </p:nvSpPr>
+            <p:spPr>
+              <a:xfrm>
+                <a:off x="15461" y="0"/>
+                <a:ext cx="8087874" cy="461665"/>
+              </a:xfrm>
+              <a:prstGeom prst="rect">
+                <a:avLst/>
+              </a:prstGeom>
+              <a:blipFill>
+                <a:blip r:embed="rId2"/>
+                <a:stretch>
+                  <a:fillRect l="-1256" t="-8108" b="-29730"/>
+                </a:stretch>
+              </a:blipFill>
+            </p:spPr>
+            <p:txBody>
+              <a:bodyPr/>
+              <a:lstStyle/>
+              <a:p>
+                <a:r>
+                  <a:rPr lang="en-US">
+                    <a:noFill/>
+                  </a:rPr>
+                  <a:t> </a:t>
+                </a:r>
+              </a:p>
+            </p:txBody>
+          </p:sp>
+        </mc:Fallback>
+      </mc:AlternateContent>
       <mc:AlternateContent xmlns:mc="http://schemas.openxmlformats.org/markup-compatibility/2006">
         <mc:Choice xmlns:a14="http://schemas.microsoft.com/office/drawing/2010/main" Requires="a14">
           <p:sp>
@@ -5212,7 +6131,7 @@
             <p:spPr>
               <a:xfrm>
                 <a:off x="304221" y="928596"/>
-                <a:ext cx="10705155" cy="5284652"/>
+                <a:ext cx="10705155" cy="4176656"/>
               </a:xfrm>
               <a:prstGeom prst="rect">
                 <a:avLst/>
@@ -5269,6 +6188,7 @@
                 <a:endParaRPr lang="en-US" sz="2400" dirty="0"/>
               </a:p>
               <a:p>
+                <a:pPr/>
                 <a14:m>
                   <m:oMathPara xmlns:m="http://schemas.openxmlformats.org/officeDocument/2006/math">
                     <m:oMathParaPr>
@@ -5278,7 +6198,10 @@
                       <m:sSub>
                         <m:sSubPr>
                           <m:ctrlPr>
-                            <a:rPr lang="en-US" sz="2400" i="1">
+                            <a:rPr lang="en-US" sz="2400" i="1" smtClean="0">
+                              <a:solidFill>
+                                <a:srgbClr val="7030A0"/>
+                              </a:solidFill>
                               <a:latin typeface="Cambria Math" panose="02040503050406030204" pitchFamily="18" charset="0"/>
                               <a:ea typeface="Cambria Math" panose="02040503050406030204" pitchFamily="18" charset="0"/>
                             </a:rPr>
@@ -5287,6 +6210,9 @@
                         <m:e>
                           <m:r>
                             <a:rPr lang="en-US" sz="2400" i="1">
+                              <a:solidFill>
+                                <a:srgbClr val="7030A0"/>
+                              </a:solidFill>
                               <a:latin typeface="Cambria Math" panose="02040503050406030204" pitchFamily="18" charset="0"/>
                               <a:ea typeface="Cambria Math" panose="02040503050406030204" pitchFamily="18" charset="0"/>
                             </a:rPr>
@@ -5296,6 +6222,9 @@
                         <m:sub>
                           <m:r>
                             <a:rPr lang="en-US" sz="2400" i="1">
+                              <a:solidFill>
+                                <a:srgbClr val="7030A0"/>
+                              </a:solidFill>
                               <a:latin typeface="Cambria Math" panose="02040503050406030204" pitchFamily="18" charset="0"/>
                               <a:ea typeface="Cambria Math" panose="02040503050406030204" pitchFamily="18" charset="0"/>
                             </a:rPr>
@@ -5305,6 +6234,9 @@
                       </m:sSub>
                       <m:r>
                         <a:rPr lang="en-US" sz="2400" b="0" i="1" smtClean="0">
+                          <a:solidFill>
+                            <a:srgbClr val="7030A0"/>
+                          </a:solidFill>
                           <a:latin typeface="Cambria Math" panose="02040503050406030204" pitchFamily="18" charset="0"/>
                           <a:ea typeface="Cambria Math" panose="02040503050406030204" pitchFamily="18" charset="0"/>
                         </a:rPr>
@@ -5312,6 +6244,9 @@
                       </m:r>
                       <m:r>
                         <a:rPr lang="en-US" sz="2400" b="0" i="1" smtClean="0">
+                          <a:solidFill>
+                            <a:srgbClr val="7030A0"/>
+                          </a:solidFill>
                           <a:latin typeface="Cambria Math" panose="02040503050406030204" pitchFamily="18" charset="0"/>
                           <a:ea typeface="Cambria Math" panose="02040503050406030204" pitchFamily="18" charset="0"/>
                         </a:rPr>
@@ -5321,6 +6256,9 @@
                         <m:sSubPr>
                           <m:ctrlPr>
                             <a:rPr lang="en-US" sz="2400" b="0" i="1" smtClean="0">
+                              <a:solidFill>
+                                <a:srgbClr val="7030A0"/>
+                              </a:solidFill>
                               <a:latin typeface="Cambria Math" panose="02040503050406030204" pitchFamily="18" charset="0"/>
                               <a:ea typeface="Cambria Math" panose="02040503050406030204" pitchFamily="18" charset="0"/>
                             </a:rPr>
@@ -5331,6 +6269,9 @@
                             <m:dPr>
                               <m:ctrlPr>
                                 <a:rPr lang="en-US" sz="2400" b="0" i="1" smtClean="0">
+                                  <a:solidFill>
+                                    <a:srgbClr val="7030A0"/>
+                                  </a:solidFill>
                                   <a:latin typeface="Cambria Math" panose="02040503050406030204" pitchFamily="18" charset="0"/>
                                   <a:ea typeface="Cambria Math" panose="02040503050406030204" pitchFamily="18" charset="0"/>
                                 </a:rPr>
@@ -5341,6 +6282,9 @@
                                 <m:fPr>
                                   <m:ctrlPr>
                                     <a:rPr lang="en-US" sz="2400" b="0" i="1" smtClean="0">
+                                      <a:solidFill>
+                                        <a:srgbClr val="7030A0"/>
+                                      </a:solidFill>
                                       <a:latin typeface="Cambria Math" panose="02040503050406030204" pitchFamily="18" charset="0"/>
                                       <a:ea typeface="Cambria Math" panose="02040503050406030204" pitchFamily="18" charset="0"/>
                                     </a:rPr>
@@ -5349,6 +6293,9 @@
                                 <m:num>
                                   <m:r>
                                     <a:rPr lang="en-US" sz="2400" b="0" i="1" smtClean="0">
+                                      <a:solidFill>
+                                        <a:srgbClr val="7030A0"/>
+                                      </a:solidFill>
                                       <a:latin typeface="Cambria Math" panose="02040503050406030204" pitchFamily="18" charset="0"/>
                                       <a:ea typeface="Cambria Math" panose="02040503050406030204" pitchFamily="18" charset="0"/>
                                     </a:rPr>
@@ -5356,6 +6303,9 @@
                                   </m:r>
                                   <m:r>
                                     <a:rPr lang="en-US" sz="2400" b="0" i="1" smtClean="0">
+                                      <a:solidFill>
+                                        <a:srgbClr val="7030A0"/>
+                                      </a:solidFill>
                                       <a:latin typeface="Cambria Math" panose="02040503050406030204" pitchFamily="18" charset="0"/>
                                       <a:ea typeface="Cambria Math" panose="02040503050406030204" pitchFamily="18" charset="0"/>
                                     </a:rPr>
@@ -5365,6 +6315,9 @@
                                 <m:den>
                                   <m:r>
                                     <a:rPr lang="en-US" sz="2400" i="1">
+                                      <a:solidFill>
+                                        <a:srgbClr val="7030A0"/>
+                                      </a:solidFill>
                                       <a:latin typeface="Cambria Math" panose="02040503050406030204" pitchFamily="18" charset="0"/>
                                       <a:ea typeface="Cambria Math" panose="02040503050406030204" pitchFamily="18" charset="0"/>
                                     </a:rPr>
@@ -5372,6 +6325,9 @@
                                   </m:r>
                                   <m:r>
                                     <a:rPr lang="en-US" sz="2400" b="0" i="1" smtClean="0">
+                                      <a:solidFill>
+                                        <a:srgbClr val="7030A0"/>
+                                      </a:solidFill>
                                       <a:latin typeface="Cambria Math" panose="02040503050406030204" pitchFamily="18" charset="0"/>
                                       <a:ea typeface="Cambria Math" panose="02040503050406030204" pitchFamily="18" charset="0"/>
                                     </a:rPr>
@@ -5385,6 +6341,9 @@
                         <m:sub>
                           <m:r>
                             <a:rPr lang="en-US" sz="2400" b="0" i="1" smtClean="0">
+                              <a:solidFill>
+                                <a:srgbClr val="7030A0"/>
+                              </a:solidFill>
                               <a:latin typeface="Cambria Math" panose="02040503050406030204" pitchFamily="18" charset="0"/>
                               <a:ea typeface="Cambria Math" panose="02040503050406030204" pitchFamily="18" charset="0"/>
                             </a:rPr>
@@ -5394,6 +6353,9 @@
                       </m:sSub>
                       <m:r>
                         <a:rPr lang="en-US" sz="2400" b="0" i="1" smtClean="0">
+                          <a:solidFill>
+                            <a:srgbClr val="7030A0"/>
+                          </a:solidFill>
                           <a:latin typeface="Cambria Math" panose="02040503050406030204" pitchFamily="18" charset="0"/>
                           <a:ea typeface="Cambria Math" panose="02040503050406030204" pitchFamily="18" charset="0"/>
                         </a:rPr>
@@ -5401,6 +6363,9 @@
                       </m:r>
                       <m:r>
                         <a:rPr lang="en-US" sz="2400" b="0" i="1" smtClean="0">
+                          <a:solidFill>
+                            <a:srgbClr val="7030A0"/>
+                          </a:solidFill>
                           <a:latin typeface="Cambria Math" panose="02040503050406030204" pitchFamily="18" charset="0"/>
                           <a:ea typeface="Cambria Math" panose="02040503050406030204" pitchFamily="18" charset="0"/>
                         </a:rPr>
@@ -5410,6 +6375,9 @@
                         <m:sSubPr>
                           <m:ctrlPr>
                             <a:rPr lang="en-US" sz="2400" b="0" i="1" smtClean="0">
+                              <a:solidFill>
+                                <a:srgbClr val="7030A0"/>
+                              </a:solidFill>
                               <a:latin typeface="Cambria Math" panose="02040503050406030204" pitchFamily="18" charset="0"/>
                               <a:ea typeface="Cambria Math" panose="02040503050406030204" pitchFamily="18" charset="0"/>
                             </a:rPr>
@@ -5420,6 +6388,9 @@
                             <m:dPr>
                               <m:ctrlPr>
                                 <a:rPr lang="en-US" sz="2400" b="0" i="1" smtClean="0">
+                                  <a:solidFill>
+                                    <a:srgbClr val="7030A0"/>
+                                  </a:solidFill>
                                   <a:latin typeface="Cambria Math" panose="02040503050406030204" pitchFamily="18" charset="0"/>
                                   <a:ea typeface="Cambria Math" panose="02040503050406030204" pitchFamily="18" charset="0"/>
                                 </a:rPr>
@@ -5430,6 +6401,9 @@
                                 <m:fPr>
                                   <m:ctrlPr>
                                     <a:rPr lang="en-US" sz="2400" i="1">
+                                      <a:solidFill>
+                                        <a:srgbClr val="7030A0"/>
+                                      </a:solidFill>
                                       <a:latin typeface="Cambria Math" panose="02040503050406030204" pitchFamily="18" charset="0"/>
                                       <a:ea typeface="Cambria Math" panose="02040503050406030204" pitchFamily="18" charset="0"/>
                                     </a:rPr>
@@ -5438,6 +6412,9 @@
                                 <m:num>
                                   <m:r>
                                     <a:rPr lang="en-US" sz="2400" i="1">
+                                      <a:solidFill>
+                                        <a:srgbClr val="7030A0"/>
+                                      </a:solidFill>
                                       <a:latin typeface="Cambria Math" panose="02040503050406030204" pitchFamily="18" charset="0"/>
                                       <a:ea typeface="Cambria Math" panose="02040503050406030204" pitchFamily="18" charset="0"/>
                                     </a:rPr>
@@ -5445,6 +6422,9 @@
                                   </m:r>
                                   <m:r>
                                     <a:rPr lang="en-US" sz="2400" b="0" i="1" smtClean="0">
+                                      <a:solidFill>
+                                        <a:srgbClr val="7030A0"/>
+                                      </a:solidFill>
                                       <a:latin typeface="Cambria Math" panose="02040503050406030204" pitchFamily="18" charset="0"/>
                                       <a:ea typeface="Cambria Math" panose="02040503050406030204" pitchFamily="18" charset="0"/>
                                     </a:rPr>
@@ -5454,6 +6434,9 @@
                                 <m:den>
                                   <m:r>
                                     <a:rPr lang="en-US" sz="2400" i="1">
+                                      <a:solidFill>
+                                        <a:srgbClr val="7030A0"/>
+                                      </a:solidFill>
                                       <a:latin typeface="Cambria Math" panose="02040503050406030204" pitchFamily="18" charset="0"/>
                                       <a:ea typeface="Cambria Math" panose="02040503050406030204" pitchFamily="18" charset="0"/>
                                     </a:rPr>
@@ -5461,6 +6444,9 @@
                                   </m:r>
                                   <m:r>
                                     <a:rPr lang="en-US" sz="2400" b="0" i="1" smtClean="0">
+                                      <a:solidFill>
+                                        <a:srgbClr val="7030A0"/>
+                                      </a:solidFill>
                                       <a:latin typeface="Cambria Math" panose="02040503050406030204" pitchFamily="18" charset="0"/>
                                       <a:ea typeface="Cambria Math" panose="02040503050406030204" pitchFamily="18" charset="0"/>
                                     </a:rPr>
@@ -5474,6 +6460,9 @@
                         <m:sub>
                           <m:r>
                             <a:rPr lang="en-US" sz="2400" b="0" i="1" smtClean="0">
+                              <a:solidFill>
+                                <a:srgbClr val="7030A0"/>
+                              </a:solidFill>
                               <a:latin typeface="Cambria Math" panose="02040503050406030204" pitchFamily="18" charset="0"/>
                               <a:ea typeface="Cambria Math" panose="02040503050406030204" pitchFamily="18" charset="0"/>
                             </a:rPr>
@@ -5492,14 +6481,18 @@
               <a:p>
                 <a:r>
                   <a:rPr lang="en-US" sz="2400" dirty="0"/>
-                  <a:t>Use this equation to come up with an algebraic expression for </a:t>
+                  <a:t>Use this equation to come up with an </a:t>
+                </a:r>
+                <a:r>
+                  <a:rPr lang="en-US" sz="2400" b="1" dirty="0"/>
+                  <a:t>algebraic expression for </a:t>
                 </a:r>
                 <a14:m>
                   <m:oMath xmlns:m="http://schemas.openxmlformats.org/officeDocument/2006/math">
                     <m:sSub>
                       <m:sSubPr>
                         <m:ctrlPr>
-                          <a:rPr lang="en-US" sz="2400" i="1">
+                          <a:rPr lang="en-US" sz="2400" b="1" i="1">
                             <a:latin typeface="Cambria Math" panose="02040503050406030204" pitchFamily="18" charset="0"/>
                             <a:ea typeface="Cambria Math" panose="02040503050406030204" pitchFamily="18" charset="0"/>
                           </a:rPr>
@@ -5507,20 +6500,20 @@
                       </m:sSubPr>
                       <m:e>
                         <m:r>
-                          <a:rPr lang="en-US" sz="2400" i="1">
+                          <a:rPr lang="en-US" sz="2400" b="1" i="1">
                             <a:latin typeface="Cambria Math" panose="02040503050406030204" pitchFamily="18" charset="0"/>
                             <a:ea typeface="Cambria Math" panose="02040503050406030204" pitchFamily="18" charset="0"/>
                           </a:rPr>
-                          <m:t>𝜋</m:t>
+                          <m:t>𝝅</m:t>
                         </m:r>
                       </m:e>
                       <m:sub>
                         <m:r>
-                          <a:rPr lang="en-US" sz="2400" i="1">
+                          <a:rPr lang="en-US" sz="2400" b="1" i="1">
                             <a:latin typeface="Cambria Math" panose="02040503050406030204" pitchFamily="18" charset="0"/>
                             <a:ea typeface="Cambria Math" panose="02040503050406030204" pitchFamily="18" charset="0"/>
                           </a:rPr>
-                          <m:t>𝑇</m:t>
+                          <m:t>𝑻</m:t>
                         </m:r>
                       </m:sub>
                     </m:sSub>
@@ -5532,106 +6525,38 @@
                 </a:r>
               </a:p>
               <a:p>
+                <a:pPr marL="457200" indent="-457200">
+                  <a:buFont typeface="+mj-lt"/>
+                  <a:buAutoNum type="arabicPeriod"/>
+                </a:pPr>
                 <a:endParaRPr lang="en-US" sz="2400" dirty="0"/>
               </a:p>
               <a:p>
                 <a:pPr marL="457200" indent="-457200">
                   <a:buFont typeface="+mj-lt"/>
-                  <a:buAutoNum type="arabicParenR"/>
+                  <a:buAutoNum type="arabicPeriod"/>
                 </a:pPr>
                 <a:r>
                   <a:rPr lang="en-US" sz="2400" dirty="0"/>
-                  <a:t>an ideal gas, and </a:t>
+                  <a:t>an </a:t>
+                </a:r>
+                <a:r>
+                  <a:rPr lang="en-US" sz="2400" b="1" dirty="0"/>
+                  <a:t>ideal gas</a:t>
                 </a:r>
               </a:p>
               <a:p>
                 <a:pPr marL="457200" indent="-457200">
                   <a:buFont typeface="+mj-lt"/>
-                  <a:buAutoNum type="arabicParenR"/>
+                  <a:buAutoNum type="arabicPeriod"/>
                 </a:pPr>
                 <a:r>
                   <a:rPr lang="en-US" sz="2400" dirty="0"/>
-                  <a:t>a vdw gas. </a:t>
+                  <a:t>a </a:t>
                 </a:r>
-              </a:p>
-              <a:p>
-                <a:endParaRPr lang="en-US" sz="2400" dirty="0"/>
-              </a:p>
-              <a:p>
                 <a:r>
-                  <a:rPr lang="en-US" sz="2400" dirty="0"/>
-                  <a:t>Then sketch a plot of what you think the thermodynamic surface </a:t>
-                </a:r>
-                <a14:m>
-                  <m:oMath xmlns:m="http://schemas.openxmlformats.org/officeDocument/2006/math">
-                    <m:sSub>
-                      <m:sSubPr>
-                        <m:ctrlPr>
-                          <a:rPr lang="en-US" sz="2400" i="1">
-                            <a:latin typeface="Cambria Math" panose="02040503050406030204" pitchFamily="18" charset="0"/>
-                            <a:ea typeface="Cambria Math" panose="02040503050406030204" pitchFamily="18" charset="0"/>
-                          </a:rPr>
-                        </m:ctrlPr>
-                      </m:sSubPr>
-                      <m:e>
-                        <m:r>
-                          <a:rPr lang="en-US" sz="2400" i="1">
-                            <a:latin typeface="Cambria Math" panose="02040503050406030204" pitchFamily="18" charset="0"/>
-                            <a:ea typeface="Cambria Math" panose="02040503050406030204" pitchFamily="18" charset="0"/>
-                          </a:rPr>
-                          <m:t>𝜋</m:t>
-                        </m:r>
-                      </m:e>
-                      <m:sub>
-                        <m:r>
-                          <a:rPr lang="en-US" sz="2400" i="1">
-                            <a:latin typeface="Cambria Math" panose="02040503050406030204" pitchFamily="18" charset="0"/>
-                            <a:ea typeface="Cambria Math" panose="02040503050406030204" pitchFamily="18" charset="0"/>
-                          </a:rPr>
-                          <m:t>𝑇</m:t>
-                        </m:r>
-                      </m:sub>
-                    </m:sSub>
-                    <m:r>
-                      <a:rPr lang="en-US" sz="2400" b="0" i="1" smtClean="0">
-                        <a:latin typeface="Cambria Math" panose="02040503050406030204" pitchFamily="18" charset="0"/>
-                        <a:ea typeface="Cambria Math" panose="02040503050406030204" pitchFamily="18" charset="0"/>
-                      </a:rPr>
-                      <m:t>(</m:t>
-                    </m:r>
-                    <m:r>
-                      <a:rPr lang="en-US" sz="2400" b="0" i="1" smtClean="0">
-                        <a:latin typeface="Cambria Math" panose="02040503050406030204" pitchFamily="18" charset="0"/>
-                        <a:ea typeface="Cambria Math" panose="02040503050406030204" pitchFamily="18" charset="0"/>
-                      </a:rPr>
-                      <m:t>𝑇</m:t>
-                    </m:r>
-                    <m:r>
-                      <a:rPr lang="en-US" sz="2400" b="0" i="1" smtClean="0">
-                        <a:latin typeface="Cambria Math" panose="02040503050406030204" pitchFamily="18" charset="0"/>
-                        <a:ea typeface="Cambria Math" panose="02040503050406030204" pitchFamily="18" charset="0"/>
-                      </a:rPr>
-                      <m:t>,</m:t>
-                    </m:r>
-                    <m:r>
-                      <a:rPr lang="en-US" sz="2400" b="0" i="1" smtClean="0">
-                        <a:latin typeface="Cambria Math" panose="02040503050406030204" pitchFamily="18" charset="0"/>
-                        <a:ea typeface="Cambria Math" panose="02040503050406030204" pitchFamily="18" charset="0"/>
-                      </a:rPr>
-                      <m:t>𝑉</m:t>
-                    </m:r>
-                    <m:r>
-                      <a:rPr lang="en-US" sz="2400" b="0" i="1" smtClean="0">
-                        <a:latin typeface="Cambria Math" panose="02040503050406030204" pitchFamily="18" charset="0"/>
-                        <a:ea typeface="Cambria Math" panose="02040503050406030204" pitchFamily="18" charset="0"/>
-                      </a:rPr>
-                      <m:t>)</m:t>
-                    </m:r>
-                  </m:oMath>
-                </a14:m>
-                <a:r>
-                  <a:rPr lang="en-US" sz="2400" dirty="0"/>
-                  <a:t> looks like for each.</a:t>
+                  <a:rPr lang="en-US" sz="2400" b="1" dirty="0"/>
+                  <a:t>vdw gas</a:t>
                 </a:r>
               </a:p>
             </p:txBody>
@@ -5655,15 +6580,15 @@
             <p:spPr>
               <a:xfrm>
                 <a:off x="304221" y="928596"/>
-                <a:ext cx="10705155" cy="5284652"/>
+                <a:ext cx="10705155" cy="4176656"/>
               </a:xfrm>
               <a:prstGeom prst="rect">
                 <a:avLst/>
               </a:prstGeom>
               <a:blipFill>
-                <a:blip r:embed="rId2"/>
+                <a:blip r:embed="rId3"/>
                 <a:stretch>
-                  <a:fillRect l="-949" t="-718" r="-1423" b="-1675"/>
+                  <a:fillRect l="-949" t="-909" r="-1423" b="-2424"/>
                 </a:stretch>
               </a:blipFill>
             </p:spPr>
@@ -5686,6 +6611,1735 @@
     <p:extLst>
       <p:ext uri="{BB962C8B-B14F-4D97-AF65-F5344CB8AC3E}">
         <p14:creationId xmlns:p14="http://schemas.microsoft.com/office/powerpoint/2010/main" val="2652746310"/>
+      </p:ext>
+    </p:extLst>
+  </p:cSld>
+  <p:clrMapOvr>
+    <a:masterClrMapping/>
+  </p:clrMapOvr>
+</p:sld>
+</file>
+
+<file path=ppt/slides/slide5.xml><?xml version="1.0" encoding="utf-8"?>
+<p:sld xmlns:a="http://schemas.openxmlformats.org/drawingml/2006/main" xmlns:r="http://schemas.openxmlformats.org/officeDocument/2006/relationships" xmlns:p="http://schemas.openxmlformats.org/presentationml/2006/main">
+  <p:cSld>
+    <p:spTree>
+      <p:nvGrpSpPr>
+        <p:cNvPr id="1" name=""/>
+        <p:cNvGrpSpPr/>
+        <p:nvPr/>
+      </p:nvGrpSpPr>
+      <p:grpSpPr>
+        <a:xfrm>
+          <a:off x="0" y="0"/>
+          <a:ext cx="0" cy="0"/>
+          <a:chOff x="0" y="0"/>
+          <a:chExt cx="0" cy="0"/>
+        </a:xfrm>
+      </p:grpSpPr>
+      <p:sp>
+        <p:nvSpPr>
+          <p:cNvPr id="14" name="TextBox 13">
+            <a:extLst>
+              <a:ext uri="{FF2B5EF4-FFF2-40B4-BE49-F238E27FC236}">
+                <a16:creationId xmlns:a16="http://schemas.microsoft.com/office/drawing/2014/main" id="{CE238128-7832-7C4E-9BD7-7E3C832DD903}"/>
+              </a:ext>
+            </a:extLst>
+          </p:cNvPr>
+          <p:cNvSpPr txBox="1"/>
+          <p:nvPr/>
+        </p:nvSpPr>
+        <p:spPr>
+          <a:xfrm>
+            <a:off x="-1" y="22403"/>
+            <a:ext cx="12192001" cy="461665"/>
+          </a:xfrm>
+          <a:prstGeom prst="rect">
+            <a:avLst/>
+          </a:prstGeom>
+          <a:noFill/>
+        </p:spPr>
+        <p:txBody>
+          <a:bodyPr wrap="square" rtlCol="0">
+            <a:spAutoFit/>
+          </a:bodyPr>
+          <a:lstStyle/>
+          <a:p>
+            <a:r>
+              <a:rPr lang="en-US" sz="2400" b="1" dirty="0"/>
+              <a:t>Analytical challenge #3: Return to the Boyle temperature</a:t>
+            </a:r>
+          </a:p>
+        </p:txBody>
+      </p:sp>
+      <mc:AlternateContent xmlns:mc="http://schemas.openxmlformats.org/markup-compatibility/2006">
+        <mc:Choice xmlns:a14="http://schemas.microsoft.com/office/drawing/2010/main" Requires="a14">
+          <p:sp>
+            <p:nvSpPr>
+              <p:cNvPr id="3" name="Rectangle 2">
+                <a:extLst>
+                  <a:ext uri="{FF2B5EF4-FFF2-40B4-BE49-F238E27FC236}">
+                    <a16:creationId xmlns:a16="http://schemas.microsoft.com/office/drawing/2014/main" id="{22F3AC64-583D-A5FF-EB8D-8853614DFF55}"/>
+                  </a:ext>
+                </a:extLst>
+              </p:cNvPr>
+              <p:cNvSpPr/>
+              <p:nvPr/>
+            </p:nvSpPr>
+            <p:spPr>
+              <a:xfrm>
+                <a:off x="0" y="508124"/>
+                <a:ext cx="12100336" cy="1229504"/>
+              </a:xfrm>
+              <a:prstGeom prst="rect">
+                <a:avLst/>
+              </a:prstGeom>
+            </p:spPr>
+            <p:txBody>
+              <a:bodyPr wrap="square">
+                <a:spAutoFit/>
+              </a:bodyPr>
+              <a:lstStyle/>
+              <a:p>
+                <a:r>
+                  <a:rPr lang="en-US" sz="2400" dirty="0"/>
+                  <a:t>The “crossover temperature” is the temperature at which </a:t>
+                </a:r>
+                <a14:m>
+                  <m:oMath xmlns:m="http://schemas.openxmlformats.org/officeDocument/2006/math">
+                    <m:sSub>
+                      <m:sSubPr>
+                        <m:ctrlPr>
+                          <a:rPr lang="en-US" sz="2400" i="1" smtClean="0">
+                            <a:latin typeface="Cambria Math" panose="02040503050406030204" pitchFamily="18" charset="0"/>
+                          </a:rPr>
+                        </m:ctrlPr>
+                      </m:sSubPr>
+                      <m:e>
+                        <m:r>
+                          <a:rPr lang="en-US" sz="2400" b="0" i="1" smtClean="0">
+                            <a:latin typeface="Cambria Math" panose="02040503050406030204" pitchFamily="18" charset="0"/>
+                          </a:rPr>
+                          <m:t>𝑃</m:t>
+                        </m:r>
+                      </m:e>
+                      <m:sub>
+                        <m:r>
+                          <a:rPr lang="en-US" sz="2400" b="0" i="1" smtClean="0">
+                            <a:latin typeface="Cambria Math" panose="02040503050406030204" pitchFamily="18" charset="0"/>
+                          </a:rPr>
+                          <m:t>𝑣𝑑𝑤</m:t>
+                        </m:r>
+                      </m:sub>
+                    </m:sSub>
+                    <m:r>
+                      <a:rPr lang="en-US" sz="2400" b="0" i="1" smtClean="0">
+                        <a:latin typeface="Cambria Math" panose="02040503050406030204" pitchFamily="18" charset="0"/>
+                      </a:rPr>
+                      <m:t>=</m:t>
+                    </m:r>
+                    <m:sSub>
+                      <m:sSubPr>
+                        <m:ctrlPr>
+                          <a:rPr lang="en-US" sz="2400" b="0" i="1" smtClean="0">
+                            <a:latin typeface="Cambria Math" panose="02040503050406030204" pitchFamily="18" charset="0"/>
+                          </a:rPr>
+                        </m:ctrlPr>
+                      </m:sSubPr>
+                      <m:e>
+                        <m:r>
+                          <a:rPr lang="en-US" sz="2400" b="0" i="1" smtClean="0">
+                            <a:latin typeface="Cambria Math" panose="02040503050406030204" pitchFamily="18" charset="0"/>
+                          </a:rPr>
+                          <m:t>𝑃</m:t>
+                        </m:r>
+                      </m:e>
+                      <m:sub>
+                        <m:r>
+                          <a:rPr lang="en-US" sz="2400" b="0" i="1" smtClean="0">
+                            <a:latin typeface="Cambria Math" panose="02040503050406030204" pitchFamily="18" charset="0"/>
+                          </a:rPr>
+                          <m:t>𝑖𝑑𝑒𝑎𝑙</m:t>
+                        </m:r>
+                      </m:sub>
+                    </m:sSub>
+                  </m:oMath>
+                </a14:m>
+                <a:r>
+                  <a:rPr lang="en-US" sz="2400" dirty="0"/>
+                  <a:t>. You can see from the graph on the left that this temperature gets a little higher at higher volumes, flattening out asymptotically to a temperature called </a:t>
+                </a:r>
+                <a14:m>
+                  <m:oMath xmlns:m="http://schemas.openxmlformats.org/officeDocument/2006/math">
+                    <m:sSub>
+                      <m:sSubPr>
+                        <m:ctrlPr>
+                          <a:rPr lang="en-US" sz="2400" i="1" smtClean="0">
+                            <a:latin typeface="Cambria Math" panose="02040503050406030204" pitchFamily="18" charset="0"/>
+                          </a:rPr>
+                        </m:ctrlPr>
+                      </m:sSubPr>
+                      <m:e>
+                        <m:r>
+                          <a:rPr lang="en-US" sz="2400" b="0" i="1" smtClean="0">
+                            <a:latin typeface="Cambria Math" panose="02040503050406030204" pitchFamily="18" charset="0"/>
+                          </a:rPr>
+                          <m:t>𝑇</m:t>
+                        </m:r>
+                      </m:e>
+                      <m:sub>
+                        <m:r>
+                          <a:rPr lang="en-US" sz="2400" b="0" i="1" smtClean="0">
+                            <a:latin typeface="Cambria Math" panose="02040503050406030204" pitchFamily="18" charset="0"/>
+                          </a:rPr>
+                          <m:t>𝐵𝑜𝑦𝑙𝑒</m:t>
+                        </m:r>
+                      </m:sub>
+                    </m:sSub>
+                  </m:oMath>
+                </a14:m>
+                <a:r>
+                  <a:rPr lang="en-US" sz="2400" dirty="0"/>
+                  <a:t>.</a:t>
+                </a:r>
+              </a:p>
+            </p:txBody>
+          </p:sp>
+        </mc:Choice>
+        <mc:Fallback>
+          <p:sp>
+            <p:nvSpPr>
+              <p:cNvPr id="3" name="Rectangle 2">
+                <a:extLst>
+                  <a:ext uri="{FF2B5EF4-FFF2-40B4-BE49-F238E27FC236}">
+                    <a16:creationId xmlns:a16="http://schemas.microsoft.com/office/drawing/2014/main" id="{22F3AC64-583D-A5FF-EB8D-8853614DFF55}"/>
+                  </a:ext>
+                </a:extLst>
+              </p:cNvPr>
+              <p:cNvSpPr>
+                <a:spLocks noRot="1" noChangeAspect="1" noMove="1" noResize="1" noEditPoints="1" noAdjustHandles="1" noChangeArrowheads="1" noChangeShapeType="1" noTextEdit="1"/>
+              </p:cNvSpPr>
+              <p:nvPr/>
+            </p:nvSpPr>
+            <p:spPr>
+              <a:xfrm>
+                <a:off x="0" y="508124"/>
+                <a:ext cx="12100336" cy="1229504"/>
+              </a:xfrm>
+              <a:prstGeom prst="rect">
+                <a:avLst/>
+              </a:prstGeom>
+              <a:blipFill>
+                <a:blip r:embed="rId3"/>
+                <a:stretch>
+                  <a:fillRect l="-839" t="-3061" b="-8163"/>
+                </a:stretch>
+              </a:blipFill>
+            </p:spPr>
+            <p:txBody>
+              <a:bodyPr/>
+              <a:lstStyle/>
+              <a:p>
+                <a:r>
+                  <a:rPr lang="en-US">
+                    <a:noFill/>
+                  </a:rPr>
+                  <a:t> </a:t>
+                </a:r>
+              </a:p>
+            </p:txBody>
+          </p:sp>
+        </mc:Fallback>
+      </mc:AlternateContent>
+      <p:grpSp>
+        <p:nvGrpSpPr>
+          <p:cNvPr id="17" name="Group 16">
+            <a:extLst>
+              <a:ext uri="{FF2B5EF4-FFF2-40B4-BE49-F238E27FC236}">
+                <a16:creationId xmlns:a16="http://schemas.microsoft.com/office/drawing/2014/main" id="{6458463E-7A0C-82D8-07D6-5708EF20FD31}"/>
+              </a:ext>
+            </a:extLst>
+          </p:cNvPr>
+          <p:cNvGrpSpPr>
+            <a:grpSpLocks noChangeAspect="1"/>
+          </p:cNvGrpSpPr>
+          <p:nvPr/>
+        </p:nvGrpSpPr>
+        <p:grpSpPr>
+          <a:xfrm>
+            <a:off x="209103" y="2248756"/>
+            <a:ext cx="5271319" cy="4287408"/>
+            <a:chOff x="7124403" y="2131685"/>
+            <a:chExt cx="4746444" cy="3860503"/>
+          </a:xfrm>
+        </p:grpSpPr>
+        <p:pic>
+          <p:nvPicPr>
+            <p:cNvPr id="19" name="Picture 18">
+              <a:extLst>
+                <a:ext uri="{FF2B5EF4-FFF2-40B4-BE49-F238E27FC236}">
+                  <a16:creationId xmlns:a16="http://schemas.microsoft.com/office/drawing/2014/main" id="{CAC9867C-DA52-3F68-7F20-1B4124FA355F}"/>
+                </a:ext>
+              </a:extLst>
+            </p:cNvPr>
+            <p:cNvPicPr>
+              <a:picLocks noChangeAspect="1" noChangeArrowheads="1"/>
+            </p:cNvPicPr>
+            <p:nvPr/>
+          </p:nvPicPr>
+          <p:blipFill rotWithShape="1">
+            <a:blip r:embed="rId4">
+              <a:extLst>
+                <a:ext uri="{28A0092B-C50C-407E-A947-70E740481C1C}">
+                  <a14:useLocalDpi xmlns:a14="http://schemas.microsoft.com/office/drawing/2010/main" val="0"/>
+                </a:ext>
+              </a:extLst>
+            </a:blip>
+            <a:srcRect l="16752" t="21942" r="18560" b="11235"/>
+            <a:stretch/>
+          </p:blipFill>
+          <p:spPr bwMode="auto">
+            <a:xfrm>
+              <a:off x="7124403" y="2314861"/>
+              <a:ext cx="4746444" cy="3677327"/>
+            </a:xfrm>
+            <a:prstGeom prst="rect">
+              <a:avLst/>
+            </a:prstGeom>
+            <a:noFill/>
+            <a:extLst>
+              <a:ext uri="{909E8E84-426E-40DD-AFC4-6F175D3DCCD1}">
+                <a14:hiddenFill xmlns:a14="http://schemas.microsoft.com/office/drawing/2010/main">
+                  <a:solidFill>
+                    <a:srgbClr val="FFFFFF"/>
+                  </a:solidFill>
+                </a14:hiddenFill>
+              </a:ext>
+            </a:extLst>
+          </p:spPr>
+        </p:pic>
+        <mc:AlternateContent xmlns:mc="http://schemas.openxmlformats.org/markup-compatibility/2006">
+          <mc:Choice xmlns:a14="http://schemas.microsoft.com/office/drawing/2010/main" Requires="a14">
+            <p:sp>
+              <p:nvSpPr>
+                <p:cNvPr id="20" name="TextBox 19">
+                  <a:extLst>
+                    <a:ext uri="{FF2B5EF4-FFF2-40B4-BE49-F238E27FC236}">
+                      <a16:creationId xmlns:a16="http://schemas.microsoft.com/office/drawing/2014/main" id="{8F4FAB91-1A40-EC89-9273-1C1788BBD669}"/>
+                    </a:ext>
+                  </a:extLst>
+                </p:cNvPr>
+                <p:cNvSpPr txBox="1"/>
+                <p:nvPr/>
+              </p:nvSpPr>
+              <p:spPr>
+                <a:xfrm>
+                  <a:off x="8109639" y="2131685"/>
+                  <a:ext cx="3655190" cy="461665"/>
+                </a:xfrm>
+                <a:prstGeom prst="rect">
+                  <a:avLst/>
+                </a:prstGeom>
+                <a:noFill/>
+              </p:spPr>
+              <p:txBody>
+                <a:bodyPr wrap="square" rtlCol="0">
+                  <a:spAutoFit/>
+                </a:bodyPr>
+                <a:lstStyle/>
+                <a:p>
+                  <a14:m>
+                    <m:oMath xmlns:m="http://schemas.openxmlformats.org/officeDocument/2006/math">
+                      <m:sSub>
+                        <m:sSubPr>
+                          <m:ctrlPr>
+                            <a:rPr lang="en-US" sz="2400" i="1" smtClean="0">
+                              <a:latin typeface="Cambria Math" panose="02040503050406030204" pitchFamily="18" charset="0"/>
+                            </a:rPr>
+                          </m:ctrlPr>
+                        </m:sSubPr>
+                        <m:e>
+                          <m:r>
+                            <a:rPr lang="en-US" sz="2400" i="1">
+                              <a:latin typeface="Cambria Math" panose="02040503050406030204" pitchFamily="18" charset="0"/>
+                            </a:rPr>
+                            <m:t>𝑃</m:t>
+                          </m:r>
+                        </m:e>
+                        <m:sub>
+                          <m:r>
+                            <a:rPr lang="en-US" sz="2400" i="1">
+                              <a:latin typeface="Cambria Math" panose="02040503050406030204" pitchFamily="18" charset="0"/>
+                            </a:rPr>
+                            <m:t>𝑣𝑑𝑤</m:t>
+                          </m:r>
+                        </m:sub>
+                      </m:sSub>
+                      <m:r>
+                        <a:rPr lang="en-US" sz="2400" b="0" i="1" smtClean="0">
+                          <a:latin typeface="Cambria Math" panose="02040503050406030204" pitchFamily="18" charset="0"/>
+                        </a:rPr>
+                        <m:t>−</m:t>
+                      </m:r>
+                      <m:sSub>
+                        <m:sSubPr>
+                          <m:ctrlPr>
+                            <a:rPr lang="en-US" sz="2400" i="1">
+                              <a:latin typeface="Cambria Math" panose="02040503050406030204" pitchFamily="18" charset="0"/>
+                            </a:rPr>
+                          </m:ctrlPr>
+                        </m:sSubPr>
+                        <m:e>
+                          <m:r>
+                            <a:rPr lang="en-US" sz="2400" i="1">
+                              <a:latin typeface="Cambria Math" panose="02040503050406030204" pitchFamily="18" charset="0"/>
+                            </a:rPr>
+                            <m:t>𝑃</m:t>
+                          </m:r>
+                        </m:e>
+                        <m:sub>
+                          <m:r>
+                            <a:rPr lang="en-US" sz="2400" i="1">
+                              <a:latin typeface="Cambria Math" panose="02040503050406030204" pitchFamily="18" charset="0"/>
+                            </a:rPr>
+                            <m:t>𝑖𝑑𝑒𝑎𝑙</m:t>
+                          </m:r>
+                        </m:sub>
+                      </m:sSub>
+                    </m:oMath>
+                  </a14:m>
+                  <a:r>
+                    <a:rPr lang="en-US" sz="2400" dirty="0"/>
+                    <a:t> (Argon)</a:t>
+                  </a:r>
+                </a:p>
+              </p:txBody>
+            </p:sp>
+          </mc:Choice>
+          <mc:Fallback>
+            <p:sp>
+              <p:nvSpPr>
+                <p:cNvPr id="20" name="TextBox 19">
+                  <a:extLst>
+                    <a:ext uri="{FF2B5EF4-FFF2-40B4-BE49-F238E27FC236}">
+                      <a16:creationId xmlns:a16="http://schemas.microsoft.com/office/drawing/2014/main" id="{8F4FAB91-1A40-EC89-9273-1C1788BBD669}"/>
+                    </a:ext>
+                  </a:extLst>
+                </p:cNvPr>
+                <p:cNvSpPr txBox="1">
+                  <a:spLocks noRot="1" noChangeAspect="1" noMove="1" noResize="1" noEditPoints="1" noAdjustHandles="1" noChangeArrowheads="1" noChangeShapeType="1" noTextEdit="1"/>
+                </p:cNvSpPr>
+                <p:nvPr/>
+              </p:nvSpPr>
+              <p:spPr>
+                <a:xfrm>
+                  <a:off x="8109639" y="2131685"/>
+                  <a:ext cx="3655190" cy="461665"/>
+                </a:xfrm>
+                <a:prstGeom prst="rect">
+                  <a:avLst/>
+                </a:prstGeom>
+                <a:blipFill>
+                  <a:blip r:embed="rId5"/>
+                  <a:stretch>
+                    <a:fillRect l="-312" t="-7317" b="-17073"/>
+                  </a:stretch>
+                </a:blipFill>
+              </p:spPr>
+              <p:txBody>
+                <a:bodyPr/>
+                <a:lstStyle/>
+                <a:p>
+                  <a:r>
+                    <a:rPr lang="en-US">
+                      <a:noFill/>
+                    </a:rPr>
+                    <a:t> </a:t>
+                  </a:r>
+                </a:p>
+              </p:txBody>
+            </p:sp>
+          </mc:Fallback>
+        </mc:AlternateContent>
+      </p:grpSp>
+      <p:grpSp>
+        <p:nvGrpSpPr>
+          <p:cNvPr id="38" name="Group 37">
+            <a:extLst>
+              <a:ext uri="{FF2B5EF4-FFF2-40B4-BE49-F238E27FC236}">
+                <a16:creationId xmlns:a16="http://schemas.microsoft.com/office/drawing/2014/main" id="{87F774B2-9284-9EDF-8FBA-FEC55D3683DE}"/>
+              </a:ext>
+            </a:extLst>
+          </p:cNvPr>
+          <p:cNvGrpSpPr/>
+          <p:nvPr/>
+        </p:nvGrpSpPr>
+        <p:grpSpPr>
+          <a:xfrm>
+            <a:off x="3825667" y="3346932"/>
+            <a:ext cx="355010" cy="2118316"/>
+            <a:chOff x="3482767" y="3423132"/>
+            <a:chExt cx="355010" cy="2118316"/>
+          </a:xfrm>
+        </p:grpSpPr>
+        <p:cxnSp>
+          <p:nvCxnSpPr>
+            <p:cNvPr id="24" name="Straight Arrow Connector 23">
+              <a:extLst>
+                <a:ext uri="{FF2B5EF4-FFF2-40B4-BE49-F238E27FC236}">
+                  <a16:creationId xmlns:a16="http://schemas.microsoft.com/office/drawing/2014/main" id="{E3760FF5-81ED-45A7-0FA6-6FAD85DF5760}"/>
+                </a:ext>
+              </a:extLst>
+            </p:cNvPr>
+            <p:cNvCxnSpPr>
+              <a:cxnSpLocks/>
+            </p:cNvCxnSpPr>
+            <p:nvPr/>
+          </p:nvCxnSpPr>
+          <p:spPr>
+            <a:xfrm flipH="1">
+              <a:off x="3797237" y="3870122"/>
+              <a:ext cx="40540" cy="1572047"/>
+            </a:xfrm>
+            <a:prstGeom prst="straightConnector1">
+              <a:avLst/>
+            </a:prstGeom>
+            <a:ln w="38100">
+              <a:solidFill>
+                <a:schemeClr val="accent3"/>
+              </a:solidFill>
+              <a:prstDash val="sysDot"/>
+              <a:tailEnd type="triangle"/>
+            </a:ln>
+          </p:spPr>
+          <p:style>
+            <a:lnRef idx="1">
+              <a:schemeClr val="accent1"/>
+            </a:lnRef>
+            <a:fillRef idx="0">
+              <a:schemeClr val="accent1"/>
+            </a:fillRef>
+            <a:effectRef idx="0">
+              <a:schemeClr val="accent1"/>
+            </a:effectRef>
+            <a:fontRef idx="minor">
+              <a:schemeClr val="tx1"/>
+            </a:fontRef>
+          </p:style>
+        </p:cxnSp>
+        <p:sp>
+          <p:nvSpPr>
+            <p:cNvPr id="30" name="Freeform 29">
+              <a:extLst>
+                <a:ext uri="{FF2B5EF4-FFF2-40B4-BE49-F238E27FC236}">
+                  <a16:creationId xmlns:a16="http://schemas.microsoft.com/office/drawing/2014/main" id="{D59770DA-19C3-06B8-23B0-CC9E2CA97466}"/>
+                </a:ext>
+              </a:extLst>
+            </p:cNvPr>
+            <p:cNvSpPr/>
+            <p:nvPr/>
+          </p:nvSpPr>
+          <p:spPr>
+            <a:xfrm>
+              <a:off x="3510667" y="3423132"/>
+              <a:ext cx="321104" cy="434765"/>
+            </a:xfrm>
+            <a:custGeom>
+              <a:avLst/>
+              <a:gdLst>
+                <a:gd name="connsiteX0" fmla="*/ 321104 w 321104"/>
+                <a:gd name="connsiteY0" fmla="*/ 434765 h 434765"/>
+                <a:gd name="connsiteX1" fmla="*/ 308042 w 321104"/>
+                <a:gd name="connsiteY1" fmla="*/ 317199 h 434765"/>
+                <a:gd name="connsiteX2" fmla="*/ 277562 w 321104"/>
+                <a:gd name="connsiteY2" fmla="*/ 256239 h 434765"/>
+                <a:gd name="connsiteX3" fmla="*/ 234019 w 321104"/>
+                <a:gd name="connsiteY3" fmla="*/ 190925 h 434765"/>
+                <a:gd name="connsiteX4" fmla="*/ 125162 w 321104"/>
+                <a:gd name="connsiteY4" fmla="*/ 95131 h 434765"/>
+                <a:gd name="connsiteX5" fmla="*/ 33722 w 321104"/>
+                <a:gd name="connsiteY5" fmla="*/ 25462 h 434765"/>
+                <a:gd name="connsiteX6" fmla="*/ 3242 w 321104"/>
+                <a:gd name="connsiteY6" fmla="*/ 3691 h 434765"/>
+              </a:gdLst>
+              <a:ahLst/>
+              <a:cxnLst>
+                <a:cxn ang="0">
+                  <a:pos x="connsiteX0" y="connsiteY0"/>
+                </a:cxn>
+                <a:cxn ang="0">
+                  <a:pos x="connsiteX1" y="connsiteY1"/>
+                </a:cxn>
+                <a:cxn ang="0">
+                  <a:pos x="connsiteX2" y="connsiteY2"/>
+                </a:cxn>
+                <a:cxn ang="0">
+                  <a:pos x="connsiteX3" y="connsiteY3"/>
+                </a:cxn>
+                <a:cxn ang="0">
+                  <a:pos x="connsiteX4" y="connsiteY4"/>
+                </a:cxn>
+                <a:cxn ang="0">
+                  <a:pos x="connsiteX5" y="connsiteY5"/>
+                </a:cxn>
+                <a:cxn ang="0">
+                  <a:pos x="connsiteX6" y="connsiteY6"/>
+                </a:cxn>
+              </a:cxnLst>
+              <a:rect l="l" t="t" r="r" b="b"/>
+              <a:pathLst>
+                <a:path w="321104" h="434765">
+                  <a:moveTo>
+                    <a:pt x="321104" y="434765"/>
+                  </a:moveTo>
+                  <a:cubicBezTo>
+                    <a:pt x="318201" y="390859"/>
+                    <a:pt x="315299" y="346953"/>
+                    <a:pt x="308042" y="317199"/>
+                  </a:cubicBezTo>
+                  <a:cubicBezTo>
+                    <a:pt x="300785" y="287445"/>
+                    <a:pt x="289899" y="277285"/>
+                    <a:pt x="277562" y="256239"/>
+                  </a:cubicBezTo>
+                  <a:cubicBezTo>
+                    <a:pt x="265225" y="235193"/>
+                    <a:pt x="259419" y="217776"/>
+                    <a:pt x="234019" y="190925"/>
+                  </a:cubicBezTo>
+                  <a:cubicBezTo>
+                    <a:pt x="208619" y="164074"/>
+                    <a:pt x="158545" y="122708"/>
+                    <a:pt x="125162" y="95131"/>
+                  </a:cubicBezTo>
+                  <a:cubicBezTo>
+                    <a:pt x="91779" y="67554"/>
+                    <a:pt x="54042" y="40702"/>
+                    <a:pt x="33722" y="25462"/>
+                  </a:cubicBezTo>
+                  <a:cubicBezTo>
+                    <a:pt x="13402" y="10222"/>
+                    <a:pt x="-8369" y="-7920"/>
+                    <a:pt x="3242" y="3691"/>
+                  </a:cubicBezTo>
+                </a:path>
+              </a:pathLst>
+            </a:custGeom>
+            <a:noFill/>
+            <a:ln w="38100"/>
+          </p:spPr>
+          <p:style>
+            <a:lnRef idx="2">
+              <a:schemeClr val="accent1">
+                <a:shade val="50000"/>
+              </a:schemeClr>
+            </a:lnRef>
+            <a:fillRef idx="1">
+              <a:schemeClr val="accent1"/>
+            </a:fillRef>
+            <a:effectRef idx="0">
+              <a:schemeClr val="accent1"/>
+            </a:effectRef>
+            <a:fontRef idx="minor">
+              <a:schemeClr val="lt1"/>
+            </a:fontRef>
+          </p:style>
+          <p:txBody>
+            <a:bodyPr rtlCol="0" anchor="ctr"/>
+            <a:lstStyle/>
+            <a:p>
+              <a:pPr algn="ctr"/>
+              <a:endParaRPr lang="en-US"/>
+            </a:p>
+          </p:txBody>
+        </p:sp>
+        <p:sp>
+          <p:nvSpPr>
+            <p:cNvPr id="31" name="Freeform 30">
+              <a:extLst>
+                <a:ext uri="{FF2B5EF4-FFF2-40B4-BE49-F238E27FC236}">
+                  <a16:creationId xmlns:a16="http://schemas.microsoft.com/office/drawing/2014/main" id="{7F396307-5003-CE85-DD51-0419056D85F8}"/>
+                </a:ext>
+              </a:extLst>
+            </p:cNvPr>
+            <p:cNvSpPr/>
+            <p:nvPr/>
+          </p:nvSpPr>
+          <p:spPr>
+            <a:xfrm>
+              <a:off x="3482767" y="5106683"/>
+              <a:ext cx="321104" cy="434765"/>
+            </a:xfrm>
+            <a:custGeom>
+              <a:avLst/>
+              <a:gdLst>
+                <a:gd name="connsiteX0" fmla="*/ 321104 w 321104"/>
+                <a:gd name="connsiteY0" fmla="*/ 434765 h 434765"/>
+                <a:gd name="connsiteX1" fmla="*/ 308042 w 321104"/>
+                <a:gd name="connsiteY1" fmla="*/ 317199 h 434765"/>
+                <a:gd name="connsiteX2" fmla="*/ 277562 w 321104"/>
+                <a:gd name="connsiteY2" fmla="*/ 256239 h 434765"/>
+                <a:gd name="connsiteX3" fmla="*/ 234019 w 321104"/>
+                <a:gd name="connsiteY3" fmla="*/ 190925 h 434765"/>
+                <a:gd name="connsiteX4" fmla="*/ 125162 w 321104"/>
+                <a:gd name="connsiteY4" fmla="*/ 95131 h 434765"/>
+                <a:gd name="connsiteX5" fmla="*/ 33722 w 321104"/>
+                <a:gd name="connsiteY5" fmla="*/ 25462 h 434765"/>
+                <a:gd name="connsiteX6" fmla="*/ 3242 w 321104"/>
+                <a:gd name="connsiteY6" fmla="*/ 3691 h 434765"/>
+              </a:gdLst>
+              <a:ahLst/>
+              <a:cxnLst>
+                <a:cxn ang="0">
+                  <a:pos x="connsiteX0" y="connsiteY0"/>
+                </a:cxn>
+                <a:cxn ang="0">
+                  <a:pos x="connsiteX1" y="connsiteY1"/>
+                </a:cxn>
+                <a:cxn ang="0">
+                  <a:pos x="connsiteX2" y="connsiteY2"/>
+                </a:cxn>
+                <a:cxn ang="0">
+                  <a:pos x="connsiteX3" y="connsiteY3"/>
+                </a:cxn>
+                <a:cxn ang="0">
+                  <a:pos x="connsiteX4" y="connsiteY4"/>
+                </a:cxn>
+                <a:cxn ang="0">
+                  <a:pos x="connsiteX5" y="connsiteY5"/>
+                </a:cxn>
+                <a:cxn ang="0">
+                  <a:pos x="connsiteX6" y="connsiteY6"/>
+                </a:cxn>
+              </a:cxnLst>
+              <a:rect l="l" t="t" r="r" b="b"/>
+              <a:pathLst>
+                <a:path w="321104" h="434765">
+                  <a:moveTo>
+                    <a:pt x="321104" y="434765"/>
+                  </a:moveTo>
+                  <a:cubicBezTo>
+                    <a:pt x="318201" y="390859"/>
+                    <a:pt x="315299" y="346953"/>
+                    <a:pt x="308042" y="317199"/>
+                  </a:cubicBezTo>
+                  <a:cubicBezTo>
+                    <a:pt x="300785" y="287445"/>
+                    <a:pt x="289899" y="277285"/>
+                    <a:pt x="277562" y="256239"/>
+                  </a:cubicBezTo>
+                  <a:cubicBezTo>
+                    <a:pt x="265225" y="235193"/>
+                    <a:pt x="259419" y="217776"/>
+                    <a:pt x="234019" y="190925"/>
+                  </a:cubicBezTo>
+                  <a:cubicBezTo>
+                    <a:pt x="208619" y="164074"/>
+                    <a:pt x="158545" y="122708"/>
+                    <a:pt x="125162" y="95131"/>
+                  </a:cubicBezTo>
+                  <a:cubicBezTo>
+                    <a:pt x="91779" y="67554"/>
+                    <a:pt x="54042" y="40702"/>
+                    <a:pt x="33722" y="25462"/>
+                  </a:cubicBezTo>
+                  <a:cubicBezTo>
+                    <a:pt x="13402" y="10222"/>
+                    <a:pt x="-8369" y="-7920"/>
+                    <a:pt x="3242" y="3691"/>
+                  </a:cubicBezTo>
+                </a:path>
+              </a:pathLst>
+            </a:custGeom>
+            <a:noFill/>
+            <a:ln w="38100"/>
+          </p:spPr>
+          <p:style>
+            <a:lnRef idx="2">
+              <a:schemeClr val="accent1">
+                <a:shade val="50000"/>
+              </a:schemeClr>
+            </a:lnRef>
+            <a:fillRef idx="1">
+              <a:schemeClr val="accent1"/>
+            </a:fillRef>
+            <a:effectRef idx="0">
+              <a:schemeClr val="accent1"/>
+            </a:effectRef>
+            <a:fontRef idx="minor">
+              <a:schemeClr val="lt1"/>
+            </a:fontRef>
+          </p:style>
+          <p:txBody>
+            <a:bodyPr rtlCol="0" anchor="ctr"/>
+            <a:lstStyle/>
+            <a:p>
+              <a:pPr algn="ctr"/>
+              <a:endParaRPr lang="en-US"/>
+            </a:p>
+          </p:txBody>
+        </p:sp>
+        <p:cxnSp>
+          <p:nvCxnSpPr>
+            <p:cNvPr id="32" name="Straight Arrow Connector 31">
+              <a:extLst>
+                <a:ext uri="{FF2B5EF4-FFF2-40B4-BE49-F238E27FC236}">
+                  <a16:creationId xmlns:a16="http://schemas.microsoft.com/office/drawing/2014/main" id="{BD7361E9-D497-BE49-0BA0-91DD5C12824B}"/>
+                </a:ext>
+              </a:extLst>
+            </p:cNvPr>
+            <p:cNvCxnSpPr>
+              <a:cxnSpLocks/>
+            </p:cNvCxnSpPr>
+            <p:nvPr/>
+          </p:nvCxnSpPr>
+          <p:spPr>
+            <a:xfrm flipH="1">
+              <a:off x="3482767" y="4178699"/>
+              <a:ext cx="14908" cy="864484"/>
+            </a:xfrm>
+            <a:prstGeom prst="straightConnector1">
+              <a:avLst/>
+            </a:prstGeom>
+            <a:ln w="38100">
+              <a:solidFill>
+                <a:schemeClr val="accent3"/>
+              </a:solidFill>
+              <a:prstDash val="sysDot"/>
+              <a:tailEnd type="triangle"/>
+            </a:ln>
+          </p:spPr>
+          <p:style>
+            <a:lnRef idx="1">
+              <a:schemeClr val="accent1"/>
+            </a:lnRef>
+            <a:fillRef idx="0">
+              <a:schemeClr val="accent1"/>
+            </a:fillRef>
+            <a:effectRef idx="0">
+              <a:schemeClr val="accent1"/>
+            </a:effectRef>
+            <a:fontRef idx="minor">
+              <a:schemeClr val="tx1"/>
+            </a:fontRef>
+          </p:style>
+        </p:cxnSp>
+      </p:grpSp>
+      <p:grpSp>
+        <p:nvGrpSpPr>
+          <p:cNvPr id="37" name="Group 36">
+            <a:extLst>
+              <a:ext uri="{FF2B5EF4-FFF2-40B4-BE49-F238E27FC236}">
+                <a16:creationId xmlns:a16="http://schemas.microsoft.com/office/drawing/2014/main" id="{427CCB28-ABA9-2BD2-20BA-07F756B91470}"/>
+              </a:ext>
+            </a:extLst>
+          </p:cNvPr>
+          <p:cNvGrpSpPr/>
+          <p:nvPr/>
+        </p:nvGrpSpPr>
+        <p:grpSpPr>
+          <a:xfrm>
+            <a:off x="5879483" y="2109055"/>
+            <a:ext cx="6844007" cy="4407725"/>
+            <a:chOff x="5587383" y="2109055"/>
+            <a:chExt cx="6844007" cy="4407725"/>
+          </a:xfrm>
+        </p:grpSpPr>
+        <p:pic>
+          <p:nvPicPr>
+            <p:cNvPr id="1028" name="Picture 4">
+              <a:extLst>
+                <a:ext uri="{FF2B5EF4-FFF2-40B4-BE49-F238E27FC236}">
+                  <a16:creationId xmlns:a16="http://schemas.microsoft.com/office/drawing/2014/main" id="{48C4545B-66A8-830B-2BC7-F3276C9CD4D9}"/>
+                </a:ext>
+              </a:extLst>
+            </p:cNvPr>
+            <p:cNvPicPr>
+              <a:picLocks noChangeAspect="1" noChangeArrowheads="1"/>
+            </p:cNvPicPr>
+            <p:nvPr/>
+          </p:nvPicPr>
+          <p:blipFill>
+            <a:blip r:embed="rId6">
+              <a:extLst>
+                <a:ext uri="{28A0092B-C50C-407E-A947-70E740481C1C}">
+                  <a14:useLocalDpi xmlns:a14="http://schemas.microsoft.com/office/drawing/2010/main" val="0"/>
+                </a:ext>
+              </a:extLst>
+            </a:blip>
+            <a:srcRect/>
+            <a:stretch>
+              <a:fillRect/>
+            </a:stretch>
+          </p:blipFill>
+          <p:spPr bwMode="auto">
+            <a:xfrm>
+              <a:off x="5587383" y="2109055"/>
+              <a:ext cx="5866764" cy="4407725"/>
+            </a:xfrm>
+            <a:prstGeom prst="rect">
+              <a:avLst/>
+            </a:prstGeom>
+            <a:noFill/>
+            <a:extLst>
+              <a:ext uri="{909E8E84-426E-40DD-AFC4-6F175D3DCCD1}">
+                <a14:hiddenFill xmlns:a14="http://schemas.microsoft.com/office/drawing/2010/main">
+                  <a:solidFill>
+                    <a:srgbClr val="FFFFFF"/>
+                  </a:solidFill>
+                </a14:hiddenFill>
+              </a:ext>
+            </a:extLst>
+          </p:spPr>
+        </p:pic>
+        <mc:AlternateContent xmlns:mc="http://schemas.openxmlformats.org/markup-compatibility/2006">
+          <mc:Choice xmlns:a14="http://schemas.microsoft.com/office/drawing/2010/main" Requires="a14">
+            <p:sp>
+              <p:nvSpPr>
+                <p:cNvPr id="36" name="TextBox 35">
+                  <a:extLst>
+                    <a:ext uri="{FF2B5EF4-FFF2-40B4-BE49-F238E27FC236}">
+                      <a16:creationId xmlns:a16="http://schemas.microsoft.com/office/drawing/2014/main" id="{CF335FFE-BD0E-2114-F86E-7695167F79A1}"/>
+                    </a:ext>
+                  </a:extLst>
+                </p:cNvPr>
+                <p:cNvSpPr txBox="1"/>
+                <p:nvPr/>
+              </p:nvSpPr>
+              <p:spPr>
+                <a:xfrm>
+                  <a:off x="10476904" y="2548936"/>
+                  <a:ext cx="1954486" cy="457561"/>
+                </a:xfrm>
+                <a:prstGeom prst="rect">
+                  <a:avLst/>
+                </a:prstGeom>
+                <a:noFill/>
+              </p:spPr>
+              <p:txBody>
+                <a:bodyPr wrap="square">
+                  <a:spAutoFit/>
+                </a:bodyPr>
+                <a:lstStyle/>
+                <a:p>
+                  <a:pPr/>
+                  <a14:m>
+                    <m:oMathPara xmlns:m="http://schemas.openxmlformats.org/officeDocument/2006/math">
+                      <m:oMathParaPr>
+                        <m:jc m:val="centerGroup"/>
+                      </m:oMathParaPr>
+                      <m:oMath xmlns:m="http://schemas.openxmlformats.org/officeDocument/2006/math">
+                        <m:sSub>
+                          <m:sSubPr>
+                            <m:ctrlPr>
+                              <a:rPr lang="en-US" sz="2200" i="1" smtClean="0">
+                                <a:latin typeface="Cambria Math" panose="02040503050406030204" pitchFamily="18" charset="0"/>
+                              </a:rPr>
+                            </m:ctrlPr>
+                          </m:sSubPr>
+                          <m:e>
+                            <m:r>
+                              <a:rPr lang="en-US" sz="2200" i="1">
+                                <a:latin typeface="Cambria Math" panose="02040503050406030204" pitchFamily="18" charset="0"/>
+                              </a:rPr>
+                              <m:t>𝑇</m:t>
+                            </m:r>
+                          </m:e>
+                          <m:sub>
+                            <m:r>
+                              <a:rPr lang="en-US" sz="2200" i="1">
+                                <a:latin typeface="Cambria Math" panose="02040503050406030204" pitchFamily="18" charset="0"/>
+                              </a:rPr>
+                              <m:t>𝐵𝑜𝑦𝑙𝑒</m:t>
+                            </m:r>
+                          </m:sub>
+                        </m:sSub>
+                      </m:oMath>
+                    </m:oMathPara>
+                  </a14:m>
+                  <a:endParaRPr lang="en-US" sz="2200" dirty="0"/>
+                </a:p>
+              </p:txBody>
+            </p:sp>
+          </mc:Choice>
+          <mc:Fallback>
+            <p:sp>
+              <p:nvSpPr>
+                <p:cNvPr id="36" name="TextBox 35">
+                  <a:extLst>
+                    <a:ext uri="{FF2B5EF4-FFF2-40B4-BE49-F238E27FC236}">
+                      <a16:creationId xmlns:a16="http://schemas.microsoft.com/office/drawing/2014/main" id="{CF335FFE-BD0E-2114-F86E-7695167F79A1}"/>
+                    </a:ext>
+                  </a:extLst>
+                </p:cNvPr>
+                <p:cNvSpPr txBox="1">
+                  <a:spLocks noRot="1" noChangeAspect="1" noMove="1" noResize="1" noEditPoints="1" noAdjustHandles="1" noChangeArrowheads="1" noChangeShapeType="1" noTextEdit="1"/>
+                </p:cNvSpPr>
+                <p:nvPr/>
+              </p:nvSpPr>
+              <p:spPr>
+                <a:xfrm>
+                  <a:off x="10476904" y="2548936"/>
+                  <a:ext cx="1954486" cy="457561"/>
+                </a:xfrm>
+                <a:prstGeom prst="rect">
+                  <a:avLst/>
+                </a:prstGeom>
+                <a:blipFill>
+                  <a:blip r:embed="rId7"/>
+                  <a:stretch>
+                    <a:fillRect b="-10811"/>
+                  </a:stretch>
+                </a:blipFill>
+              </p:spPr>
+              <p:txBody>
+                <a:bodyPr/>
+                <a:lstStyle/>
+                <a:p>
+                  <a:r>
+                    <a:rPr lang="en-US">
+                      <a:noFill/>
+                    </a:rPr>
+                    <a:t> </a:t>
+                  </a:r>
+                </a:p>
+              </p:txBody>
+            </p:sp>
+          </mc:Fallback>
+        </mc:AlternateContent>
+      </p:grpSp>
+    </p:spTree>
+    <p:extLst>
+      <p:ext uri="{BB962C8B-B14F-4D97-AF65-F5344CB8AC3E}">
+        <p14:creationId xmlns:p14="http://schemas.microsoft.com/office/powerpoint/2010/main" val="2034420996"/>
+      </p:ext>
+    </p:extLst>
+  </p:cSld>
+  <p:clrMapOvr>
+    <a:masterClrMapping/>
+  </p:clrMapOvr>
+</p:sld>
+</file>
+
+<file path=ppt/slides/slide6.xml><?xml version="1.0" encoding="utf-8"?>
+<p:sld xmlns:a="http://schemas.openxmlformats.org/drawingml/2006/main" xmlns:r="http://schemas.openxmlformats.org/officeDocument/2006/relationships" xmlns:p="http://schemas.openxmlformats.org/presentationml/2006/main">
+  <p:cSld>
+    <p:spTree>
+      <p:nvGrpSpPr>
+        <p:cNvPr id="1" name=""/>
+        <p:cNvGrpSpPr/>
+        <p:nvPr/>
+      </p:nvGrpSpPr>
+      <p:grpSpPr>
+        <a:xfrm>
+          <a:off x="0" y="0"/>
+          <a:ext cx="0" cy="0"/>
+          <a:chOff x="0" y="0"/>
+          <a:chExt cx="0" cy="0"/>
+        </a:xfrm>
+      </p:grpSpPr>
+      <p:sp>
+        <p:nvSpPr>
+          <p:cNvPr id="14" name="TextBox 13">
+            <a:extLst>
+              <a:ext uri="{FF2B5EF4-FFF2-40B4-BE49-F238E27FC236}">
+                <a16:creationId xmlns:a16="http://schemas.microsoft.com/office/drawing/2014/main" id="{CE238128-7832-7C4E-9BD7-7E3C832DD903}"/>
+              </a:ext>
+            </a:extLst>
+          </p:cNvPr>
+          <p:cNvSpPr txBox="1"/>
+          <p:nvPr/>
+        </p:nvSpPr>
+        <p:spPr>
+          <a:xfrm>
+            <a:off x="-1" y="22403"/>
+            <a:ext cx="12192001" cy="461665"/>
+          </a:xfrm>
+          <a:prstGeom prst="rect">
+            <a:avLst/>
+          </a:prstGeom>
+          <a:noFill/>
+        </p:spPr>
+        <p:txBody>
+          <a:bodyPr wrap="square" rtlCol="0">
+            <a:spAutoFit/>
+          </a:bodyPr>
+          <a:lstStyle/>
+          <a:p>
+            <a:r>
+              <a:rPr lang="en-US" sz="2400" b="1" dirty="0"/>
+              <a:t>Analytical challenge #3: Return to the Boyle temperature</a:t>
+            </a:r>
+          </a:p>
+        </p:txBody>
+      </p:sp>
+      <mc:AlternateContent xmlns:mc="http://schemas.openxmlformats.org/markup-compatibility/2006">
+        <mc:Choice xmlns:a14="http://schemas.microsoft.com/office/drawing/2010/main" Requires="a14">
+          <p:sp>
+            <p:nvSpPr>
+              <p:cNvPr id="3" name="Rectangle 2">
+                <a:extLst>
+                  <a:ext uri="{FF2B5EF4-FFF2-40B4-BE49-F238E27FC236}">
+                    <a16:creationId xmlns:a16="http://schemas.microsoft.com/office/drawing/2014/main" id="{22F3AC64-583D-A5FF-EB8D-8853614DFF55}"/>
+                  </a:ext>
+                </a:extLst>
+              </p:cNvPr>
+              <p:cNvSpPr/>
+              <p:nvPr/>
+            </p:nvSpPr>
+            <p:spPr>
+              <a:xfrm>
+                <a:off x="241300" y="508124"/>
+                <a:ext cx="11859036" cy="5651484"/>
+              </a:xfrm>
+              <a:prstGeom prst="rect">
+                <a:avLst/>
+              </a:prstGeom>
+            </p:spPr>
+            <p:txBody>
+              <a:bodyPr wrap="square">
+                <a:spAutoFit/>
+              </a:bodyPr>
+              <a:lstStyle/>
+              <a:p>
+                <a:r>
+                  <a:rPr lang="en-US" sz="2400" dirty="0"/>
+                  <a:t>Theory says </a:t>
+                </a:r>
+                <a14:m>
+                  <m:oMath xmlns:m="http://schemas.openxmlformats.org/officeDocument/2006/math">
+                    <m:sSub>
+                      <m:sSubPr>
+                        <m:ctrlPr>
+                          <a:rPr lang="en-US" sz="2400" b="0" i="1" smtClean="0">
+                            <a:latin typeface="Cambria Math" panose="02040503050406030204" pitchFamily="18" charset="0"/>
+                          </a:rPr>
+                        </m:ctrlPr>
+                      </m:sSubPr>
+                      <m:e>
+                        <m:r>
+                          <a:rPr lang="en-US" sz="2400" b="0" i="1" smtClean="0">
+                            <a:latin typeface="Cambria Math" panose="02040503050406030204" pitchFamily="18" charset="0"/>
+                          </a:rPr>
+                          <m:t>𝑇</m:t>
+                        </m:r>
+                      </m:e>
+                      <m:sub>
+                        <m:r>
+                          <a:rPr lang="en-US" sz="2400" b="0" i="1" smtClean="0">
+                            <a:latin typeface="Cambria Math" panose="02040503050406030204" pitchFamily="18" charset="0"/>
+                          </a:rPr>
+                          <m:t>𝐵𝑜𝑦𝑙𝑒</m:t>
+                        </m:r>
+                      </m:sub>
+                    </m:sSub>
+                    <m:r>
+                      <a:rPr lang="en-US" sz="2400" b="0" i="1" smtClean="0">
+                        <a:latin typeface="Cambria Math" panose="02040503050406030204" pitchFamily="18" charset="0"/>
+                        <a:ea typeface="Cambria Math" panose="02040503050406030204" pitchFamily="18" charset="0"/>
+                      </a:rPr>
+                      <m:t>≈</m:t>
+                    </m:r>
+                    <m:f>
+                      <m:fPr>
+                        <m:ctrlPr>
+                          <a:rPr lang="en-US" sz="2400" i="1" smtClean="0">
+                            <a:latin typeface="Cambria Math" panose="02040503050406030204" pitchFamily="18" charset="0"/>
+                            <a:ea typeface="Cambria Math" panose="02040503050406030204" pitchFamily="18" charset="0"/>
+                          </a:rPr>
+                        </m:ctrlPr>
+                      </m:fPr>
+                      <m:num>
+                        <m:r>
+                          <a:rPr lang="en-US" sz="2400" b="0" i="1" smtClean="0">
+                            <a:latin typeface="Cambria Math" panose="02040503050406030204" pitchFamily="18" charset="0"/>
+                            <a:ea typeface="Cambria Math" panose="02040503050406030204" pitchFamily="18" charset="0"/>
+                          </a:rPr>
+                          <m:t>𝑎</m:t>
+                        </m:r>
+                      </m:num>
+                      <m:den>
+                        <m:r>
+                          <a:rPr lang="en-US" sz="2400" b="0" i="1" smtClean="0">
+                            <a:latin typeface="Cambria Math" panose="02040503050406030204" pitchFamily="18" charset="0"/>
+                            <a:ea typeface="Cambria Math" panose="02040503050406030204" pitchFamily="18" charset="0"/>
+                          </a:rPr>
+                          <m:t>𝑏𝑅</m:t>
+                        </m:r>
+                      </m:den>
+                    </m:f>
+                  </m:oMath>
+                </a14:m>
+                <a:r>
+                  <a:rPr lang="en-US" sz="2400" dirty="0"/>
+                  <a:t> for a vdw gas. To prove this, write the equation </a:t>
+                </a:r>
+                <a14:m>
+                  <m:oMath xmlns:m="http://schemas.openxmlformats.org/officeDocument/2006/math">
+                    <m:sSub>
+                      <m:sSubPr>
+                        <m:ctrlPr>
+                          <a:rPr lang="en-US" sz="2400" i="1" smtClean="0">
+                            <a:solidFill>
+                              <a:srgbClr val="7030A0"/>
+                            </a:solidFill>
+                            <a:latin typeface="Cambria Math" panose="02040503050406030204" pitchFamily="18" charset="0"/>
+                          </a:rPr>
+                        </m:ctrlPr>
+                      </m:sSubPr>
+                      <m:e>
+                        <m:r>
+                          <a:rPr lang="en-US" sz="2400" i="1">
+                            <a:solidFill>
+                              <a:srgbClr val="7030A0"/>
+                            </a:solidFill>
+                            <a:latin typeface="Cambria Math" panose="02040503050406030204" pitchFamily="18" charset="0"/>
+                          </a:rPr>
+                          <m:t>𝑃</m:t>
+                        </m:r>
+                      </m:e>
+                      <m:sub>
+                        <m:r>
+                          <a:rPr lang="en-US" sz="2400" i="1">
+                            <a:solidFill>
+                              <a:srgbClr val="7030A0"/>
+                            </a:solidFill>
+                            <a:latin typeface="Cambria Math" panose="02040503050406030204" pitchFamily="18" charset="0"/>
+                          </a:rPr>
+                          <m:t>𝑖𝑑𝑒𝑎𝑙</m:t>
+                        </m:r>
+                      </m:sub>
+                    </m:sSub>
+                    <m:r>
+                      <a:rPr lang="en-US" sz="2400" i="1">
+                        <a:solidFill>
+                          <a:srgbClr val="7030A0"/>
+                        </a:solidFill>
+                        <a:latin typeface="Cambria Math" panose="02040503050406030204" pitchFamily="18" charset="0"/>
+                      </a:rPr>
+                      <m:t>=</m:t>
+                    </m:r>
+                    <m:sSub>
+                      <m:sSubPr>
+                        <m:ctrlPr>
+                          <a:rPr lang="en-US" sz="2400" i="1">
+                            <a:solidFill>
+                              <a:srgbClr val="7030A0"/>
+                            </a:solidFill>
+                            <a:latin typeface="Cambria Math" panose="02040503050406030204" pitchFamily="18" charset="0"/>
+                          </a:rPr>
+                        </m:ctrlPr>
+                      </m:sSubPr>
+                      <m:e>
+                        <m:r>
+                          <a:rPr lang="en-US" sz="2400" i="1">
+                            <a:solidFill>
+                              <a:srgbClr val="7030A0"/>
+                            </a:solidFill>
+                            <a:latin typeface="Cambria Math" panose="02040503050406030204" pitchFamily="18" charset="0"/>
+                          </a:rPr>
+                          <m:t>𝑃</m:t>
+                        </m:r>
+                      </m:e>
+                      <m:sub>
+                        <m:r>
+                          <a:rPr lang="en-US" sz="2400" i="1">
+                            <a:solidFill>
+                              <a:srgbClr val="7030A0"/>
+                            </a:solidFill>
+                            <a:latin typeface="Cambria Math" panose="02040503050406030204" pitchFamily="18" charset="0"/>
+                          </a:rPr>
+                          <m:t>𝑣𝑑𝑤</m:t>
+                        </m:r>
+                      </m:sub>
+                    </m:sSub>
+                  </m:oMath>
+                </a14:m>
+                <a:r>
+                  <a:rPr lang="en-US" sz="2400" dirty="0"/>
+                  <a:t>, and solve for </a:t>
+                </a:r>
+                <a14:m>
+                  <m:oMath xmlns:m="http://schemas.openxmlformats.org/officeDocument/2006/math">
+                    <m:r>
+                      <a:rPr lang="en-US" sz="2400" i="1">
+                        <a:latin typeface="Cambria Math" panose="02040503050406030204" pitchFamily="18" charset="0"/>
+                      </a:rPr>
+                      <m:t>𝑇</m:t>
+                    </m:r>
+                  </m:oMath>
+                </a14:m>
+                <a:r>
+                  <a:rPr lang="en-US" sz="2400" dirty="0"/>
+                  <a:t>. You’ll need the approximation</a:t>
+                </a:r>
+              </a:p>
+              <a:p>
+                <a:endParaRPr lang="en-US" sz="2400" dirty="0"/>
+              </a:p>
+              <a:p>
+                <a:pPr/>
+                <a14:m>
+                  <m:oMathPara xmlns:m="http://schemas.openxmlformats.org/officeDocument/2006/math">
+                    <m:oMathParaPr>
+                      <m:jc m:val="centerGroup"/>
+                    </m:oMathParaPr>
+                    <m:oMath xmlns:m="http://schemas.openxmlformats.org/officeDocument/2006/math">
+                      <m:f>
+                        <m:fPr>
+                          <m:ctrlPr>
+                            <a:rPr lang="en-US" sz="2400" b="1" i="1">
+                              <a:solidFill>
+                                <a:srgbClr val="7030A0"/>
+                              </a:solidFill>
+                              <a:latin typeface="Cambria Math" panose="02040503050406030204" pitchFamily="18" charset="0"/>
+                            </a:rPr>
+                          </m:ctrlPr>
+                        </m:fPr>
+                        <m:num>
+                          <m:r>
+                            <a:rPr lang="en-US" sz="2400" b="1" i="1">
+                              <a:solidFill>
+                                <a:srgbClr val="7030A0"/>
+                              </a:solidFill>
+                              <a:latin typeface="Cambria Math" panose="02040503050406030204" pitchFamily="18" charset="0"/>
+                            </a:rPr>
+                            <m:t>𝟏</m:t>
+                          </m:r>
+                        </m:num>
+                        <m:den>
+                          <m:r>
+                            <a:rPr lang="en-US" sz="2400" b="1" i="1">
+                              <a:solidFill>
+                                <a:srgbClr val="7030A0"/>
+                              </a:solidFill>
+                              <a:latin typeface="Cambria Math" panose="02040503050406030204" pitchFamily="18" charset="0"/>
+                            </a:rPr>
+                            <m:t>𝟏</m:t>
+                          </m:r>
+                          <m:r>
+                            <a:rPr lang="en-US" sz="2400" b="1" i="1">
+                              <a:solidFill>
+                                <a:srgbClr val="7030A0"/>
+                              </a:solidFill>
+                              <a:latin typeface="Cambria Math" panose="02040503050406030204" pitchFamily="18" charset="0"/>
+                            </a:rPr>
+                            <m:t>−</m:t>
+                          </m:r>
+                          <m:r>
+                            <a:rPr lang="en-US" sz="2400" b="1" i="1">
+                              <a:solidFill>
+                                <a:srgbClr val="7030A0"/>
+                              </a:solidFill>
+                              <a:latin typeface="Cambria Math" panose="02040503050406030204" pitchFamily="18" charset="0"/>
+                            </a:rPr>
+                            <m:t>𝒙</m:t>
+                          </m:r>
+                        </m:den>
+                      </m:f>
+                      <m:r>
+                        <a:rPr lang="en-US" sz="2400" b="1" i="1">
+                          <a:solidFill>
+                            <a:srgbClr val="7030A0"/>
+                          </a:solidFill>
+                          <a:latin typeface="Cambria Math" panose="02040503050406030204" pitchFamily="18" charset="0"/>
+                          <a:ea typeface="Cambria Math" panose="02040503050406030204" pitchFamily="18" charset="0"/>
+                        </a:rPr>
+                        <m:t>≈</m:t>
+                      </m:r>
+                      <m:r>
+                        <a:rPr lang="en-US" sz="2400" b="1" i="1">
+                          <a:solidFill>
+                            <a:srgbClr val="7030A0"/>
+                          </a:solidFill>
+                          <a:latin typeface="Cambria Math" panose="02040503050406030204" pitchFamily="18" charset="0"/>
+                          <a:ea typeface="Cambria Math" panose="02040503050406030204" pitchFamily="18" charset="0"/>
+                        </a:rPr>
+                        <m:t>𝟏</m:t>
+                      </m:r>
+                      <m:r>
+                        <a:rPr lang="en-US" sz="2400" b="1" i="1">
+                          <a:solidFill>
+                            <a:srgbClr val="7030A0"/>
+                          </a:solidFill>
+                          <a:latin typeface="Cambria Math" panose="02040503050406030204" pitchFamily="18" charset="0"/>
+                          <a:ea typeface="Cambria Math" panose="02040503050406030204" pitchFamily="18" charset="0"/>
+                        </a:rPr>
+                        <m:t>+</m:t>
+                      </m:r>
+                      <m:r>
+                        <a:rPr lang="en-US" sz="2400" b="1" i="1">
+                          <a:solidFill>
+                            <a:srgbClr val="7030A0"/>
+                          </a:solidFill>
+                          <a:latin typeface="Cambria Math" panose="02040503050406030204" pitchFamily="18" charset="0"/>
+                          <a:ea typeface="Cambria Math" panose="02040503050406030204" pitchFamily="18" charset="0"/>
+                        </a:rPr>
+                        <m:t>𝒙</m:t>
+                      </m:r>
+                    </m:oMath>
+                  </m:oMathPara>
+                </a14:m>
+                <a:endParaRPr lang="en-US" sz="2400" dirty="0"/>
+              </a:p>
+              <a:p>
+                <a:endParaRPr lang="en-US" sz="2400" dirty="0"/>
+              </a:p>
+              <a:p>
+                <a:r>
+                  <a:rPr lang="en-US" sz="2400" dirty="0"/>
+                  <a:t>which is valid when </a:t>
+                </a:r>
+                <a14:m>
+                  <m:oMath xmlns:m="http://schemas.openxmlformats.org/officeDocument/2006/math">
+                    <m:r>
+                      <a:rPr lang="en-US" sz="2400" i="1" smtClean="0">
+                        <a:solidFill>
+                          <a:srgbClr val="7030A0"/>
+                        </a:solidFill>
+                        <a:latin typeface="Cambria Math" panose="02040503050406030204" pitchFamily="18" charset="0"/>
+                        <a:ea typeface="Cambria Math" panose="02040503050406030204" pitchFamily="18" charset="0"/>
+                      </a:rPr>
+                      <m:t>𝑥</m:t>
+                    </m:r>
+                  </m:oMath>
+                </a14:m>
+                <a:r>
+                  <a:rPr lang="en-US" sz="2400" dirty="0"/>
+                  <a:t> is small (it’s a truncated version of </a:t>
+                </a:r>
+                <a14:m>
+                  <m:oMath xmlns:m="http://schemas.openxmlformats.org/officeDocument/2006/math">
+                    <m:f>
+                      <m:fPr>
+                        <m:ctrlPr>
+                          <a:rPr lang="en-US" sz="2400" i="1">
+                            <a:solidFill>
+                              <a:srgbClr val="7030A0"/>
+                            </a:solidFill>
+                            <a:latin typeface="Cambria Math" panose="02040503050406030204" pitchFamily="18" charset="0"/>
+                          </a:rPr>
+                        </m:ctrlPr>
+                      </m:fPr>
+                      <m:num>
+                        <m:r>
+                          <a:rPr lang="en-US" sz="2400" i="1">
+                            <a:solidFill>
+                              <a:srgbClr val="7030A0"/>
+                            </a:solidFill>
+                            <a:latin typeface="Cambria Math" panose="02040503050406030204" pitchFamily="18" charset="0"/>
+                          </a:rPr>
+                          <m:t>1</m:t>
+                        </m:r>
+                      </m:num>
+                      <m:den>
+                        <m:r>
+                          <a:rPr lang="en-US" sz="2400" i="1">
+                            <a:solidFill>
+                              <a:srgbClr val="7030A0"/>
+                            </a:solidFill>
+                            <a:latin typeface="Cambria Math" panose="02040503050406030204" pitchFamily="18" charset="0"/>
+                          </a:rPr>
+                          <m:t>1−</m:t>
+                        </m:r>
+                        <m:r>
+                          <a:rPr lang="en-US" sz="2400" i="1">
+                            <a:solidFill>
+                              <a:srgbClr val="7030A0"/>
+                            </a:solidFill>
+                            <a:latin typeface="Cambria Math" panose="02040503050406030204" pitchFamily="18" charset="0"/>
+                          </a:rPr>
+                          <m:t>𝑥</m:t>
+                        </m:r>
+                      </m:den>
+                    </m:f>
+                    <m:r>
+                      <a:rPr lang="en-US" sz="2400" i="1">
+                        <a:solidFill>
+                          <a:srgbClr val="7030A0"/>
+                        </a:solidFill>
+                        <a:latin typeface="Cambria Math" panose="02040503050406030204" pitchFamily="18" charset="0"/>
+                      </a:rPr>
+                      <m:t>=1+</m:t>
+                    </m:r>
+                    <m:r>
+                      <a:rPr lang="en-US" sz="2400" i="1">
+                        <a:solidFill>
+                          <a:srgbClr val="7030A0"/>
+                        </a:solidFill>
+                        <a:latin typeface="Cambria Math" panose="02040503050406030204" pitchFamily="18" charset="0"/>
+                      </a:rPr>
+                      <m:t>𝑥</m:t>
+                    </m:r>
+                    <m:r>
+                      <a:rPr lang="en-US" sz="2400" i="1">
+                        <a:solidFill>
+                          <a:srgbClr val="7030A0"/>
+                        </a:solidFill>
+                        <a:latin typeface="Cambria Math" panose="02040503050406030204" pitchFamily="18" charset="0"/>
+                      </a:rPr>
+                      <m:t>+</m:t>
+                    </m:r>
+                    <m:sSup>
+                      <m:sSupPr>
+                        <m:ctrlPr>
+                          <a:rPr lang="en-US" sz="2400" i="1">
+                            <a:solidFill>
+                              <a:srgbClr val="7030A0"/>
+                            </a:solidFill>
+                            <a:latin typeface="Cambria Math" panose="02040503050406030204" pitchFamily="18" charset="0"/>
+                          </a:rPr>
+                        </m:ctrlPr>
+                      </m:sSupPr>
+                      <m:e>
+                        <m:r>
+                          <a:rPr lang="en-US" sz="2400" i="1">
+                            <a:solidFill>
+                              <a:srgbClr val="7030A0"/>
+                            </a:solidFill>
+                            <a:latin typeface="Cambria Math" panose="02040503050406030204" pitchFamily="18" charset="0"/>
+                          </a:rPr>
+                          <m:t>𝑥</m:t>
+                        </m:r>
+                      </m:e>
+                      <m:sup>
+                        <m:r>
+                          <a:rPr lang="en-US" sz="2400" i="1">
+                            <a:solidFill>
+                              <a:srgbClr val="7030A0"/>
+                            </a:solidFill>
+                            <a:latin typeface="Cambria Math" panose="02040503050406030204" pitchFamily="18" charset="0"/>
+                          </a:rPr>
+                          <m:t>2</m:t>
+                        </m:r>
+                      </m:sup>
+                    </m:sSup>
+                    <m:r>
+                      <a:rPr lang="en-US" sz="2400" b="0" i="1" smtClean="0">
+                        <a:solidFill>
+                          <a:srgbClr val="7030A0"/>
+                        </a:solidFill>
+                        <a:latin typeface="Cambria Math" panose="02040503050406030204" pitchFamily="18" charset="0"/>
+                      </a:rPr>
+                      <m:t>+ </m:t>
+                    </m:r>
+                    <m:r>
+                      <a:rPr lang="en-US" sz="2400" i="1">
+                        <a:solidFill>
+                          <a:srgbClr val="7030A0"/>
+                        </a:solidFill>
+                        <a:latin typeface="Cambria Math" panose="02040503050406030204" pitchFamily="18" charset="0"/>
+                      </a:rPr>
+                      <m:t>…</m:t>
+                    </m:r>
+                  </m:oMath>
+                </a14:m>
+                <a:r>
+                  <a:rPr lang="en-US" sz="2400" dirty="0"/>
+                  <a:t>)</a:t>
+                </a:r>
+              </a:p>
+              <a:p>
+                <a:endParaRPr lang="en-US" sz="2400" dirty="0"/>
+              </a:p>
+              <a:p>
+                <a:r>
+                  <a:rPr lang="en-US" sz="2400" dirty="0"/>
+                  <a:t>Challenges … </a:t>
+                </a:r>
+              </a:p>
+              <a:p>
+                <a:pPr marL="342900" indent="-342900">
+                  <a:buFont typeface="Arial" panose="020B0604020202020204" pitchFamily="34" charset="0"/>
+                  <a:buChar char="•"/>
+                </a:pPr>
+                <a:r>
+                  <a:rPr lang="en-US" sz="2400" dirty="0"/>
+                  <a:t>Recognizing how </a:t>
+                </a:r>
+                <a14:m>
+                  <m:oMath xmlns:m="http://schemas.openxmlformats.org/officeDocument/2006/math">
+                    <m:f>
+                      <m:fPr>
+                        <m:ctrlPr>
+                          <a:rPr lang="en-US" sz="2400" i="1" smtClean="0">
+                            <a:solidFill>
+                              <a:srgbClr val="7030A0"/>
+                            </a:solidFill>
+                            <a:latin typeface="Cambria Math" panose="02040503050406030204" pitchFamily="18" charset="0"/>
+                          </a:rPr>
+                        </m:ctrlPr>
+                      </m:fPr>
+                      <m:num>
+                        <m:r>
+                          <a:rPr lang="en-US" sz="2400" i="1">
+                            <a:solidFill>
+                              <a:srgbClr val="7030A0"/>
+                            </a:solidFill>
+                            <a:latin typeface="Cambria Math" panose="02040503050406030204" pitchFamily="18" charset="0"/>
+                          </a:rPr>
+                          <m:t>1</m:t>
+                        </m:r>
+                      </m:num>
+                      <m:den>
+                        <m:r>
+                          <a:rPr lang="en-US" sz="2400" i="1">
+                            <a:solidFill>
+                              <a:srgbClr val="7030A0"/>
+                            </a:solidFill>
+                            <a:latin typeface="Cambria Math" panose="02040503050406030204" pitchFamily="18" charset="0"/>
+                          </a:rPr>
+                          <m:t>1−</m:t>
+                        </m:r>
+                        <m:r>
+                          <a:rPr lang="en-US" sz="2400" i="1">
+                            <a:solidFill>
+                              <a:srgbClr val="7030A0"/>
+                            </a:solidFill>
+                            <a:latin typeface="Cambria Math" panose="02040503050406030204" pitchFamily="18" charset="0"/>
+                          </a:rPr>
+                          <m:t>𝑥</m:t>
+                        </m:r>
+                      </m:den>
+                    </m:f>
+                  </m:oMath>
+                </a14:m>
+                <a:r>
+                  <a:rPr lang="en-US" sz="2400" dirty="0"/>
+                  <a:t> appears in your equation (after solving for </a:t>
+                </a:r>
+                <a14:m>
+                  <m:oMath xmlns:m="http://schemas.openxmlformats.org/officeDocument/2006/math">
+                    <m:r>
+                      <a:rPr lang="en-US" sz="2400" i="1">
+                        <a:latin typeface="Cambria Math" panose="02040503050406030204" pitchFamily="18" charset="0"/>
+                      </a:rPr>
+                      <m:t>𝑇</m:t>
+                    </m:r>
+                  </m:oMath>
+                </a14:m>
+                <a:r>
+                  <a:rPr lang="en-US" sz="2400" dirty="0"/>
+                  <a:t>)</a:t>
+                </a:r>
+              </a:p>
+              <a:p>
+                <a:pPr marL="342900" indent="-342900">
+                  <a:buFont typeface="Arial" panose="020B0604020202020204" pitchFamily="34" charset="0"/>
+                  <a:buChar char="•"/>
+                </a:pPr>
+                <a:r>
+                  <a:rPr lang="en-US" sz="2400" dirty="0"/>
+                  <a:t>Identifying how </a:t>
+                </a:r>
+                <a14:m>
+                  <m:oMath xmlns:m="http://schemas.openxmlformats.org/officeDocument/2006/math">
+                    <m:r>
+                      <a:rPr lang="en-US" sz="2400" i="1">
+                        <a:solidFill>
+                          <a:srgbClr val="7030A0"/>
+                        </a:solidFill>
+                        <a:latin typeface="Cambria Math" panose="02040503050406030204" pitchFamily="18" charset="0"/>
+                        <a:ea typeface="Cambria Math" panose="02040503050406030204" pitchFamily="18" charset="0"/>
+                      </a:rPr>
+                      <m:t>𝑥</m:t>
+                    </m:r>
+                  </m:oMath>
+                </a14:m>
+                <a:r>
+                  <a:rPr lang="en-US" sz="2400" dirty="0"/>
+                  <a:t> is related to the volume of the gas</a:t>
+                </a:r>
+              </a:p>
+              <a:p>
+                <a:pPr marL="342900" indent="-342900">
+                  <a:buFont typeface="Arial" panose="020B0604020202020204" pitchFamily="34" charset="0"/>
+                  <a:buChar char="•"/>
+                </a:pPr>
+                <a:r>
+                  <a:rPr lang="en-US" sz="2400" dirty="0"/>
+                  <a:t>Defending the argument “</a:t>
+                </a:r>
+                <a14:m>
+                  <m:oMath xmlns:m="http://schemas.openxmlformats.org/officeDocument/2006/math">
+                    <m:r>
+                      <a:rPr lang="en-US" sz="2400" i="1" smtClean="0">
+                        <a:solidFill>
+                          <a:srgbClr val="7030A0"/>
+                        </a:solidFill>
+                        <a:latin typeface="Cambria Math" panose="02040503050406030204" pitchFamily="18" charset="0"/>
+                        <a:ea typeface="Cambria Math" panose="02040503050406030204" pitchFamily="18" charset="0"/>
+                      </a:rPr>
+                      <m:t>𝑥</m:t>
+                    </m:r>
+                  </m:oMath>
+                </a14:m>
+                <a:r>
+                  <a:rPr lang="en-US" sz="2400" dirty="0"/>
+                  <a:t> is small”</a:t>
+                </a:r>
+              </a:p>
+              <a:p>
+                <a:endParaRPr lang="en-US" sz="2400" dirty="0"/>
+              </a:p>
+              <a:p>
+                <a:r>
+                  <a:rPr lang="en-US" sz="2400" dirty="0"/>
+                  <a:t>Have fun!</a:t>
+                </a:r>
+              </a:p>
+            </p:txBody>
+          </p:sp>
+        </mc:Choice>
+        <mc:Fallback>
+          <p:sp>
+            <p:nvSpPr>
+              <p:cNvPr id="3" name="Rectangle 2">
+                <a:extLst>
+                  <a:ext uri="{FF2B5EF4-FFF2-40B4-BE49-F238E27FC236}">
+                    <a16:creationId xmlns:a16="http://schemas.microsoft.com/office/drawing/2014/main" id="{22F3AC64-583D-A5FF-EB8D-8853614DFF55}"/>
+                  </a:ext>
+                </a:extLst>
+              </p:cNvPr>
+              <p:cNvSpPr>
+                <a:spLocks noRot="1" noChangeAspect="1" noMove="1" noResize="1" noEditPoints="1" noAdjustHandles="1" noChangeArrowheads="1" noChangeShapeType="1" noTextEdit="1"/>
+              </p:cNvSpPr>
+              <p:nvPr/>
+            </p:nvSpPr>
+            <p:spPr>
+              <a:xfrm>
+                <a:off x="241300" y="508124"/>
+                <a:ext cx="11859036" cy="5651484"/>
+              </a:xfrm>
+              <a:prstGeom prst="rect">
+                <a:avLst/>
+              </a:prstGeom>
+              <a:blipFill>
+                <a:blip r:embed="rId2"/>
+                <a:stretch>
+                  <a:fillRect l="-857" b="-1570"/>
+                </a:stretch>
+              </a:blipFill>
+            </p:spPr>
+            <p:txBody>
+              <a:bodyPr/>
+              <a:lstStyle/>
+              <a:p>
+                <a:r>
+                  <a:rPr lang="en-US">
+                    <a:noFill/>
+                  </a:rPr>
+                  <a:t> </a:t>
+                </a:r>
+              </a:p>
+            </p:txBody>
+          </p:sp>
+        </mc:Fallback>
+      </mc:AlternateContent>
+    </p:spTree>
+    <p:extLst>
+      <p:ext uri="{BB962C8B-B14F-4D97-AF65-F5344CB8AC3E}">
+        <p14:creationId xmlns:p14="http://schemas.microsoft.com/office/powerpoint/2010/main" val="4245122890"/>
       </p:ext>
     </p:extLst>
   </p:cSld>
@@ -5988,4 +8642,299 @@
     </a:ext>
   </a:extLst>
 </a:theme>
+</file>
+
+<file path=ppt/theme/theme2.xml><?xml version="1.0" encoding="utf-8"?>
+<a:theme xmlns:a="http://schemas.openxmlformats.org/drawingml/2006/main" name="Office Theme">
+  <a:themeElements>
+    <a:clrScheme name="Office">
+      <a:dk1>
+        <a:sysClr val="windowText" lastClr="000000"/>
+      </a:dk1>
+      <a:lt1>
+        <a:sysClr val="window" lastClr="FFFFFF"/>
+      </a:lt1>
+      <a:dk2>
+        <a:srgbClr val="44546A"/>
+      </a:dk2>
+      <a:lt2>
+        <a:srgbClr val="E7E6E6"/>
+      </a:lt2>
+      <a:accent1>
+        <a:srgbClr val="4472C4"/>
+      </a:accent1>
+      <a:accent2>
+        <a:srgbClr val="ED7D31"/>
+      </a:accent2>
+      <a:accent3>
+        <a:srgbClr val="A5A5A5"/>
+      </a:accent3>
+      <a:accent4>
+        <a:srgbClr val="FFC000"/>
+      </a:accent4>
+      <a:accent5>
+        <a:srgbClr val="5B9BD5"/>
+      </a:accent5>
+      <a:accent6>
+        <a:srgbClr val="70AD47"/>
+      </a:accent6>
+      <a:hlink>
+        <a:srgbClr val="0563C1"/>
+      </a:hlink>
+      <a:folHlink>
+        <a:srgbClr val="954F72"/>
+      </a:folHlink>
+    </a:clrScheme>
+    <a:fontScheme name="Office">
+      <a:majorFont>
+        <a:latin typeface="Calibri Light" panose="020F0302020204030204"/>
+        <a:ea typeface=""/>
+        <a:cs typeface=""/>
+        <a:font script="Jpan" typeface="游ゴシック Light"/>
+        <a:font script="Hang" typeface="맑은 고딕"/>
+        <a:font script="Hans" typeface="等线 Light"/>
+        <a:font script="Hant" typeface="新細明體"/>
+        <a:font script="Arab" typeface="Times New Roman"/>
+        <a:font script="Hebr" typeface="Times New Roman"/>
+        <a:font script="Thai" typeface="Angsana New"/>
+        <a:font script="Ethi" typeface="Nyala"/>
+        <a:font script="Beng" typeface="Vrinda"/>
+        <a:font script="Gujr" typeface="Shruti"/>
+        <a:font script="Khmr" typeface="MoolBoran"/>
+        <a:font script="Knda" typeface="Tunga"/>
+        <a:font script="Guru" typeface="Raavi"/>
+        <a:font script="Cans" typeface="Euphemia"/>
+        <a:font script="Cher" typeface="Plantagenet Cherokee"/>
+        <a:font script="Yiii" typeface="Microsoft Yi Baiti"/>
+        <a:font script="Tibt" typeface="Microsoft Himalaya"/>
+        <a:font script="Thaa" typeface="MV Boli"/>
+        <a:font script="Deva" typeface="Mangal"/>
+        <a:font script="Telu" typeface="Gautami"/>
+        <a:font script="Taml" typeface="Latha"/>
+        <a:font script="Syrc" typeface="Estrangelo Edessa"/>
+        <a:font script="Orya" typeface="Kalinga"/>
+        <a:font script="Mlym" typeface="Kartika"/>
+        <a:font script="Laoo" typeface="DokChampa"/>
+        <a:font script="Sinh" typeface="Iskoola Pota"/>
+        <a:font script="Mong" typeface="Mongolian Baiti"/>
+        <a:font script="Viet" typeface="Times New Roman"/>
+        <a:font script="Uigh" typeface="Microsoft Uighur"/>
+        <a:font script="Geor" typeface="Sylfaen"/>
+        <a:font script="Armn" typeface="Arial"/>
+        <a:font script="Bugi" typeface="Leelawadee UI"/>
+        <a:font script="Bopo" typeface="Microsoft JhengHei"/>
+        <a:font script="Java" typeface="Javanese Text"/>
+        <a:font script="Lisu" typeface="Segoe UI"/>
+        <a:font script="Mymr" typeface="Myanmar Text"/>
+        <a:font script="Nkoo" typeface="Ebrima"/>
+        <a:font script="Olck" typeface="Nirmala UI"/>
+        <a:font script="Osma" typeface="Ebrima"/>
+        <a:font script="Phag" typeface="Phagspa"/>
+        <a:font script="Syrn" typeface="Estrangelo Edessa"/>
+        <a:font script="Syrj" typeface="Estrangelo Edessa"/>
+        <a:font script="Syre" typeface="Estrangelo Edessa"/>
+        <a:font script="Sora" typeface="Nirmala UI"/>
+        <a:font script="Tale" typeface="Microsoft Tai Le"/>
+        <a:font script="Talu" typeface="Microsoft New Tai Lue"/>
+        <a:font script="Tfng" typeface="Ebrima"/>
+      </a:majorFont>
+      <a:minorFont>
+        <a:latin typeface="Calibri" panose="020F0502020204030204"/>
+        <a:ea typeface=""/>
+        <a:cs typeface=""/>
+        <a:font script="Jpan" typeface="游ゴシック"/>
+        <a:font script="Hang" typeface="맑은 고딕"/>
+        <a:font script="Hans" typeface="等线"/>
+        <a:font script="Hant" typeface="新細明體"/>
+        <a:font script="Arab" typeface="Arial"/>
+        <a:font script="Hebr" typeface="Arial"/>
+        <a:font script="Thai" typeface="Cordia New"/>
+        <a:font script="Ethi" typeface="Nyala"/>
+        <a:font script="Beng" typeface="Vrinda"/>
+        <a:font script="Gujr" typeface="Shruti"/>
+        <a:font script="Khmr" typeface="DaunPenh"/>
+        <a:font script="Knda" typeface="Tunga"/>
+        <a:font script="Guru" typeface="Raavi"/>
+        <a:font script="Cans" typeface="Euphemia"/>
+        <a:font script="Cher" typeface="Plantagenet Cherokee"/>
+        <a:font script="Yiii" typeface="Microsoft Yi Baiti"/>
+        <a:font script="Tibt" typeface="Microsoft Himalaya"/>
+        <a:font script="Thaa" typeface="MV Boli"/>
+        <a:font script="Deva" typeface="Mangal"/>
+        <a:font script="Telu" typeface="Gautami"/>
+        <a:font script="Taml" typeface="Latha"/>
+        <a:font script="Syrc" typeface="Estrangelo Edessa"/>
+        <a:font script="Orya" typeface="Kalinga"/>
+        <a:font script="Mlym" typeface="Kartika"/>
+        <a:font script="Laoo" typeface="DokChampa"/>
+        <a:font script="Sinh" typeface="Iskoola Pota"/>
+        <a:font script="Mong" typeface="Mongolian Baiti"/>
+        <a:font script="Viet" typeface="Arial"/>
+        <a:font script="Uigh" typeface="Microsoft Uighur"/>
+        <a:font script="Geor" typeface="Sylfaen"/>
+        <a:font script="Armn" typeface="Arial"/>
+        <a:font script="Bugi" typeface="Leelawadee UI"/>
+        <a:font script="Bopo" typeface="Microsoft JhengHei"/>
+        <a:font script="Java" typeface="Javanese Text"/>
+        <a:font script="Lisu" typeface="Segoe UI"/>
+        <a:font script="Mymr" typeface="Myanmar Text"/>
+        <a:font script="Nkoo" typeface="Ebrima"/>
+        <a:font script="Olck" typeface="Nirmala UI"/>
+        <a:font script="Osma" typeface="Ebrima"/>
+        <a:font script="Phag" typeface="Phagspa"/>
+        <a:font script="Syrn" typeface="Estrangelo Edessa"/>
+        <a:font script="Syrj" typeface="Estrangelo Edessa"/>
+        <a:font script="Syre" typeface="Estrangelo Edessa"/>
+        <a:font script="Sora" typeface="Nirmala UI"/>
+        <a:font script="Tale" typeface="Microsoft Tai Le"/>
+        <a:font script="Talu" typeface="Microsoft New Tai Lue"/>
+        <a:font script="Tfng" typeface="Ebrima"/>
+      </a:minorFont>
+    </a:fontScheme>
+    <a:fmtScheme name="Office">
+      <a:fillStyleLst>
+        <a:solidFill>
+          <a:schemeClr val="phClr"/>
+        </a:solidFill>
+        <a:gradFill rotWithShape="1">
+          <a:gsLst>
+            <a:gs pos="0">
+              <a:schemeClr val="phClr">
+                <a:lumMod val="110000"/>
+                <a:satMod val="105000"/>
+                <a:tint val="67000"/>
+              </a:schemeClr>
+            </a:gs>
+            <a:gs pos="50000">
+              <a:schemeClr val="phClr">
+                <a:lumMod val="105000"/>
+                <a:satMod val="103000"/>
+                <a:tint val="73000"/>
+              </a:schemeClr>
+            </a:gs>
+            <a:gs pos="100000">
+              <a:schemeClr val="phClr">
+                <a:lumMod val="105000"/>
+                <a:satMod val="109000"/>
+                <a:tint val="81000"/>
+              </a:schemeClr>
+            </a:gs>
+          </a:gsLst>
+          <a:lin ang="5400000" scaled="0"/>
+        </a:gradFill>
+        <a:gradFill rotWithShape="1">
+          <a:gsLst>
+            <a:gs pos="0">
+              <a:schemeClr val="phClr">
+                <a:satMod val="103000"/>
+                <a:lumMod val="102000"/>
+                <a:tint val="94000"/>
+              </a:schemeClr>
+            </a:gs>
+            <a:gs pos="50000">
+              <a:schemeClr val="phClr">
+                <a:satMod val="110000"/>
+                <a:lumMod val="100000"/>
+                <a:shade val="100000"/>
+              </a:schemeClr>
+            </a:gs>
+            <a:gs pos="100000">
+              <a:schemeClr val="phClr">
+                <a:lumMod val="99000"/>
+                <a:satMod val="120000"/>
+                <a:shade val="78000"/>
+              </a:schemeClr>
+            </a:gs>
+          </a:gsLst>
+          <a:lin ang="5400000" scaled="0"/>
+        </a:gradFill>
+      </a:fillStyleLst>
+      <a:lnStyleLst>
+        <a:ln w="6350" cap="flat" cmpd="sng" algn="ctr">
+          <a:solidFill>
+            <a:schemeClr val="phClr"/>
+          </a:solidFill>
+          <a:prstDash val="solid"/>
+          <a:miter lim="800000"/>
+        </a:ln>
+        <a:ln w="12700" cap="flat" cmpd="sng" algn="ctr">
+          <a:solidFill>
+            <a:schemeClr val="phClr"/>
+          </a:solidFill>
+          <a:prstDash val="solid"/>
+          <a:miter lim="800000"/>
+        </a:ln>
+        <a:ln w="19050" cap="flat" cmpd="sng" algn="ctr">
+          <a:solidFill>
+            <a:schemeClr val="phClr"/>
+          </a:solidFill>
+          <a:prstDash val="solid"/>
+          <a:miter lim="800000"/>
+        </a:ln>
+      </a:lnStyleLst>
+      <a:effectStyleLst>
+        <a:effectStyle>
+          <a:effectLst/>
+        </a:effectStyle>
+        <a:effectStyle>
+          <a:effectLst/>
+        </a:effectStyle>
+        <a:effectStyle>
+          <a:effectLst>
+            <a:outerShdw blurRad="57150" dist="19050" dir="5400000" algn="ctr" rotWithShape="0">
+              <a:srgbClr val="000000">
+                <a:alpha val="63000"/>
+              </a:srgbClr>
+            </a:outerShdw>
+          </a:effectLst>
+        </a:effectStyle>
+      </a:effectStyleLst>
+      <a:bgFillStyleLst>
+        <a:solidFill>
+          <a:schemeClr val="phClr"/>
+        </a:solidFill>
+        <a:solidFill>
+          <a:schemeClr val="phClr">
+            <a:tint val="95000"/>
+            <a:satMod val="170000"/>
+          </a:schemeClr>
+        </a:solidFill>
+        <a:gradFill rotWithShape="1">
+          <a:gsLst>
+            <a:gs pos="0">
+              <a:schemeClr val="phClr">
+                <a:tint val="93000"/>
+                <a:satMod val="150000"/>
+                <a:shade val="98000"/>
+                <a:lumMod val="102000"/>
+              </a:schemeClr>
+            </a:gs>
+            <a:gs pos="50000">
+              <a:schemeClr val="phClr">
+                <a:tint val="98000"/>
+                <a:satMod val="130000"/>
+                <a:shade val="90000"/>
+                <a:lumMod val="103000"/>
+              </a:schemeClr>
+            </a:gs>
+            <a:gs pos="100000">
+              <a:schemeClr val="phClr">
+                <a:shade val="63000"/>
+                <a:satMod val="120000"/>
+              </a:schemeClr>
+            </a:gs>
+          </a:gsLst>
+          <a:lin ang="5400000" scaled="0"/>
+        </a:gradFill>
+      </a:bgFillStyleLst>
+    </a:fmtScheme>
+  </a:themeElements>
+  <a:objectDefaults/>
+  <a:extraClrSchemeLst/>
+  <a:extLst>
+    <a:ext uri="{05A4C25C-085E-4340-85A3-A5531E510DB2}">
+      <thm15:themeFamily xmlns:thm15="http://schemas.microsoft.com/office/thememl/2012/main" name="Office Theme" id="{62F939B6-93AF-4DB8-9C6B-D6C7DFDC589F}" vid="{4A3C46E8-61CC-4603-A589-7422A47A8E4A}"/>
+    </a:ext>
+  </a:extLst>
+</a:theme>
 </file>